--- a/Energy Solar ppt final version.pptx
+++ b/Energy Solar ppt final version.pptx
@@ -5,7 +5,7 @@
     <p:sldMasterId id="2147483658" r:id="rId1"/>
   </p:sldMasterIdLst>
   <p:notesMasterIdLst>
-    <p:notesMasterId r:id="rId16"/>
+    <p:notesMasterId r:id="rId14"/>
   </p:notesMasterIdLst>
   <p:sldIdLst>
     <p:sldId id="256" r:id="rId2"/>
@@ -19,26 +19,24 @@
     <p:sldId id="297" r:id="rId10"/>
     <p:sldId id="298" r:id="rId11"/>
     <p:sldId id="302" r:id="rId12"/>
-    <p:sldId id="295" r:id="rId13"/>
-    <p:sldId id="294" r:id="rId14"/>
-    <p:sldId id="280" r:id="rId15"/>
+    <p:sldId id="280" r:id="rId13"/>
   </p:sldIdLst>
   <p:sldSz cx="9144000" cy="5143500" type="screen16x9"/>
   <p:notesSz cx="6858000" cy="9144000"/>
   <p:embeddedFontLst>
     <p:embeddedFont>
-      <p:font typeface="Lora"/>
-      <p:regular r:id="rId17"/>
-      <p:bold r:id="rId18"/>
-      <p:italic r:id="rId19"/>
-      <p:boldItalic r:id="rId20"/>
+      <p:font typeface="Lora" pitchFamily="2" charset="77"/>
+      <p:regular r:id="rId15"/>
+      <p:bold r:id="rId16"/>
+      <p:italic r:id="rId17"/>
+      <p:boldItalic r:id="rId18"/>
     </p:embeddedFont>
     <p:embeddedFont>
-      <p:font typeface="Quattrocento Sans"/>
-      <p:regular r:id="rId21"/>
-      <p:bold r:id="rId22"/>
-      <p:italic r:id="rId23"/>
-      <p:boldItalic r:id="rId24"/>
+      <p:font typeface="Quattrocento Sans" panose="020B0802050000020003" pitchFamily="34" charset="0"/>
+      <p:regular r:id="rId19"/>
+      <p:bold r:id="rId20"/>
+      <p:italic r:id="rId21"/>
+      <p:boldItalic r:id="rId22"/>
     </p:embeddedFont>
   </p:embeddedFontLst>
   <p:defaultTextStyle>
@@ -1312,115 +1310,6 @@
   <p:cSld>
     <p:spTree>
       <p:nvGrpSpPr>
-        <p:cNvPr id="1" name="Shape 106"/>
-        <p:cNvGrpSpPr/>
-        <p:nvPr/>
-      </p:nvGrpSpPr>
-      <p:grpSpPr>
-        <a:xfrm>
-          <a:off x="0" y="0"/>
-          <a:ext cx="0" cy="0"/>
-          <a:chOff x="0" y="0"/>
-          <a:chExt cx="0" cy="0"/>
-        </a:xfrm>
-      </p:grpSpPr>
-      <p:sp>
-        <p:nvSpPr>
-          <p:cNvPr id="107" name="Shape 107"/>
-          <p:cNvSpPr>
-            <a:spLocks noGrp="1" noRot="1" noChangeAspect="1"/>
-          </p:cNvSpPr>
-          <p:nvPr>
-            <p:ph type="sldImg" idx="2"/>
-          </p:nvPr>
-        </p:nvSpPr>
-        <p:spPr>
-          <a:xfrm>
-            <a:off x="381000" y="685800"/>
-            <a:ext cx="6096000" cy="3429000"/>
-          </a:xfrm>
-          <a:custGeom>
-            <a:avLst/>
-            <a:gdLst/>
-            <a:ahLst/>
-            <a:cxnLst/>
-            <a:rect l="0" t="0" r="0" b="0"/>
-            <a:pathLst>
-              <a:path w="120000" h="120000" extrusionOk="0">
-                <a:moveTo>
-                  <a:pt x="0" y="0"/>
-                </a:moveTo>
-                <a:lnTo>
-                  <a:pt x="120000" y="0"/>
-                </a:lnTo>
-                <a:lnTo>
-                  <a:pt x="120000" y="120000"/>
-                </a:lnTo>
-                <a:lnTo>
-                  <a:pt x="0" y="120000"/>
-                </a:lnTo>
-                <a:close/>
-              </a:path>
-            </a:pathLst>
-          </a:custGeom>
-        </p:spPr>
-      </p:sp>
-      <p:sp>
-        <p:nvSpPr>
-          <p:cNvPr id="108" name="Shape 108"/>
-          <p:cNvSpPr txBox="1">
-            <a:spLocks noGrp="1"/>
-          </p:cNvSpPr>
-          <p:nvPr>
-            <p:ph type="body" idx="1"/>
-          </p:nvPr>
-        </p:nvSpPr>
-        <p:spPr>
-          <a:xfrm>
-            <a:off x="685800" y="4343400"/>
-            <a:ext cx="5486400" cy="4114800"/>
-          </a:xfrm>
-          <a:prstGeom prst="rect">
-            <a:avLst/>
-          </a:prstGeom>
-        </p:spPr>
-        <p:txBody>
-          <a:bodyPr spcFirstLastPara="1" wrap="square" lIns="91425" tIns="91425" rIns="91425" bIns="91425" anchor="t" anchorCtr="0">
-            <a:noAutofit/>
-          </a:bodyPr>
-          <a:lstStyle/>
-          <a:p>
-            <a:pPr marL="0" lvl="0" indent="0">
-              <a:spcBef>
-                <a:spcPts val="0"/>
-              </a:spcBef>
-              <a:spcAft>
-                <a:spcPts val="0"/>
-              </a:spcAft>
-              <a:buNone/>
-            </a:pPr>
-            <a:endParaRPr/>
-          </a:p>
-        </p:txBody>
-      </p:sp>
-    </p:spTree>
-    <p:extLst>
-      <p:ext uri="{BB962C8B-B14F-4D97-AF65-F5344CB8AC3E}">
-        <p14:creationId xmlns:p14="http://schemas.microsoft.com/office/powerpoint/2010/main" val="852362594"/>
-      </p:ext>
-    </p:extLst>
-  </p:cSld>
-  <p:clrMapOvr>
-    <a:masterClrMapping/>
-  </p:clrMapOvr>
-</p:notes>
-</file>
-
-<file path=ppt/notesSlides/notesSlide13.xml><?xml version="1.0" encoding="utf-8"?>
-<p:notes xmlns:a="http://schemas.openxmlformats.org/drawingml/2006/main" xmlns:r="http://schemas.openxmlformats.org/officeDocument/2006/relationships" xmlns:p="http://schemas.openxmlformats.org/presentationml/2006/main" showMasterSp="0" showMasterPhAnim="0">
-  <p:cSld>
-    <p:spTree>
-      <p:nvGrpSpPr>
         <p:cNvPr id="1" name="Shape 371"/>
         <p:cNvGrpSpPr/>
         <p:nvPr/>
@@ -1615,45 +1504,6 @@
             <a:br>
               <a:rPr lang="en-US" dirty="0"/>
             </a:br>
-            <a:r>
-              <a:rPr lang="en-US" sz="1100" b="0" i="0" u="none" strike="noStrike" cap="none" dirty="0">
-                <a:solidFill>
-                  <a:srgbClr val="000000"/>
-                </a:solidFill>
-                <a:effectLst/>
-                <a:latin typeface="Arial"/>
-                <a:ea typeface="Arial"/>
-                <a:cs typeface="Arial"/>
-                <a:sym typeface="Arial"/>
-              </a:rPr>
-              <a:t>Incidents are derived from SFPD Crime Incident Reporting system. Updated on a daily </a:t>
-            </a:r>
-            <a:r>
-              <a:rPr lang="en-US" sz="1100" b="0" i="0" u="none" strike="noStrike" cap="none" dirty="0" err="1">
-                <a:solidFill>
-                  <a:srgbClr val="000000"/>
-                </a:solidFill>
-                <a:effectLst/>
-                <a:latin typeface="Arial"/>
-                <a:ea typeface="Arial"/>
-                <a:cs typeface="Arial"/>
-                <a:sym typeface="Arial"/>
-              </a:rPr>
-              <a:t>basis;data</a:t>
-            </a:r>
-            <a:r>
-              <a:rPr lang="en-US" sz="1100" b="0" i="0" u="none" strike="noStrike" cap="none" dirty="0">
-                <a:solidFill>
-                  <a:srgbClr val="000000"/>
-                </a:solidFill>
-                <a:effectLst/>
-                <a:latin typeface="Arial"/>
-                <a:ea typeface="Arial"/>
-                <a:cs typeface="Arial"/>
-                <a:sym typeface="Arial"/>
-              </a:rPr>
-              <a:t> available from 1 Jan 2003 up until two weeks from current date.</a:t>
-            </a:r>
             <a:endParaRPr dirty="0"/>
           </a:p>
         </p:txBody>
@@ -1901,19 +1751,6 @@
               </a:spcAft>
               <a:buNone/>
             </a:pPr>
-            <a:r>
-              <a:rPr lang="en-US" sz="1100" b="1" i="1" u="none" strike="noStrike" cap="none" dirty="0">
-                <a:solidFill>
-                  <a:srgbClr val="000000"/>
-                </a:solidFill>
-                <a:effectLst/>
-                <a:latin typeface="Arial"/>
-                <a:ea typeface="Arial"/>
-                <a:cs typeface="Arial"/>
-                <a:sym typeface="Arial"/>
-              </a:rPr>
-              <a:t>As of July 19, 2015, the PD District boundaries have been updated through a redistricting process. These new boundaries are not reflected in the dataset yet so you cannot compare data from July 19, 2015 onward to official reports from PD with the Police District column. We are working on an update to the dataset to reflect the updated boundaries starting with data entered July 19 onward.</a:t>
-            </a:r>
             <a:endParaRPr dirty="0"/>
           </a:p>
         </p:txBody>
@@ -2953,536 +2790,6 @@
 </file>
 
 <file path=ppt/slideLayouts/slideLayout2.xml><?xml version="1.0" encoding="utf-8"?>
-<p:sldLayout xmlns:a="http://schemas.openxmlformats.org/drawingml/2006/main" xmlns:r="http://schemas.openxmlformats.org/officeDocument/2006/relationships" xmlns:p="http://schemas.openxmlformats.org/presentationml/2006/main" matchingName="Title + 1 column" type="tx">
-  <p:cSld name="TITLE_AND_BODY">
-    <p:spTree>
-      <p:nvGrpSpPr>
-        <p:cNvPr id="1" name="Shape 23"/>
-        <p:cNvGrpSpPr/>
-        <p:nvPr/>
-      </p:nvGrpSpPr>
-      <p:grpSpPr>
-        <a:xfrm>
-          <a:off x="0" y="0"/>
-          <a:ext cx="0" cy="0"/>
-          <a:chOff x="0" y="0"/>
-          <a:chExt cx="0" cy="0"/>
-        </a:xfrm>
-      </p:grpSpPr>
-      <p:cxnSp>
-        <p:nvCxnSpPr>
-          <p:cNvPr id="24" name="Shape 24"/>
-          <p:cNvCxnSpPr/>
-          <p:nvPr/>
-        </p:nvCxnSpPr>
-        <p:spPr>
-          <a:xfrm>
-            <a:off x="0" y="1131725"/>
-            <a:ext cx="1375800" cy="0"/>
-          </a:xfrm>
-          <a:prstGeom prst="straightConnector1">
-            <a:avLst/>
-          </a:prstGeom>
-          <a:noFill/>
-          <a:ln w="9525" cap="flat" cmpd="sng">
-            <a:solidFill>
-              <a:srgbClr val="CCCCCC"/>
-            </a:solidFill>
-            <a:prstDash val="solid"/>
-            <a:round/>
-            <a:headEnd type="none" w="med" len="med"/>
-            <a:tailEnd type="none" w="med" len="med"/>
-          </a:ln>
-        </p:spPr>
-      </p:cxnSp>
-      <p:sp>
-        <p:nvSpPr>
-          <p:cNvPr id="25" name="Shape 25"/>
-          <p:cNvSpPr/>
-          <p:nvPr/>
-        </p:nvSpPr>
-        <p:spPr>
-          <a:xfrm>
-            <a:off x="817475" y="928767"/>
-            <a:ext cx="405900" cy="405900"/>
-          </a:xfrm>
-          <a:prstGeom prst="ellipse">
-            <a:avLst/>
-          </a:prstGeom>
-          <a:solidFill>
-            <a:srgbClr val="FFCD00"/>
-          </a:solidFill>
-          <a:ln>
-            <a:noFill/>
-          </a:ln>
-        </p:spPr>
-        <p:txBody>
-          <a:bodyPr spcFirstLastPara="1" wrap="square" lIns="91425" tIns="91425" rIns="91425" bIns="91425" anchor="ctr" anchorCtr="0">
-            <a:noAutofit/>
-          </a:bodyPr>
-          <a:lstStyle/>
-          <a:p>
-            <a:pPr marL="0" lvl="0" indent="0" rtl="0">
-              <a:spcBef>
-                <a:spcPts val="0"/>
-              </a:spcBef>
-              <a:spcAft>
-                <a:spcPts val="0"/>
-              </a:spcAft>
-              <a:buNone/>
-            </a:pPr>
-            <a:endParaRPr/>
-          </a:p>
-        </p:txBody>
-      </p:sp>
-      <p:sp>
-        <p:nvSpPr>
-          <p:cNvPr id="26" name="Shape 26"/>
-          <p:cNvSpPr txBox="1">
-            <a:spLocks noGrp="1"/>
-          </p:cNvSpPr>
-          <p:nvPr>
-            <p:ph type="title"/>
-          </p:nvPr>
-        </p:nvSpPr>
-        <p:spPr>
-          <a:xfrm>
-            <a:off x="1381250" y="922668"/>
-            <a:ext cx="3878400" cy="435600"/>
-          </a:xfrm>
-          <a:prstGeom prst="rect">
-            <a:avLst/>
-          </a:prstGeom>
-        </p:spPr>
-        <p:txBody>
-          <a:bodyPr spcFirstLastPara="1" wrap="square" lIns="91425" tIns="91425" rIns="91425" bIns="91425" anchor="ctr" anchorCtr="0"/>
-          <a:lstStyle>
-            <a:lvl1pPr lvl="0" rtl="0">
-              <a:spcBef>
-                <a:spcPts val="0"/>
-              </a:spcBef>
-              <a:spcAft>
-                <a:spcPts val="0"/>
-              </a:spcAft>
-              <a:buSzPts val="2000"/>
-              <a:buFont typeface="Lora"/>
-              <a:buNone/>
-              <a:defRPr sz="2000" b="1">
-                <a:latin typeface="Lora"/>
-                <a:ea typeface="Lora"/>
-                <a:cs typeface="Lora"/>
-                <a:sym typeface="Lora"/>
-              </a:defRPr>
-            </a:lvl1pPr>
-            <a:lvl2pPr lvl="1" rtl="0">
-              <a:spcBef>
-                <a:spcPts val="0"/>
-              </a:spcBef>
-              <a:spcAft>
-                <a:spcPts val="0"/>
-              </a:spcAft>
-              <a:buSzPts val="2000"/>
-              <a:buFont typeface="Lora"/>
-              <a:buNone/>
-              <a:defRPr sz="2000" b="1">
-                <a:highlight>
-                  <a:srgbClr val="FFFFFF"/>
-                </a:highlight>
-                <a:latin typeface="Lora"/>
-                <a:ea typeface="Lora"/>
-                <a:cs typeface="Lora"/>
-                <a:sym typeface="Lora"/>
-              </a:defRPr>
-            </a:lvl2pPr>
-            <a:lvl3pPr lvl="2" rtl="0">
-              <a:spcBef>
-                <a:spcPts val="0"/>
-              </a:spcBef>
-              <a:spcAft>
-                <a:spcPts val="0"/>
-              </a:spcAft>
-              <a:buSzPts val="2000"/>
-              <a:buFont typeface="Lora"/>
-              <a:buNone/>
-              <a:defRPr sz="2000" b="1">
-                <a:highlight>
-                  <a:srgbClr val="FFFFFF"/>
-                </a:highlight>
-                <a:latin typeface="Lora"/>
-                <a:ea typeface="Lora"/>
-                <a:cs typeface="Lora"/>
-                <a:sym typeface="Lora"/>
-              </a:defRPr>
-            </a:lvl3pPr>
-            <a:lvl4pPr lvl="3" rtl="0">
-              <a:spcBef>
-                <a:spcPts val="0"/>
-              </a:spcBef>
-              <a:spcAft>
-                <a:spcPts val="0"/>
-              </a:spcAft>
-              <a:buSzPts val="2000"/>
-              <a:buFont typeface="Lora"/>
-              <a:buNone/>
-              <a:defRPr sz="2000" b="1">
-                <a:highlight>
-                  <a:srgbClr val="FFFFFF"/>
-                </a:highlight>
-                <a:latin typeface="Lora"/>
-                <a:ea typeface="Lora"/>
-                <a:cs typeface="Lora"/>
-                <a:sym typeface="Lora"/>
-              </a:defRPr>
-            </a:lvl4pPr>
-            <a:lvl5pPr lvl="4" rtl="0">
-              <a:spcBef>
-                <a:spcPts val="0"/>
-              </a:spcBef>
-              <a:spcAft>
-                <a:spcPts val="0"/>
-              </a:spcAft>
-              <a:buSzPts val="2000"/>
-              <a:buFont typeface="Lora"/>
-              <a:buNone/>
-              <a:defRPr sz="2000" b="1">
-                <a:highlight>
-                  <a:srgbClr val="FFFFFF"/>
-                </a:highlight>
-                <a:latin typeface="Lora"/>
-                <a:ea typeface="Lora"/>
-                <a:cs typeface="Lora"/>
-                <a:sym typeface="Lora"/>
-              </a:defRPr>
-            </a:lvl5pPr>
-            <a:lvl6pPr lvl="5" rtl="0">
-              <a:spcBef>
-                <a:spcPts val="0"/>
-              </a:spcBef>
-              <a:spcAft>
-                <a:spcPts val="0"/>
-              </a:spcAft>
-              <a:buSzPts val="2000"/>
-              <a:buFont typeface="Lora"/>
-              <a:buNone/>
-              <a:defRPr sz="2000" b="1">
-                <a:highlight>
-                  <a:srgbClr val="FFFFFF"/>
-                </a:highlight>
-                <a:latin typeface="Lora"/>
-                <a:ea typeface="Lora"/>
-                <a:cs typeface="Lora"/>
-                <a:sym typeface="Lora"/>
-              </a:defRPr>
-            </a:lvl6pPr>
-            <a:lvl7pPr lvl="6" rtl="0">
-              <a:spcBef>
-                <a:spcPts val="0"/>
-              </a:spcBef>
-              <a:spcAft>
-                <a:spcPts val="0"/>
-              </a:spcAft>
-              <a:buSzPts val="2000"/>
-              <a:buFont typeface="Lora"/>
-              <a:buNone/>
-              <a:defRPr sz="2000" b="1">
-                <a:highlight>
-                  <a:srgbClr val="FFFFFF"/>
-                </a:highlight>
-                <a:latin typeface="Lora"/>
-                <a:ea typeface="Lora"/>
-                <a:cs typeface="Lora"/>
-                <a:sym typeface="Lora"/>
-              </a:defRPr>
-            </a:lvl7pPr>
-            <a:lvl8pPr lvl="7" rtl="0">
-              <a:spcBef>
-                <a:spcPts val="0"/>
-              </a:spcBef>
-              <a:spcAft>
-                <a:spcPts val="0"/>
-              </a:spcAft>
-              <a:buSzPts val="2000"/>
-              <a:buFont typeface="Lora"/>
-              <a:buNone/>
-              <a:defRPr sz="2000" b="1">
-                <a:highlight>
-                  <a:srgbClr val="FFFFFF"/>
-                </a:highlight>
-                <a:latin typeface="Lora"/>
-                <a:ea typeface="Lora"/>
-                <a:cs typeface="Lora"/>
-                <a:sym typeface="Lora"/>
-              </a:defRPr>
-            </a:lvl8pPr>
-            <a:lvl9pPr lvl="8" rtl="0">
-              <a:spcBef>
-                <a:spcPts val="0"/>
-              </a:spcBef>
-              <a:spcAft>
-                <a:spcPts val="0"/>
-              </a:spcAft>
-              <a:buSzPts val="2000"/>
-              <a:buFont typeface="Lora"/>
-              <a:buNone/>
-              <a:defRPr sz="2000" b="1">
-                <a:highlight>
-                  <a:srgbClr val="FFFFFF"/>
-                </a:highlight>
-                <a:latin typeface="Lora"/>
-                <a:ea typeface="Lora"/>
-                <a:cs typeface="Lora"/>
-                <a:sym typeface="Lora"/>
-              </a:defRPr>
-            </a:lvl9pPr>
-          </a:lstStyle>
-          <a:p>
-            <a:endParaRPr/>
-          </a:p>
-        </p:txBody>
-      </p:sp>
-      <p:sp>
-        <p:nvSpPr>
-          <p:cNvPr id="27" name="Shape 27"/>
-          <p:cNvSpPr txBox="1">
-            <a:spLocks noGrp="1"/>
-          </p:cNvSpPr>
-          <p:nvPr>
-            <p:ph type="body" idx="1"/>
-          </p:nvPr>
-        </p:nvSpPr>
-        <p:spPr>
-          <a:xfrm>
-            <a:off x="1381250" y="1616470"/>
-            <a:ext cx="6809700" cy="3112200"/>
-          </a:xfrm>
-          <a:prstGeom prst="rect">
-            <a:avLst/>
-          </a:prstGeom>
-        </p:spPr>
-        <p:txBody>
-          <a:bodyPr spcFirstLastPara="1" wrap="square" lIns="91425" tIns="91425" rIns="91425" bIns="91425" anchor="t" anchorCtr="0"/>
-          <a:lstStyle>
-            <a:lvl1pPr marL="457200" lvl="0" indent="-381000" rtl="0">
-              <a:spcBef>
-                <a:spcPts val="600"/>
-              </a:spcBef>
-              <a:spcAft>
-                <a:spcPts val="0"/>
-              </a:spcAft>
-              <a:buClr>
-                <a:srgbClr val="FFCD00"/>
-              </a:buClr>
-              <a:buSzPts val="2400"/>
-              <a:buFont typeface="Quattrocento Sans"/>
-              <a:buChar char="◉"/>
-              <a:defRPr sz="2400">
-                <a:latin typeface="Quattrocento Sans"/>
-                <a:ea typeface="Quattrocento Sans"/>
-                <a:cs typeface="Quattrocento Sans"/>
-                <a:sym typeface="Quattrocento Sans"/>
-              </a:defRPr>
-            </a:lvl1pPr>
-            <a:lvl2pPr marL="914400" lvl="1" indent="-355600" rtl="0">
-              <a:spcBef>
-                <a:spcPts val="0"/>
-              </a:spcBef>
-              <a:spcAft>
-                <a:spcPts val="0"/>
-              </a:spcAft>
-              <a:buClr>
-                <a:srgbClr val="FFCD00"/>
-              </a:buClr>
-              <a:buSzPts val="2000"/>
-              <a:buFont typeface="Quattrocento Sans"/>
-              <a:buChar char="○"/>
-              <a:defRPr sz="2000">
-                <a:latin typeface="Quattrocento Sans"/>
-                <a:ea typeface="Quattrocento Sans"/>
-                <a:cs typeface="Quattrocento Sans"/>
-                <a:sym typeface="Quattrocento Sans"/>
-              </a:defRPr>
-            </a:lvl2pPr>
-            <a:lvl3pPr marL="1371600" lvl="2" indent="-355600" rtl="0">
-              <a:spcBef>
-                <a:spcPts val="0"/>
-              </a:spcBef>
-              <a:spcAft>
-                <a:spcPts val="0"/>
-              </a:spcAft>
-              <a:buClr>
-                <a:srgbClr val="FFCD00"/>
-              </a:buClr>
-              <a:buSzPts val="2000"/>
-              <a:buFont typeface="Quattrocento Sans"/>
-              <a:buChar char="■"/>
-              <a:defRPr sz="2000">
-                <a:latin typeface="Quattrocento Sans"/>
-                <a:ea typeface="Quattrocento Sans"/>
-                <a:cs typeface="Quattrocento Sans"/>
-                <a:sym typeface="Quattrocento Sans"/>
-              </a:defRPr>
-            </a:lvl3pPr>
-            <a:lvl4pPr marL="1828800" lvl="3" indent="-342900" rtl="0">
-              <a:spcBef>
-                <a:spcPts val="0"/>
-              </a:spcBef>
-              <a:spcAft>
-                <a:spcPts val="0"/>
-              </a:spcAft>
-              <a:buClr>
-                <a:srgbClr val="FFCD00"/>
-              </a:buClr>
-              <a:buSzPts val="1800"/>
-              <a:buFont typeface="Quattrocento Sans"/>
-              <a:buChar char="●"/>
-              <a:defRPr sz="1800">
-                <a:latin typeface="Quattrocento Sans"/>
-                <a:ea typeface="Quattrocento Sans"/>
-                <a:cs typeface="Quattrocento Sans"/>
-                <a:sym typeface="Quattrocento Sans"/>
-              </a:defRPr>
-            </a:lvl4pPr>
-            <a:lvl5pPr marL="2286000" lvl="4" indent="-342900" rtl="0">
-              <a:spcBef>
-                <a:spcPts val="0"/>
-              </a:spcBef>
-              <a:spcAft>
-                <a:spcPts val="0"/>
-              </a:spcAft>
-              <a:buClr>
-                <a:srgbClr val="FFCD00"/>
-              </a:buClr>
-              <a:buSzPts val="1800"/>
-              <a:buFont typeface="Quattrocento Sans"/>
-              <a:buChar char="○"/>
-              <a:defRPr sz="1800">
-                <a:latin typeface="Quattrocento Sans"/>
-                <a:ea typeface="Quattrocento Sans"/>
-                <a:cs typeface="Quattrocento Sans"/>
-                <a:sym typeface="Quattrocento Sans"/>
-              </a:defRPr>
-            </a:lvl5pPr>
-            <a:lvl6pPr marL="2743200" lvl="5" indent="-342900" rtl="0">
-              <a:spcBef>
-                <a:spcPts val="0"/>
-              </a:spcBef>
-              <a:spcAft>
-                <a:spcPts val="0"/>
-              </a:spcAft>
-              <a:buClr>
-                <a:srgbClr val="FFCD00"/>
-              </a:buClr>
-              <a:buSzPts val="1800"/>
-              <a:buFont typeface="Quattrocento Sans"/>
-              <a:buChar char="■"/>
-              <a:defRPr sz="1800">
-                <a:latin typeface="Quattrocento Sans"/>
-                <a:ea typeface="Quattrocento Sans"/>
-                <a:cs typeface="Quattrocento Sans"/>
-                <a:sym typeface="Quattrocento Sans"/>
-              </a:defRPr>
-            </a:lvl6pPr>
-            <a:lvl7pPr marL="3200400" lvl="6" indent="-342900" rtl="0">
-              <a:spcBef>
-                <a:spcPts val="0"/>
-              </a:spcBef>
-              <a:spcAft>
-                <a:spcPts val="0"/>
-              </a:spcAft>
-              <a:buClr>
-                <a:srgbClr val="FFCD00"/>
-              </a:buClr>
-              <a:buSzPts val="1800"/>
-              <a:buFont typeface="Quattrocento Sans"/>
-              <a:buChar char="●"/>
-              <a:defRPr sz="1800">
-                <a:latin typeface="Quattrocento Sans"/>
-                <a:ea typeface="Quattrocento Sans"/>
-                <a:cs typeface="Quattrocento Sans"/>
-                <a:sym typeface="Quattrocento Sans"/>
-              </a:defRPr>
-            </a:lvl7pPr>
-            <a:lvl8pPr marL="3657600" lvl="7" indent="-342900" rtl="0">
-              <a:spcBef>
-                <a:spcPts val="0"/>
-              </a:spcBef>
-              <a:spcAft>
-                <a:spcPts val="0"/>
-              </a:spcAft>
-              <a:buClr>
-                <a:srgbClr val="FFCD00"/>
-              </a:buClr>
-              <a:buSzPts val="1800"/>
-              <a:buFont typeface="Quattrocento Sans"/>
-              <a:buChar char="○"/>
-              <a:defRPr sz="1800">
-                <a:latin typeface="Quattrocento Sans"/>
-                <a:ea typeface="Quattrocento Sans"/>
-                <a:cs typeface="Quattrocento Sans"/>
-                <a:sym typeface="Quattrocento Sans"/>
-              </a:defRPr>
-            </a:lvl8pPr>
-            <a:lvl9pPr marL="4114800" lvl="8" indent="-342900" rtl="0">
-              <a:spcBef>
-                <a:spcPts val="0"/>
-              </a:spcBef>
-              <a:spcAft>
-                <a:spcPts val="0"/>
-              </a:spcAft>
-              <a:buClr>
-                <a:srgbClr val="FFCD00"/>
-              </a:buClr>
-              <a:buSzPts val="1800"/>
-              <a:buFont typeface="Quattrocento Sans"/>
-              <a:buChar char="■"/>
-              <a:defRPr sz="1800">
-                <a:latin typeface="Quattrocento Sans"/>
-                <a:ea typeface="Quattrocento Sans"/>
-                <a:cs typeface="Quattrocento Sans"/>
-                <a:sym typeface="Quattrocento Sans"/>
-              </a:defRPr>
-            </a:lvl9pPr>
-          </a:lstStyle>
-          <a:p>
-            <a:endParaRPr/>
-          </a:p>
-        </p:txBody>
-      </p:sp>
-      <p:cxnSp>
-        <p:nvCxnSpPr>
-          <p:cNvPr id="28" name="Shape 28"/>
-          <p:cNvCxnSpPr/>
-          <p:nvPr/>
-        </p:nvCxnSpPr>
-        <p:spPr>
-          <a:xfrm>
-            <a:off x="5265650" y="1131725"/>
-            <a:ext cx="3878400" cy="0"/>
-          </a:xfrm>
-          <a:prstGeom prst="straightConnector1">
-            <a:avLst/>
-          </a:prstGeom>
-          <a:noFill/>
-          <a:ln w="9525" cap="flat" cmpd="sng">
-            <a:solidFill>
-              <a:srgbClr val="CCCCCC"/>
-            </a:solidFill>
-            <a:prstDash val="solid"/>
-            <a:round/>
-            <a:headEnd type="none" w="med" len="med"/>
-            <a:tailEnd type="none" w="med" len="med"/>
-          </a:ln>
-        </p:spPr>
-      </p:cxnSp>
-    </p:spTree>
-  </p:cSld>
-  <p:clrMapOvr>
-    <a:masterClrMapping/>
-  </p:clrMapOvr>
-</p:sldLayout>
-</file>
-
-<file path=ppt/slideLayouts/slideLayout3.xml><?xml version="1.0" encoding="utf-8"?>
 <p:sldLayout xmlns:a="http://schemas.openxmlformats.org/drawingml/2006/main" xmlns:r="http://schemas.openxmlformats.org/officeDocument/2006/relationships" xmlns:p="http://schemas.openxmlformats.org/presentationml/2006/main" matchingName="Title + 2 columns" type="twoColTx">
   <p:cSld name="TITLE_AND_TWO_COLUMNS">
     <p:spTree>
@@ -3980,7 +3287,7 @@
 </p:sldLayout>
 </file>
 
-<file path=ppt/slideLayouts/slideLayout4.xml><?xml version="1.0" encoding="utf-8"?>
+<file path=ppt/slideLayouts/slideLayout3.xml><?xml version="1.0" encoding="utf-8"?>
 <p:sldLayout xmlns:a="http://schemas.openxmlformats.org/drawingml/2006/main" xmlns:r="http://schemas.openxmlformats.org/officeDocument/2006/relationships" xmlns:p="http://schemas.openxmlformats.org/presentationml/2006/main" matchingName="Title + 3 columns">
   <p:cSld name="TITLE_AND_TWO_COLUMNS_1">
     <p:spTree>
@@ -4605,7 +3912,7 @@
 </p:sldLayout>
 </file>
 
-<file path=ppt/slideLayouts/slideLayout5.xml><?xml version="1.0" encoding="utf-8"?>
+<file path=ppt/slideLayouts/slideLayout4.xml><?xml version="1.0" encoding="utf-8"?>
 <p:sldLayout xmlns:a="http://schemas.openxmlformats.org/drawingml/2006/main" xmlns:r="http://schemas.openxmlformats.org/officeDocument/2006/relationships" xmlns:p="http://schemas.openxmlformats.org/presentationml/2006/main" matchingName="Blank" type="blank">
   <p:cSld name="BLANK">
     <p:spTree>
@@ -4696,7 +4003,7 @@
 </p:sldLayout>
 </file>
 
-<file path=ppt/slideLayouts/slideLayout6.xml><?xml version="1.0" encoding="utf-8"?>
+<file path=ppt/slideLayouts/slideLayout5.xml><?xml version="1.0" encoding="utf-8"?>
 <p:sldLayout xmlns:a="http://schemas.openxmlformats.org/drawingml/2006/main" xmlns:r="http://schemas.openxmlformats.org/officeDocument/2006/relationships" xmlns:p="http://schemas.openxmlformats.org/presentationml/2006/main" matchingName="Completely blank">
   <p:cSld name="BLANK_1">
     <p:spTree>
@@ -4721,7 +4028,7 @@
 </p:sldLayout>
 </file>
 
-<file path=ppt/slideLayouts/slideLayout7.xml><?xml version="1.0" encoding="utf-8"?>
+<file path=ppt/slideLayouts/slideLayout6.xml><?xml version="1.0" encoding="utf-8"?>
 <p:sldLayout xmlns:a="http://schemas.openxmlformats.org/drawingml/2006/main" xmlns:r="http://schemas.openxmlformats.org/officeDocument/2006/relationships" xmlns:p="http://schemas.openxmlformats.org/presentationml/2006/main" matchingName="Quote">
   <p:cSld name="Quote">
     <p:spTree>
@@ -5477,12 +4784,11 @@
   <p:clrMap bg1="lt1" tx1="dk1" bg2="dk2" tx2="lt2" accent1="accent1" accent2="accent2" accent3="accent3" accent4="accent4" accent5="accent5" accent6="accent6" hlink="hlink" folHlink="folHlink"/>
   <p:sldLayoutIdLst>
     <p:sldLayoutId id="2147483648" r:id="rId1"/>
-    <p:sldLayoutId id="2147483651" r:id="rId2"/>
-    <p:sldLayoutId id="2147483652" r:id="rId3"/>
-    <p:sldLayoutId id="2147483653" r:id="rId4"/>
-    <p:sldLayoutId id="2147483656" r:id="rId5"/>
-    <p:sldLayoutId id="2147483657" r:id="rId6"/>
-    <p:sldLayoutId id="2147483659" r:id="rId7"/>
+    <p:sldLayoutId id="2147483652" r:id="rId2"/>
+    <p:sldLayoutId id="2147483653" r:id="rId3"/>
+    <p:sldLayoutId id="2147483656" r:id="rId4"/>
+    <p:sldLayoutId id="2147483657" r:id="rId5"/>
+    <p:sldLayoutId id="2147483659" r:id="rId6"/>
   </p:sldLayoutIdLst>
   <p:transition>
     <p:fade thruBlk="1"/>
@@ -7670,7 +6976,7 @@
         </p:nvSpPr>
         <p:spPr>
           <a:xfrm>
-            <a:off x="5685573" y="2749255"/>
+            <a:off x="6012145" y="4338569"/>
             <a:ext cx="841897" cy="261610"/>
           </a:xfrm>
           <a:prstGeom prst="rect">
@@ -7713,1393 +7019,6 @@
 </file>
 
 <file path=ppt/slides/slide12.xml><?xml version="1.0" encoding="utf-8"?>
-<p:sld xmlns:a="http://schemas.openxmlformats.org/drawingml/2006/main" xmlns:r="http://schemas.openxmlformats.org/officeDocument/2006/relationships" xmlns:p="http://schemas.openxmlformats.org/presentationml/2006/main">
-  <p:cSld>
-    <p:spTree>
-      <p:nvGrpSpPr>
-        <p:cNvPr id="1" name=""/>
-        <p:cNvGrpSpPr/>
-        <p:nvPr/>
-      </p:nvGrpSpPr>
-      <p:grpSpPr>
-        <a:xfrm>
-          <a:off x="0" y="0"/>
-          <a:ext cx="0" cy="0"/>
-          <a:chOff x="0" y="0"/>
-          <a:chExt cx="0" cy="0"/>
-        </a:xfrm>
-      </p:grpSpPr>
-      <p:sp>
-        <p:nvSpPr>
-          <p:cNvPr id="2" name="Title 1">
-            <a:extLst>
-              <a:ext uri="{FF2B5EF4-FFF2-40B4-BE49-F238E27FC236}">
-                <a16:creationId xmlns:a16="http://schemas.microsoft.com/office/drawing/2014/main" id="{94D56D70-2117-784C-8287-EF89F710A4F8}"/>
-              </a:ext>
-            </a:extLst>
-          </p:cNvPr>
-          <p:cNvSpPr>
-            <a:spLocks noGrp="1"/>
-          </p:cNvSpPr>
-          <p:nvPr>
-            <p:ph type="title"/>
-          </p:nvPr>
-        </p:nvSpPr>
-        <p:spPr/>
-        <p:txBody>
-          <a:bodyPr/>
-          <a:lstStyle/>
-          <a:p>
-            <a:r>
-              <a:rPr lang="en-US" dirty="0"/>
-              <a:t>      Discussion</a:t>
-            </a:r>
-          </a:p>
-        </p:txBody>
-      </p:sp>
-      <p:sp>
-        <p:nvSpPr>
-          <p:cNvPr id="3" name="Text Placeholder 2">
-            <a:extLst>
-              <a:ext uri="{FF2B5EF4-FFF2-40B4-BE49-F238E27FC236}">
-                <a16:creationId xmlns:a16="http://schemas.microsoft.com/office/drawing/2014/main" id="{70DCAEA5-779A-AA44-AF6E-3560E6FB4AA7}"/>
-              </a:ext>
-            </a:extLst>
-          </p:cNvPr>
-          <p:cNvSpPr>
-            <a:spLocks noGrp="1"/>
-          </p:cNvSpPr>
-          <p:nvPr>
-            <p:ph type="body" idx="1"/>
-          </p:nvPr>
-        </p:nvSpPr>
-        <p:spPr>
-          <a:xfrm>
-            <a:off x="1381250" y="1314438"/>
-            <a:ext cx="6809700" cy="3423420"/>
-          </a:xfrm>
-        </p:spPr>
-        <p:txBody>
-          <a:bodyPr/>
-          <a:lstStyle/>
-          <a:p>
-            <a:pPr marL="76200" indent="0">
-              <a:buNone/>
-            </a:pPr>
-            <a:endParaRPr lang="en-US" b="1" dirty="0"/>
-          </a:p>
-          <a:p>
-            <a:r>
-              <a:rPr lang="en-US" sz="2000" b="1" dirty="0"/>
-              <a:t> Model Results: </a:t>
-            </a:r>
-            <a:r>
-              <a:rPr lang="en-US" sz="2000" dirty="0"/>
-              <a:t>XXXX </a:t>
-            </a:r>
-          </a:p>
-          <a:p>
-            <a:endParaRPr lang="en-US" dirty="0"/>
-          </a:p>
-          <a:p>
-            <a:endParaRPr lang="en-US" dirty="0"/>
-          </a:p>
-          <a:p>
-            <a:endParaRPr lang="en-US" dirty="0"/>
-          </a:p>
-        </p:txBody>
-      </p:sp>
-      <p:grpSp>
-        <p:nvGrpSpPr>
-          <p:cNvPr id="4" name="Shape 112">
-            <a:extLst>
-              <a:ext uri="{FF2B5EF4-FFF2-40B4-BE49-F238E27FC236}">
-                <a16:creationId xmlns:a16="http://schemas.microsoft.com/office/drawing/2014/main" id="{DE0B1FB8-4F68-F145-B8BC-0093095F81F7}"/>
-              </a:ext>
-            </a:extLst>
-          </p:cNvPr>
-          <p:cNvGrpSpPr/>
-          <p:nvPr/>
-        </p:nvGrpSpPr>
-        <p:grpSpPr>
-          <a:xfrm>
-            <a:off x="916458" y="1019750"/>
-            <a:ext cx="214625" cy="214625"/>
-            <a:chOff x="2594050" y="1631825"/>
-            <a:chExt cx="439625" cy="439625"/>
-          </a:xfrm>
-        </p:grpSpPr>
-        <p:sp>
-          <p:nvSpPr>
-            <p:cNvPr id="5" name="Shape 113">
-              <a:extLst>
-                <a:ext uri="{FF2B5EF4-FFF2-40B4-BE49-F238E27FC236}">
-                  <a16:creationId xmlns:a16="http://schemas.microsoft.com/office/drawing/2014/main" id="{03E02B80-3496-294E-8A3B-0245FAC95B1F}"/>
-                </a:ext>
-              </a:extLst>
-            </p:cNvPr>
-            <p:cNvSpPr/>
-            <p:nvPr/>
-          </p:nvSpPr>
-          <p:spPr>
-            <a:xfrm>
-              <a:off x="2594050" y="1883300"/>
-              <a:ext cx="188175" cy="188150"/>
-            </a:xfrm>
-            <a:custGeom>
-              <a:avLst/>
-              <a:gdLst/>
-              <a:ahLst/>
-              <a:cxnLst/>
-              <a:rect l="0" t="0" r="0" b="0"/>
-              <a:pathLst>
-                <a:path w="7527" h="7526" fill="none" extrusionOk="0">
-                  <a:moveTo>
-                    <a:pt x="5992" y="0"/>
-                  </a:moveTo>
-                  <a:lnTo>
-                    <a:pt x="537" y="6430"/>
-                  </a:lnTo>
-                  <a:lnTo>
-                    <a:pt x="1" y="7526"/>
-                  </a:lnTo>
-                  <a:lnTo>
-                    <a:pt x="1097" y="6990"/>
-                  </a:lnTo>
-                  <a:lnTo>
-                    <a:pt x="7526" y="1534"/>
-                  </a:lnTo>
-                  <a:lnTo>
-                    <a:pt x="5992" y="0"/>
-                  </a:lnTo>
-                  <a:close/>
-                </a:path>
-              </a:pathLst>
-            </a:custGeom>
-            <a:noFill/>
-            <a:ln w="9525" cap="rnd" cmpd="sng">
-              <a:solidFill>
-                <a:srgbClr val="000000"/>
-              </a:solidFill>
-              <a:prstDash val="solid"/>
-              <a:round/>
-              <a:headEnd type="none" w="sm" len="sm"/>
-              <a:tailEnd type="none" w="sm" len="sm"/>
-            </a:ln>
-          </p:spPr>
-          <p:txBody>
-            <a:bodyPr spcFirstLastPara="1" wrap="square" lIns="91425" tIns="91425" rIns="91425" bIns="91425" anchor="ctr" anchorCtr="0">
-              <a:noAutofit/>
-            </a:bodyPr>
-            <a:lstStyle/>
-            <a:p>
-              <a:pPr marL="0" lvl="0" indent="0">
-                <a:spcBef>
-                  <a:spcPts val="0"/>
-                </a:spcBef>
-                <a:spcAft>
-                  <a:spcPts val="0"/>
-                </a:spcAft>
-                <a:buNone/>
-              </a:pPr>
-              <a:endParaRPr/>
-            </a:p>
-          </p:txBody>
-        </p:sp>
-        <p:sp>
-          <p:nvSpPr>
-            <p:cNvPr id="6" name="Shape 114">
-              <a:extLst>
-                <a:ext uri="{FF2B5EF4-FFF2-40B4-BE49-F238E27FC236}">
-                  <a16:creationId xmlns:a16="http://schemas.microsoft.com/office/drawing/2014/main" id="{C5963D0B-16B9-9845-AB0B-515A9295228B}"/>
-                </a:ext>
-              </a:extLst>
-            </p:cNvPr>
-            <p:cNvSpPr/>
-            <p:nvPr/>
-          </p:nvSpPr>
-          <p:spPr>
-            <a:xfrm>
-              <a:off x="2857700" y="1631825"/>
-              <a:ext cx="175975" cy="176000"/>
-            </a:xfrm>
-            <a:custGeom>
-              <a:avLst/>
-              <a:gdLst/>
-              <a:ahLst/>
-              <a:cxnLst/>
-              <a:rect l="0" t="0" r="0" b="0"/>
-              <a:pathLst>
-                <a:path w="7039" h="7040" fill="none" extrusionOk="0">
-                  <a:moveTo>
-                    <a:pt x="268" y="2704"/>
-                  </a:moveTo>
-                  <a:lnTo>
-                    <a:pt x="4336" y="6771"/>
-                  </a:lnTo>
-                  <a:lnTo>
-                    <a:pt x="4336" y="6771"/>
-                  </a:lnTo>
-                  <a:lnTo>
-                    <a:pt x="4336" y="6771"/>
-                  </a:lnTo>
-                  <a:lnTo>
-                    <a:pt x="4652" y="6917"/>
-                  </a:lnTo>
-                  <a:lnTo>
-                    <a:pt x="4993" y="7015"/>
-                  </a:lnTo>
-                  <a:lnTo>
-                    <a:pt x="5310" y="7039"/>
-                  </a:lnTo>
-                  <a:lnTo>
-                    <a:pt x="5651" y="7039"/>
-                  </a:lnTo>
-                  <a:lnTo>
-                    <a:pt x="5992" y="6966"/>
-                  </a:lnTo>
-                  <a:lnTo>
-                    <a:pt x="6308" y="6844"/>
-                  </a:lnTo>
-                  <a:lnTo>
-                    <a:pt x="6454" y="6747"/>
-                  </a:lnTo>
-                  <a:lnTo>
-                    <a:pt x="6601" y="6674"/>
-                  </a:lnTo>
-                  <a:lnTo>
-                    <a:pt x="6747" y="6552"/>
-                  </a:lnTo>
-                  <a:lnTo>
-                    <a:pt x="6893" y="6430"/>
-                  </a:lnTo>
-                  <a:lnTo>
-                    <a:pt x="6893" y="6430"/>
-                  </a:lnTo>
-                  <a:lnTo>
-                    <a:pt x="6942" y="6357"/>
-                  </a:lnTo>
-                  <a:lnTo>
-                    <a:pt x="7015" y="6260"/>
-                  </a:lnTo>
-                  <a:lnTo>
-                    <a:pt x="7039" y="6138"/>
-                  </a:lnTo>
-                  <a:lnTo>
-                    <a:pt x="7039" y="6041"/>
-                  </a:lnTo>
-                  <a:lnTo>
-                    <a:pt x="7039" y="6041"/>
-                  </a:lnTo>
-                  <a:lnTo>
-                    <a:pt x="7039" y="5943"/>
-                  </a:lnTo>
-                  <a:lnTo>
-                    <a:pt x="7015" y="5846"/>
-                  </a:lnTo>
-                  <a:lnTo>
-                    <a:pt x="6942" y="5748"/>
-                  </a:lnTo>
-                  <a:lnTo>
-                    <a:pt x="6893" y="5651"/>
-                  </a:lnTo>
-                  <a:lnTo>
-                    <a:pt x="1389" y="147"/>
-                  </a:lnTo>
-                  <a:lnTo>
-                    <a:pt x="1389" y="147"/>
-                  </a:lnTo>
-                  <a:lnTo>
-                    <a:pt x="1291" y="98"/>
-                  </a:lnTo>
-                  <a:lnTo>
-                    <a:pt x="1194" y="25"/>
-                  </a:lnTo>
-                  <a:lnTo>
-                    <a:pt x="1096" y="0"/>
-                  </a:lnTo>
-                  <a:lnTo>
-                    <a:pt x="999" y="0"/>
-                  </a:lnTo>
-                  <a:lnTo>
-                    <a:pt x="999" y="0"/>
-                  </a:lnTo>
-                  <a:lnTo>
-                    <a:pt x="902" y="0"/>
-                  </a:lnTo>
-                  <a:lnTo>
-                    <a:pt x="780" y="25"/>
-                  </a:lnTo>
-                  <a:lnTo>
-                    <a:pt x="682" y="98"/>
-                  </a:lnTo>
-                  <a:lnTo>
-                    <a:pt x="609" y="147"/>
-                  </a:lnTo>
-                  <a:lnTo>
-                    <a:pt x="609" y="147"/>
-                  </a:lnTo>
-                  <a:lnTo>
-                    <a:pt x="487" y="293"/>
-                  </a:lnTo>
-                  <a:lnTo>
-                    <a:pt x="366" y="439"/>
-                  </a:lnTo>
-                  <a:lnTo>
-                    <a:pt x="293" y="585"/>
-                  </a:lnTo>
-                  <a:lnTo>
-                    <a:pt x="195" y="731"/>
-                  </a:lnTo>
-                  <a:lnTo>
-                    <a:pt x="73" y="1048"/>
-                  </a:lnTo>
-                  <a:lnTo>
-                    <a:pt x="0" y="1389"/>
-                  </a:lnTo>
-                  <a:lnTo>
-                    <a:pt x="0" y="1730"/>
-                  </a:lnTo>
-                  <a:lnTo>
-                    <a:pt x="25" y="2046"/>
-                  </a:lnTo>
-                  <a:lnTo>
-                    <a:pt x="122" y="2387"/>
-                  </a:lnTo>
-                  <a:lnTo>
-                    <a:pt x="268" y="2704"/>
-                  </a:lnTo>
-                  <a:lnTo>
-                    <a:pt x="268" y="2704"/>
-                  </a:lnTo>
-                  <a:close/>
-                </a:path>
-              </a:pathLst>
-            </a:custGeom>
-            <a:noFill/>
-            <a:ln w="9525" cap="rnd" cmpd="sng">
-              <a:solidFill>
-                <a:srgbClr val="000000"/>
-              </a:solidFill>
-              <a:prstDash val="solid"/>
-              <a:round/>
-              <a:headEnd type="none" w="sm" len="sm"/>
-              <a:tailEnd type="none" w="sm" len="sm"/>
-            </a:ln>
-          </p:spPr>
-          <p:txBody>
-            <a:bodyPr spcFirstLastPara="1" wrap="square" lIns="91425" tIns="91425" rIns="91425" bIns="91425" anchor="ctr" anchorCtr="0">
-              <a:noAutofit/>
-            </a:bodyPr>
-            <a:lstStyle/>
-            <a:p>
-              <a:pPr marL="0" lvl="0" indent="0">
-                <a:spcBef>
-                  <a:spcPts val="0"/>
-                </a:spcBef>
-                <a:spcAft>
-                  <a:spcPts val="0"/>
-                </a:spcAft>
-                <a:buNone/>
-              </a:pPr>
-              <a:endParaRPr/>
-            </a:p>
-          </p:txBody>
-        </p:sp>
-        <p:sp>
-          <p:nvSpPr>
-            <p:cNvPr id="7" name="Shape 115">
-              <a:extLst>
-                <a:ext uri="{FF2B5EF4-FFF2-40B4-BE49-F238E27FC236}">
-                  <a16:creationId xmlns:a16="http://schemas.microsoft.com/office/drawing/2014/main" id="{44F64597-F901-5F4B-B597-9EEA07910C20}"/>
-                </a:ext>
-              </a:extLst>
-            </p:cNvPr>
-            <p:cNvSpPr/>
-            <p:nvPr/>
-          </p:nvSpPr>
-          <p:spPr>
-            <a:xfrm>
-              <a:off x="2662850" y="1699400"/>
-              <a:ext cx="303250" cy="303250"/>
-            </a:xfrm>
-            <a:custGeom>
-              <a:avLst/>
-              <a:gdLst/>
-              <a:ahLst/>
-              <a:cxnLst/>
-              <a:rect l="0" t="0" r="0" b="0"/>
-              <a:pathLst>
-                <a:path w="12130" h="12130" fill="none" extrusionOk="0">
-                  <a:moveTo>
-                    <a:pt x="8038" y="1"/>
-                  </a:moveTo>
-                  <a:lnTo>
-                    <a:pt x="4872" y="3191"/>
-                  </a:lnTo>
-                  <a:lnTo>
-                    <a:pt x="4872" y="3191"/>
-                  </a:lnTo>
-                  <a:lnTo>
-                    <a:pt x="4628" y="3094"/>
-                  </a:lnTo>
-                  <a:lnTo>
-                    <a:pt x="4385" y="2997"/>
-                  </a:lnTo>
-                  <a:lnTo>
-                    <a:pt x="4092" y="2899"/>
-                  </a:lnTo>
-                  <a:lnTo>
-                    <a:pt x="3800" y="2850"/>
-                  </a:lnTo>
-                  <a:lnTo>
-                    <a:pt x="3484" y="2777"/>
-                  </a:lnTo>
-                  <a:lnTo>
-                    <a:pt x="3167" y="2729"/>
-                  </a:lnTo>
-                  <a:lnTo>
-                    <a:pt x="2850" y="2704"/>
-                  </a:lnTo>
-                  <a:lnTo>
-                    <a:pt x="2534" y="2704"/>
-                  </a:lnTo>
-                  <a:lnTo>
-                    <a:pt x="2534" y="2704"/>
-                  </a:lnTo>
-                  <a:lnTo>
-                    <a:pt x="2241" y="2704"/>
-                  </a:lnTo>
-                  <a:lnTo>
-                    <a:pt x="1949" y="2729"/>
-                  </a:lnTo>
-                  <a:lnTo>
-                    <a:pt x="1633" y="2777"/>
-                  </a:lnTo>
-                  <a:lnTo>
-                    <a:pt x="1316" y="2850"/>
-                  </a:lnTo>
-                  <a:lnTo>
-                    <a:pt x="999" y="2972"/>
-                  </a:lnTo>
-                  <a:lnTo>
-                    <a:pt x="707" y="3094"/>
-                  </a:lnTo>
-                  <a:lnTo>
-                    <a:pt x="415" y="3289"/>
-                  </a:lnTo>
-                  <a:lnTo>
-                    <a:pt x="147" y="3508"/>
-                  </a:lnTo>
-                  <a:lnTo>
-                    <a:pt x="147" y="3508"/>
-                  </a:lnTo>
-                  <a:lnTo>
-                    <a:pt x="74" y="3581"/>
-                  </a:lnTo>
-                  <a:lnTo>
-                    <a:pt x="25" y="3678"/>
-                  </a:lnTo>
-                  <a:lnTo>
-                    <a:pt x="1" y="3776"/>
-                  </a:lnTo>
-                  <a:lnTo>
-                    <a:pt x="1" y="3898"/>
-                  </a:lnTo>
-                  <a:lnTo>
-                    <a:pt x="1" y="3898"/>
-                  </a:lnTo>
-                  <a:lnTo>
-                    <a:pt x="1" y="3995"/>
-                  </a:lnTo>
-                  <a:lnTo>
-                    <a:pt x="25" y="4093"/>
-                  </a:lnTo>
-                  <a:lnTo>
-                    <a:pt x="74" y="4190"/>
-                  </a:lnTo>
-                  <a:lnTo>
-                    <a:pt x="147" y="4287"/>
-                  </a:lnTo>
-                  <a:lnTo>
-                    <a:pt x="7843" y="11984"/>
-                  </a:lnTo>
-                  <a:lnTo>
-                    <a:pt x="7843" y="11984"/>
-                  </a:lnTo>
-                  <a:lnTo>
-                    <a:pt x="7941" y="12057"/>
-                  </a:lnTo>
-                  <a:lnTo>
-                    <a:pt x="8038" y="12105"/>
-                  </a:lnTo>
-                  <a:lnTo>
-                    <a:pt x="8135" y="12130"/>
-                  </a:lnTo>
-                  <a:lnTo>
-                    <a:pt x="8233" y="12130"/>
-                  </a:lnTo>
-                  <a:lnTo>
-                    <a:pt x="8233" y="12130"/>
-                  </a:lnTo>
-                  <a:lnTo>
-                    <a:pt x="8355" y="12130"/>
-                  </a:lnTo>
-                  <a:lnTo>
-                    <a:pt x="8452" y="12105"/>
-                  </a:lnTo>
-                  <a:lnTo>
-                    <a:pt x="8549" y="12057"/>
-                  </a:lnTo>
-                  <a:lnTo>
-                    <a:pt x="8622" y="11984"/>
-                  </a:lnTo>
-                  <a:lnTo>
-                    <a:pt x="8622" y="11984"/>
-                  </a:lnTo>
-                  <a:lnTo>
-                    <a:pt x="8842" y="11716"/>
-                  </a:lnTo>
-                  <a:lnTo>
-                    <a:pt x="9036" y="11423"/>
-                  </a:lnTo>
-                  <a:lnTo>
-                    <a:pt x="9158" y="11131"/>
-                  </a:lnTo>
-                  <a:lnTo>
-                    <a:pt x="9280" y="10814"/>
-                  </a:lnTo>
-                  <a:lnTo>
-                    <a:pt x="9353" y="10498"/>
-                  </a:lnTo>
-                  <a:lnTo>
-                    <a:pt x="9402" y="10181"/>
-                  </a:lnTo>
-                  <a:lnTo>
-                    <a:pt x="9426" y="9889"/>
-                  </a:lnTo>
-                  <a:lnTo>
-                    <a:pt x="9426" y="9597"/>
-                  </a:lnTo>
-                  <a:lnTo>
-                    <a:pt x="9426" y="9597"/>
-                  </a:lnTo>
-                  <a:lnTo>
-                    <a:pt x="9426" y="9280"/>
-                  </a:lnTo>
-                  <a:lnTo>
-                    <a:pt x="9402" y="8964"/>
-                  </a:lnTo>
-                  <a:lnTo>
-                    <a:pt x="9353" y="8647"/>
-                  </a:lnTo>
-                  <a:lnTo>
-                    <a:pt x="9280" y="8330"/>
-                  </a:lnTo>
-                  <a:lnTo>
-                    <a:pt x="9231" y="8038"/>
-                  </a:lnTo>
-                  <a:lnTo>
-                    <a:pt x="9134" y="7746"/>
-                  </a:lnTo>
-                  <a:lnTo>
-                    <a:pt x="9036" y="7502"/>
-                  </a:lnTo>
-                  <a:lnTo>
-                    <a:pt x="8939" y="7259"/>
-                  </a:lnTo>
-                  <a:lnTo>
-                    <a:pt x="12130" y="4093"/>
-                  </a:lnTo>
-                </a:path>
-              </a:pathLst>
-            </a:custGeom>
-            <a:noFill/>
-            <a:ln w="9525" cap="rnd" cmpd="sng">
-              <a:solidFill>
-                <a:srgbClr val="000000"/>
-              </a:solidFill>
-              <a:prstDash val="solid"/>
-              <a:round/>
-              <a:headEnd type="none" w="sm" len="sm"/>
-              <a:tailEnd type="none" w="sm" len="sm"/>
-            </a:ln>
-          </p:spPr>
-          <p:txBody>
-            <a:bodyPr spcFirstLastPara="1" wrap="square" lIns="91425" tIns="91425" rIns="91425" bIns="91425" anchor="ctr" anchorCtr="0">
-              <a:noAutofit/>
-            </a:bodyPr>
-            <a:lstStyle/>
-            <a:p>
-              <a:pPr marL="0" lvl="0" indent="0">
-                <a:spcBef>
-                  <a:spcPts val="0"/>
-                </a:spcBef>
-                <a:spcAft>
-                  <a:spcPts val="0"/>
-                </a:spcAft>
-                <a:buNone/>
-              </a:pPr>
-              <a:endParaRPr/>
-            </a:p>
-          </p:txBody>
-        </p:sp>
-        <p:sp>
-          <p:nvSpPr>
-            <p:cNvPr id="8" name="Shape 116">
-              <a:extLst>
-                <a:ext uri="{FF2B5EF4-FFF2-40B4-BE49-F238E27FC236}">
-                  <a16:creationId xmlns:a16="http://schemas.microsoft.com/office/drawing/2014/main" id="{8701D0FD-5C31-A349-B95B-E3D6B9D3577E}"/>
-                </a:ext>
-              </a:extLst>
-            </p:cNvPr>
-            <p:cNvSpPr/>
-            <p:nvPr/>
-          </p:nvSpPr>
-          <p:spPr>
-            <a:xfrm>
-              <a:off x="2814912" y="1754062"/>
-              <a:ext cx="49950" cy="49950"/>
-            </a:xfrm>
-            <a:custGeom>
-              <a:avLst/>
-              <a:gdLst/>
-              <a:ahLst/>
-              <a:cxnLst/>
-              <a:rect l="0" t="0" r="0" b="0"/>
-              <a:pathLst>
-                <a:path w="1998" h="1998" fill="none" extrusionOk="0">
-                  <a:moveTo>
-                    <a:pt x="1" y="1997"/>
-                  </a:moveTo>
-                  <a:lnTo>
-                    <a:pt x="1998" y="0"/>
-                  </a:lnTo>
-                </a:path>
-              </a:pathLst>
-            </a:custGeom>
-            <a:noFill/>
-            <a:ln w="9525" cap="rnd" cmpd="sng">
-              <a:solidFill>
-                <a:srgbClr val="000000"/>
-              </a:solidFill>
-              <a:prstDash val="solid"/>
-              <a:round/>
-              <a:headEnd type="none" w="sm" len="sm"/>
-              <a:tailEnd type="none" w="sm" len="sm"/>
-            </a:ln>
-          </p:spPr>
-          <p:txBody>
-            <a:bodyPr spcFirstLastPara="1" wrap="square" lIns="91425" tIns="91425" rIns="91425" bIns="91425" anchor="ctr" anchorCtr="0">
-              <a:noAutofit/>
-            </a:bodyPr>
-            <a:lstStyle/>
-            <a:p>
-              <a:pPr marL="0" lvl="0" indent="0">
-                <a:spcBef>
-                  <a:spcPts val="0"/>
-                </a:spcBef>
-                <a:spcAft>
-                  <a:spcPts val="0"/>
-                </a:spcAft>
-                <a:buNone/>
-              </a:pPr>
-              <a:endParaRPr/>
-            </a:p>
-          </p:txBody>
-        </p:sp>
-      </p:grpSp>
-    </p:spTree>
-    <p:extLst>
-      <p:ext uri="{BB962C8B-B14F-4D97-AF65-F5344CB8AC3E}">
-        <p14:creationId xmlns:p14="http://schemas.microsoft.com/office/powerpoint/2010/main" val="3165464732"/>
-      </p:ext>
-    </p:extLst>
-  </p:cSld>
-  <p:clrMapOvr>
-    <a:masterClrMapping/>
-  </p:clrMapOvr>
-</p:sld>
-</file>
-
-<file path=ppt/slides/slide13.xml><?xml version="1.0" encoding="utf-8"?>
-<p:sld xmlns:a="http://schemas.openxmlformats.org/drawingml/2006/main" xmlns:r="http://schemas.openxmlformats.org/officeDocument/2006/relationships" xmlns:p="http://schemas.openxmlformats.org/presentationml/2006/main">
-  <p:cSld>
-    <p:spTree>
-      <p:nvGrpSpPr>
-        <p:cNvPr id="1" name="Shape 109"/>
-        <p:cNvGrpSpPr/>
-        <p:nvPr/>
-      </p:nvGrpSpPr>
-      <p:grpSpPr>
-        <a:xfrm>
-          <a:off x="0" y="0"/>
-          <a:ext cx="0" cy="0"/>
-          <a:chOff x="0" y="0"/>
-          <a:chExt cx="0" cy="0"/>
-        </a:xfrm>
-      </p:grpSpPr>
-      <p:sp>
-        <p:nvSpPr>
-          <p:cNvPr id="110" name="Shape 110"/>
-          <p:cNvSpPr txBox="1">
-            <a:spLocks noGrp="1"/>
-          </p:cNvSpPr>
-          <p:nvPr>
-            <p:ph type="title"/>
-          </p:nvPr>
-        </p:nvSpPr>
-        <p:spPr>
-          <a:xfrm>
-            <a:off x="1689860" y="922668"/>
-            <a:ext cx="3878400" cy="435600"/>
-          </a:xfrm>
-          <a:prstGeom prst="rect">
-            <a:avLst/>
-          </a:prstGeom>
-        </p:spPr>
-        <p:txBody>
-          <a:bodyPr spcFirstLastPara="1" wrap="square" lIns="91425" tIns="91425" rIns="91425" bIns="91425" anchor="ctr" anchorCtr="0">
-            <a:noAutofit/>
-          </a:bodyPr>
-          <a:lstStyle/>
-          <a:p>
-            <a:pPr lvl="0"/>
-            <a:r>
-              <a:rPr lang="en-US" dirty="0"/>
-              <a:t>Post Mortem</a:t>
-            </a:r>
-            <a:endParaRPr dirty="0">
-              <a:highlight>
-                <a:srgbClr val="FFCD00"/>
-              </a:highlight>
-            </a:endParaRPr>
-          </a:p>
-        </p:txBody>
-      </p:sp>
-      <p:sp>
-        <p:nvSpPr>
-          <p:cNvPr id="111" name="Shape 111"/>
-          <p:cNvSpPr txBox="1">
-            <a:spLocks noGrp="1"/>
-          </p:cNvSpPr>
-          <p:nvPr>
-            <p:ph type="body" idx="1"/>
-          </p:nvPr>
-        </p:nvSpPr>
-        <p:spPr>
-          <a:xfrm>
-            <a:off x="1381250" y="1616470"/>
-            <a:ext cx="6809700" cy="3112200"/>
-          </a:xfrm>
-          <a:prstGeom prst="rect">
-            <a:avLst/>
-          </a:prstGeom>
-        </p:spPr>
-        <p:txBody>
-          <a:bodyPr spcFirstLastPara="1" wrap="square" lIns="91425" tIns="91425" rIns="91425" bIns="91425" anchor="t" anchorCtr="0">
-            <a:noAutofit/>
-          </a:bodyPr>
-          <a:lstStyle/>
-          <a:p>
-            <a:r>
-              <a:rPr lang="en-US" dirty="0"/>
-              <a:t>Challenges:</a:t>
-            </a:r>
-          </a:p>
-          <a:p>
-            <a:r>
-              <a:rPr lang="en-US"/>
-              <a:t>Additional questions:</a:t>
-            </a:r>
-            <a:endParaRPr dirty="0"/>
-          </a:p>
-        </p:txBody>
-      </p:sp>
-      <p:grpSp>
-        <p:nvGrpSpPr>
-          <p:cNvPr id="112" name="Shape 112"/>
-          <p:cNvGrpSpPr/>
-          <p:nvPr/>
-        </p:nvGrpSpPr>
-        <p:grpSpPr>
-          <a:xfrm>
-            <a:off x="916458" y="1019750"/>
-            <a:ext cx="214625" cy="214625"/>
-            <a:chOff x="2594050" y="1631825"/>
-            <a:chExt cx="439625" cy="439625"/>
-          </a:xfrm>
-        </p:grpSpPr>
-        <p:sp>
-          <p:nvSpPr>
-            <p:cNvPr id="113" name="Shape 113"/>
-            <p:cNvSpPr/>
-            <p:nvPr/>
-          </p:nvSpPr>
-          <p:spPr>
-            <a:xfrm>
-              <a:off x="2594050" y="1883300"/>
-              <a:ext cx="188175" cy="188150"/>
-            </a:xfrm>
-            <a:custGeom>
-              <a:avLst/>
-              <a:gdLst/>
-              <a:ahLst/>
-              <a:cxnLst/>
-              <a:rect l="0" t="0" r="0" b="0"/>
-              <a:pathLst>
-                <a:path w="7527" h="7526" fill="none" extrusionOk="0">
-                  <a:moveTo>
-                    <a:pt x="5992" y="0"/>
-                  </a:moveTo>
-                  <a:lnTo>
-                    <a:pt x="537" y="6430"/>
-                  </a:lnTo>
-                  <a:lnTo>
-                    <a:pt x="1" y="7526"/>
-                  </a:lnTo>
-                  <a:lnTo>
-                    <a:pt x="1097" y="6990"/>
-                  </a:lnTo>
-                  <a:lnTo>
-                    <a:pt x="7526" y="1534"/>
-                  </a:lnTo>
-                  <a:lnTo>
-                    <a:pt x="5992" y="0"/>
-                  </a:lnTo>
-                  <a:close/>
-                </a:path>
-              </a:pathLst>
-            </a:custGeom>
-            <a:noFill/>
-            <a:ln w="9525" cap="rnd" cmpd="sng">
-              <a:solidFill>
-                <a:srgbClr val="000000"/>
-              </a:solidFill>
-              <a:prstDash val="solid"/>
-              <a:round/>
-              <a:headEnd type="none" w="sm" len="sm"/>
-              <a:tailEnd type="none" w="sm" len="sm"/>
-            </a:ln>
-          </p:spPr>
-          <p:txBody>
-            <a:bodyPr spcFirstLastPara="1" wrap="square" lIns="91425" tIns="91425" rIns="91425" bIns="91425" anchor="ctr" anchorCtr="0">
-              <a:noAutofit/>
-            </a:bodyPr>
-            <a:lstStyle/>
-            <a:p>
-              <a:pPr marL="0" lvl="0" indent="0">
-                <a:spcBef>
-                  <a:spcPts val="0"/>
-                </a:spcBef>
-                <a:spcAft>
-                  <a:spcPts val="0"/>
-                </a:spcAft>
-                <a:buNone/>
-              </a:pPr>
-              <a:endParaRPr/>
-            </a:p>
-          </p:txBody>
-        </p:sp>
-        <p:sp>
-          <p:nvSpPr>
-            <p:cNvPr id="114" name="Shape 114"/>
-            <p:cNvSpPr/>
-            <p:nvPr/>
-          </p:nvSpPr>
-          <p:spPr>
-            <a:xfrm>
-              <a:off x="2857700" y="1631825"/>
-              <a:ext cx="175975" cy="176000"/>
-            </a:xfrm>
-            <a:custGeom>
-              <a:avLst/>
-              <a:gdLst/>
-              <a:ahLst/>
-              <a:cxnLst/>
-              <a:rect l="0" t="0" r="0" b="0"/>
-              <a:pathLst>
-                <a:path w="7039" h="7040" fill="none" extrusionOk="0">
-                  <a:moveTo>
-                    <a:pt x="268" y="2704"/>
-                  </a:moveTo>
-                  <a:lnTo>
-                    <a:pt x="4336" y="6771"/>
-                  </a:lnTo>
-                  <a:lnTo>
-                    <a:pt x="4336" y="6771"/>
-                  </a:lnTo>
-                  <a:lnTo>
-                    <a:pt x="4336" y="6771"/>
-                  </a:lnTo>
-                  <a:lnTo>
-                    <a:pt x="4652" y="6917"/>
-                  </a:lnTo>
-                  <a:lnTo>
-                    <a:pt x="4993" y="7015"/>
-                  </a:lnTo>
-                  <a:lnTo>
-                    <a:pt x="5310" y="7039"/>
-                  </a:lnTo>
-                  <a:lnTo>
-                    <a:pt x="5651" y="7039"/>
-                  </a:lnTo>
-                  <a:lnTo>
-                    <a:pt x="5992" y="6966"/>
-                  </a:lnTo>
-                  <a:lnTo>
-                    <a:pt x="6308" y="6844"/>
-                  </a:lnTo>
-                  <a:lnTo>
-                    <a:pt x="6454" y="6747"/>
-                  </a:lnTo>
-                  <a:lnTo>
-                    <a:pt x="6601" y="6674"/>
-                  </a:lnTo>
-                  <a:lnTo>
-                    <a:pt x="6747" y="6552"/>
-                  </a:lnTo>
-                  <a:lnTo>
-                    <a:pt x="6893" y="6430"/>
-                  </a:lnTo>
-                  <a:lnTo>
-                    <a:pt x="6893" y="6430"/>
-                  </a:lnTo>
-                  <a:lnTo>
-                    <a:pt x="6942" y="6357"/>
-                  </a:lnTo>
-                  <a:lnTo>
-                    <a:pt x="7015" y="6260"/>
-                  </a:lnTo>
-                  <a:lnTo>
-                    <a:pt x="7039" y="6138"/>
-                  </a:lnTo>
-                  <a:lnTo>
-                    <a:pt x="7039" y="6041"/>
-                  </a:lnTo>
-                  <a:lnTo>
-                    <a:pt x="7039" y="6041"/>
-                  </a:lnTo>
-                  <a:lnTo>
-                    <a:pt x="7039" y="5943"/>
-                  </a:lnTo>
-                  <a:lnTo>
-                    <a:pt x="7015" y="5846"/>
-                  </a:lnTo>
-                  <a:lnTo>
-                    <a:pt x="6942" y="5748"/>
-                  </a:lnTo>
-                  <a:lnTo>
-                    <a:pt x="6893" y="5651"/>
-                  </a:lnTo>
-                  <a:lnTo>
-                    <a:pt x="1389" y="147"/>
-                  </a:lnTo>
-                  <a:lnTo>
-                    <a:pt x="1389" y="147"/>
-                  </a:lnTo>
-                  <a:lnTo>
-                    <a:pt x="1291" y="98"/>
-                  </a:lnTo>
-                  <a:lnTo>
-                    <a:pt x="1194" y="25"/>
-                  </a:lnTo>
-                  <a:lnTo>
-                    <a:pt x="1096" y="0"/>
-                  </a:lnTo>
-                  <a:lnTo>
-                    <a:pt x="999" y="0"/>
-                  </a:lnTo>
-                  <a:lnTo>
-                    <a:pt x="999" y="0"/>
-                  </a:lnTo>
-                  <a:lnTo>
-                    <a:pt x="902" y="0"/>
-                  </a:lnTo>
-                  <a:lnTo>
-                    <a:pt x="780" y="25"/>
-                  </a:lnTo>
-                  <a:lnTo>
-                    <a:pt x="682" y="98"/>
-                  </a:lnTo>
-                  <a:lnTo>
-                    <a:pt x="609" y="147"/>
-                  </a:lnTo>
-                  <a:lnTo>
-                    <a:pt x="609" y="147"/>
-                  </a:lnTo>
-                  <a:lnTo>
-                    <a:pt x="487" y="293"/>
-                  </a:lnTo>
-                  <a:lnTo>
-                    <a:pt x="366" y="439"/>
-                  </a:lnTo>
-                  <a:lnTo>
-                    <a:pt x="293" y="585"/>
-                  </a:lnTo>
-                  <a:lnTo>
-                    <a:pt x="195" y="731"/>
-                  </a:lnTo>
-                  <a:lnTo>
-                    <a:pt x="73" y="1048"/>
-                  </a:lnTo>
-                  <a:lnTo>
-                    <a:pt x="0" y="1389"/>
-                  </a:lnTo>
-                  <a:lnTo>
-                    <a:pt x="0" y="1730"/>
-                  </a:lnTo>
-                  <a:lnTo>
-                    <a:pt x="25" y="2046"/>
-                  </a:lnTo>
-                  <a:lnTo>
-                    <a:pt x="122" y="2387"/>
-                  </a:lnTo>
-                  <a:lnTo>
-                    <a:pt x="268" y="2704"/>
-                  </a:lnTo>
-                  <a:lnTo>
-                    <a:pt x="268" y="2704"/>
-                  </a:lnTo>
-                  <a:close/>
-                </a:path>
-              </a:pathLst>
-            </a:custGeom>
-            <a:noFill/>
-            <a:ln w="9525" cap="rnd" cmpd="sng">
-              <a:solidFill>
-                <a:srgbClr val="000000"/>
-              </a:solidFill>
-              <a:prstDash val="solid"/>
-              <a:round/>
-              <a:headEnd type="none" w="sm" len="sm"/>
-              <a:tailEnd type="none" w="sm" len="sm"/>
-            </a:ln>
-          </p:spPr>
-          <p:txBody>
-            <a:bodyPr spcFirstLastPara="1" wrap="square" lIns="91425" tIns="91425" rIns="91425" bIns="91425" anchor="ctr" anchorCtr="0">
-              <a:noAutofit/>
-            </a:bodyPr>
-            <a:lstStyle/>
-            <a:p>
-              <a:pPr marL="0" lvl="0" indent="0">
-                <a:spcBef>
-                  <a:spcPts val="0"/>
-                </a:spcBef>
-                <a:spcAft>
-                  <a:spcPts val="0"/>
-                </a:spcAft>
-                <a:buNone/>
-              </a:pPr>
-              <a:endParaRPr/>
-            </a:p>
-          </p:txBody>
-        </p:sp>
-        <p:sp>
-          <p:nvSpPr>
-            <p:cNvPr id="115" name="Shape 115"/>
-            <p:cNvSpPr/>
-            <p:nvPr/>
-          </p:nvSpPr>
-          <p:spPr>
-            <a:xfrm>
-              <a:off x="2662850" y="1699400"/>
-              <a:ext cx="303250" cy="303250"/>
-            </a:xfrm>
-            <a:custGeom>
-              <a:avLst/>
-              <a:gdLst/>
-              <a:ahLst/>
-              <a:cxnLst/>
-              <a:rect l="0" t="0" r="0" b="0"/>
-              <a:pathLst>
-                <a:path w="12130" h="12130" fill="none" extrusionOk="0">
-                  <a:moveTo>
-                    <a:pt x="8038" y="1"/>
-                  </a:moveTo>
-                  <a:lnTo>
-                    <a:pt x="4872" y="3191"/>
-                  </a:lnTo>
-                  <a:lnTo>
-                    <a:pt x="4872" y="3191"/>
-                  </a:lnTo>
-                  <a:lnTo>
-                    <a:pt x="4628" y="3094"/>
-                  </a:lnTo>
-                  <a:lnTo>
-                    <a:pt x="4385" y="2997"/>
-                  </a:lnTo>
-                  <a:lnTo>
-                    <a:pt x="4092" y="2899"/>
-                  </a:lnTo>
-                  <a:lnTo>
-                    <a:pt x="3800" y="2850"/>
-                  </a:lnTo>
-                  <a:lnTo>
-                    <a:pt x="3484" y="2777"/>
-                  </a:lnTo>
-                  <a:lnTo>
-                    <a:pt x="3167" y="2729"/>
-                  </a:lnTo>
-                  <a:lnTo>
-                    <a:pt x="2850" y="2704"/>
-                  </a:lnTo>
-                  <a:lnTo>
-                    <a:pt x="2534" y="2704"/>
-                  </a:lnTo>
-                  <a:lnTo>
-                    <a:pt x="2534" y="2704"/>
-                  </a:lnTo>
-                  <a:lnTo>
-                    <a:pt x="2241" y="2704"/>
-                  </a:lnTo>
-                  <a:lnTo>
-                    <a:pt x="1949" y="2729"/>
-                  </a:lnTo>
-                  <a:lnTo>
-                    <a:pt x="1633" y="2777"/>
-                  </a:lnTo>
-                  <a:lnTo>
-                    <a:pt x="1316" y="2850"/>
-                  </a:lnTo>
-                  <a:lnTo>
-                    <a:pt x="999" y="2972"/>
-                  </a:lnTo>
-                  <a:lnTo>
-                    <a:pt x="707" y="3094"/>
-                  </a:lnTo>
-                  <a:lnTo>
-                    <a:pt x="415" y="3289"/>
-                  </a:lnTo>
-                  <a:lnTo>
-                    <a:pt x="147" y="3508"/>
-                  </a:lnTo>
-                  <a:lnTo>
-                    <a:pt x="147" y="3508"/>
-                  </a:lnTo>
-                  <a:lnTo>
-                    <a:pt x="74" y="3581"/>
-                  </a:lnTo>
-                  <a:lnTo>
-                    <a:pt x="25" y="3678"/>
-                  </a:lnTo>
-                  <a:lnTo>
-                    <a:pt x="1" y="3776"/>
-                  </a:lnTo>
-                  <a:lnTo>
-                    <a:pt x="1" y="3898"/>
-                  </a:lnTo>
-                  <a:lnTo>
-                    <a:pt x="1" y="3898"/>
-                  </a:lnTo>
-                  <a:lnTo>
-                    <a:pt x="1" y="3995"/>
-                  </a:lnTo>
-                  <a:lnTo>
-                    <a:pt x="25" y="4093"/>
-                  </a:lnTo>
-                  <a:lnTo>
-                    <a:pt x="74" y="4190"/>
-                  </a:lnTo>
-                  <a:lnTo>
-                    <a:pt x="147" y="4287"/>
-                  </a:lnTo>
-                  <a:lnTo>
-                    <a:pt x="7843" y="11984"/>
-                  </a:lnTo>
-                  <a:lnTo>
-                    <a:pt x="7843" y="11984"/>
-                  </a:lnTo>
-                  <a:lnTo>
-                    <a:pt x="7941" y="12057"/>
-                  </a:lnTo>
-                  <a:lnTo>
-                    <a:pt x="8038" y="12105"/>
-                  </a:lnTo>
-                  <a:lnTo>
-                    <a:pt x="8135" y="12130"/>
-                  </a:lnTo>
-                  <a:lnTo>
-                    <a:pt x="8233" y="12130"/>
-                  </a:lnTo>
-                  <a:lnTo>
-                    <a:pt x="8233" y="12130"/>
-                  </a:lnTo>
-                  <a:lnTo>
-                    <a:pt x="8355" y="12130"/>
-                  </a:lnTo>
-                  <a:lnTo>
-                    <a:pt x="8452" y="12105"/>
-                  </a:lnTo>
-                  <a:lnTo>
-                    <a:pt x="8549" y="12057"/>
-                  </a:lnTo>
-                  <a:lnTo>
-                    <a:pt x="8622" y="11984"/>
-                  </a:lnTo>
-                  <a:lnTo>
-                    <a:pt x="8622" y="11984"/>
-                  </a:lnTo>
-                  <a:lnTo>
-                    <a:pt x="8842" y="11716"/>
-                  </a:lnTo>
-                  <a:lnTo>
-                    <a:pt x="9036" y="11423"/>
-                  </a:lnTo>
-                  <a:lnTo>
-                    <a:pt x="9158" y="11131"/>
-                  </a:lnTo>
-                  <a:lnTo>
-                    <a:pt x="9280" y="10814"/>
-                  </a:lnTo>
-                  <a:lnTo>
-                    <a:pt x="9353" y="10498"/>
-                  </a:lnTo>
-                  <a:lnTo>
-                    <a:pt x="9402" y="10181"/>
-                  </a:lnTo>
-                  <a:lnTo>
-                    <a:pt x="9426" y="9889"/>
-                  </a:lnTo>
-                  <a:lnTo>
-                    <a:pt x="9426" y="9597"/>
-                  </a:lnTo>
-                  <a:lnTo>
-                    <a:pt x="9426" y="9597"/>
-                  </a:lnTo>
-                  <a:lnTo>
-                    <a:pt x="9426" y="9280"/>
-                  </a:lnTo>
-                  <a:lnTo>
-                    <a:pt x="9402" y="8964"/>
-                  </a:lnTo>
-                  <a:lnTo>
-                    <a:pt x="9353" y="8647"/>
-                  </a:lnTo>
-                  <a:lnTo>
-                    <a:pt x="9280" y="8330"/>
-                  </a:lnTo>
-                  <a:lnTo>
-                    <a:pt x="9231" y="8038"/>
-                  </a:lnTo>
-                  <a:lnTo>
-                    <a:pt x="9134" y="7746"/>
-                  </a:lnTo>
-                  <a:lnTo>
-                    <a:pt x="9036" y="7502"/>
-                  </a:lnTo>
-                  <a:lnTo>
-                    <a:pt x="8939" y="7259"/>
-                  </a:lnTo>
-                  <a:lnTo>
-                    <a:pt x="12130" y="4093"/>
-                  </a:lnTo>
-                </a:path>
-              </a:pathLst>
-            </a:custGeom>
-            <a:noFill/>
-            <a:ln w="9525" cap="rnd" cmpd="sng">
-              <a:solidFill>
-                <a:srgbClr val="000000"/>
-              </a:solidFill>
-              <a:prstDash val="solid"/>
-              <a:round/>
-              <a:headEnd type="none" w="sm" len="sm"/>
-              <a:tailEnd type="none" w="sm" len="sm"/>
-            </a:ln>
-          </p:spPr>
-          <p:txBody>
-            <a:bodyPr spcFirstLastPara="1" wrap="square" lIns="91425" tIns="91425" rIns="91425" bIns="91425" anchor="ctr" anchorCtr="0">
-              <a:noAutofit/>
-            </a:bodyPr>
-            <a:lstStyle/>
-            <a:p>
-              <a:pPr marL="0" lvl="0" indent="0">
-                <a:spcBef>
-                  <a:spcPts val="0"/>
-                </a:spcBef>
-                <a:spcAft>
-                  <a:spcPts val="0"/>
-                </a:spcAft>
-                <a:buNone/>
-              </a:pPr>
-              <a:endParaRPr/>
-            </a:p>
-          </p:txBody>
-        </p:sp>
-        <p:sp>
-          <p:nvSpPr>
-            <p:cNvPr id="116" name="Shape 116"/>
-            <p:cNvSpPr/>
-            <p:nvPr/>
-          </p:nvSpPr>
-          <p:spPr>
-            <a:xfrm>
-              <a:off x="2814912" y="1754062"/>
-              <a:ext cx="49950" cy="49950"/>
-            </a:xfrm>
-            <a:custGeom>
-              <a:avLst/>
-              <a:gdLst/>
-              <a:ahLst/>
-              <a:cxnLst/>
-              <a:rect l="0" t="0" r="0" b="0"/>
-              <a:pathLst>
-                <a:path w="1998" h="1998" fill="none" extrusionOk="0">
-                  <a:moveTo>
-                    <a:pt x="1" y="1997"/>
-                  </a:moveTo>
-                  <a:lnTo>
-                    <a:pt x="1998" y="0"/>
-                  </a:lnTo>
-                </a:path>
-              </a:pathLst>
-            </a:custGeom>
-            <a:noFill/>
-            <a:ln w="9525" cap="rnd" cmpd="sng">
-              <a:solidFill>
-                <a:srgbClr val="000000"/>
-              </a:solidFill>
-              <a:prstDash val="solid"/>
-              <a:round/>
-              <a:headEnd type="none" w="sm" len="sm"/>
-              <a:tailEnd type="none" w="sm" len="sm"/>
-            </a:ln>
-          </p:spPr>
-          <p:txBody>
-            <a:bodyPr spcFirstLastPara="1" wrap="square" lIns="91425" tIns="91425" rIns="91425" bIns="91425" anchor="ctr" anchorCtr="0">
-              <a:noAutofit/>
-            </a:bodyPr>
-            <a:lstStyle/>
-            <a:p>
-              <a:pPr marL="0" lvl="0" indent="0">
-                <a:spcBef>
-                  <a:spcPts val="0"/>
-                </a:spcBef>
-                <a:spcAft>
-                  <a:spcPts val="0"/>
-                </a:spcAft>
-                <a:buNone/>
-              </a:pPr>
-              <a:endParaRPr/>
-            </a:p>
-          </p:txBody>
-        </p:sp>
-      </p:grpSp>
-    </p:spTree>
-    <p:extLst>
-      <p:ext uri="{BB962C8B-B14F-4D97-AF65-F5344CB8AC3E}">
-        <p14:creationId xmlns:p14="http://schemas.microsoft.com/office/powerpoint/2010/main" val="3714097845"/>
-      </p:ext>
-    </p:extLst>
-  </p:cSld>
-  <p:clrMapOvr>
-    <a:masterClrMapping/>
-  </p:clrMapOvr>
-</p:sld>
-</file>
-
-<file path=ppt/slides/slide14.xml><?xml version="1.0" encoding="utf-8"?>
 <p:sld xmlns:a="http://schemas.openxmlformats.org/drawingml/2006/main" xmlns:r="http://schemas.openxmlformats.org/officeDocument/2006/relationships" xmlns:p="http://schemas.openxmlformats.org/presentationml/2006/main">
   <p:cSld>
     <p:spTree>
@@ -11158,7 +9077,7 @@
         </p:nvSpPr>
         <p:spPr>
           <a:xfrm>
-            <a:off x="6402268" y="2792454"/>
+            <a:off x="6633945" y="4523283"/>
             <a:ext cx="841897" cy="348203"/>
           </a:xfrm>
           <a:prstGeom prst="rect">
@@ -12027,7 +9946,7 @@
         </p:nvSpPr>
         <p:spPr>
           <a:xfrm>
-            <a:off x="2105050" y="2238000"/>
+            <a:off x="1941764" y="1929355"/>
             <a:ext cx="4933800" cy="819900"/>
           </a:xfrm>
           <a:prstGeom prst="rect">
@@ -12100,7 +10019,7 @@
         </p:nvSpPr>
         <p:spPr>
           <a:xfrm>
-            <a:off x="5685573" y="2749255"/>
+            <a:off x="6218973" y="4610712"/>
             <a:ext cx="841897" cy="261610"/>
           </a:xfrm>
           <a:prstGeom prst="rect">
@@ -12269,12 +10188,8 @@
           <a:p>
             <a:pPr lvl="1"/>
             <a:r>
-              <a:rPr lang="en-US" sz="1600" dirty="0" err="1"/>
-              <a:t>Heatmap</a:t>
-            </a:r>
-            <a:r>
               <a:rPr lang="en-US" sz="1600" dirty="0"/>
-              <a:t> with and with normalized features</a:t>
+              <a:t>Heatmap with and without normalized features</a:t>
             </a:r>
           </a:p>
           <a:p>

--- a/Energy Solar ppt final version.pptx
+++ b/Energy Solar ppt final version.pptx
@@ -7134,7 +7134,23 @@
                   <a:schemeClr val="dk1"/>
                 </a:solidFill>
               </a:rPr>
-              <a:t>You can find our fully analysis at</a:t>
+              <a:t>You can find </a:t>
+            </a:r>
+            <a:r>
+              <a:rPr lang="en-US" sz="1800">
+                <a:solidFill>
+                  <a:schemeClr val="dk1"/>
+                </a:solidFill>
+              </a:rPr>
+              <a:t>our full </a:t>
+            </a:r>
+            <a:r>
+              <a:rPr lang="en-US" sz="1800" dirty="0">
+                <a:solidFill>
+                  <a:schemeClr val="dk1"/>
+                </a:solidFill>
+              </a:rPr>
+              <a:t>analysis at</a:t>
             </a:r>
           </a:p>
           <a:p>

--- a/Energy Solar ppt final version.pptx
+++ b/Energy Solar ppt final version.pptx
@@ -5,7 +5,7 @@
     <p:sldMasterId id="2147483658" r:id="rId1"/>
   </p:sldMasterIdLst>
   <p:notesMasterIdLst>
-    <p:notesMasterId r:id="rId14"/>
+    <p:notesMasterId r:id="rId15"/>
   </p:notesMasterIdLst>
   <p:sldIdLst>
     <p:sldId id="256" r:id="rId2"/>
@@ -19,24 +19,25 @@
     <p:sldId id="297" r:id="rId10"/>
     <p:sldId id="298" r:id="rId11"/>
     <p:sldId id="302" r:id="rId12"/>
-    <p:sldId id="280" r:id="rId13"/>
+    <p:sldId id="304" r:id="rId13"/>
+    <p:sldId id="280" r:id="rId14"/>
   </p:sldIdLst>
   <p:sldSz cx="9144000" cy="5143500" type="screen16x9"/>
   <p:notesSz cx="6858000" cy="9144000"/>
   <p:embeddedFontLst>
     <p:embeddedFont>
       <p:font typeface="Lora" pitchFamily="2" charset="77"/>
-      <p:regular r:id="rId15"/>
-      <p:bold r:id="rId16"/>
-      <p:italic r:id="rId17"/>
-      <p:boldItalic r:id="rId18"/>
+      <p:regular r:id="rId16"/>
+      <p:bold r:id="rId17"/>
+      <p:italic r:id="rId18"/>
+      <p:boldItalic r:id="rId19"/>
     </p:embeddedFont>
     <p:embeddedFont>
       <p:font typeface="Quattrocento Sans" panose="020B0802050000020003" pitchFamily="34" charset="0"/>
-      <p:regular r:id="rId19"/>
-      <p:bold r:id="rId20"/>
-      <p:italic r:id="rId21"/>
-      <p:boldItalic r:id="rId22"/>
+      <p:regular r:id="rId20"/>
+      <p:bold r:id="rId21"/>
+      <p:italic r:id="rId22"/>
+      <p:boldItalic r:id="rId23"/>
     </p:embeddedFont>
   </p:embeddedFontLst>
   <p:defaultTextStyle>
@@ -6964,10 +6965,10 @@
       </p:sp>
       <p:sp>
         <p:nvSpPr>
-          <p:cNvPr id="2" name="TextBox 1">
+          <p:cNvPr id="4" name="TextBox 3">
             <a:extLst>
               <a:ext uri="{FF2B5EF4-FFF2-40B4-BE49-F238E27FC236}">
-                <a16:creationId xmlns:a16="http://schemas.microsoft.com/office/drawing/2014/main" id="{BD7E8E76-7794-1A41-8F82-841CDF8BAA30}"/>
+                <a16:creationId xmlns:a16="http://schemas.microsoft.com/office/drawing/2014/main" id="{42FBC4DB-BEAB-FB48-BBE6-B9F89D8757D7}"/>
               </a:ext>
             </a:extLst>
           </p:cNvPr>
@@ -6976,8 +6977,8 @@
         </p:nvSpPr>
         <p:spPr>
           <a:xfrm>
-            <a:off x="6012145" y="4338569"/>
-            <a:ext cx="841897" cy="261610"/>
+            <a:off x="5109945" y="3543568"/>
+            <a:ext cx="3504486" cy="307777"/>
           </a:xfrm>
           <a:prstGeom prst="rect">
             <a:avLst/>
@@ -6991,17 +6992,38 @@
           <a:lstStyle/>
           <a:p>
             <a:r>
+              <a:rPr lang="en-US" sz="1000" dirty="0"/>
+              <a:t> </a:t>
+            </a:r>
+            <a:r>
+              <a:rPr lang="en-US" sz="1000" b="1" dirty="0">
+                <a:hlinkClick r:id="rId3" tooltip="Posts by Jason Brownlee"/>
+              </a:rPr>
+              <a:t>Jason Brownlee</a:t>
+            </a:r>
+            <a:r>
+              <a:rPr lang="en-US" sz="1000" b="1" dirty="0"/>
+              <a:t>:</a:t>
+            </a:r>
+            <a:r>
+              <a:rPr lang="en-US" b="1" dirty="0"/>
+              <a:t> </a:t>
+            </a:r>
+            <a:r>
               <a:rPr lang="en-US" sz="1100" dirty="0">
                 <a:latin typeface="Lora"/>
                 <a:sym typeface="Lora"/>
-                <a:hlinkClick r:id="rId3"/>
+                <a:hlinkClick r:id="rId4"/>
               </a:rPr>
-              <a:t>Time Series</a:t>
-            </a:r>
-            <a:endParaRPr lang="en-US" sz="1100" dirty="0">
-              <a:latin typeface="Lora"/>
-              <a:sym typeface="Lora"/>
-            </a:endParaRPr>
+              <a:t>What is Time Serie Forecasting?</a:t>
+            </a:r>
+            <a:r>
+              <a:rPr lang="en-US" sz="1100" dirty="0">
+                <a:latin typeface="Lora"/>
+                <a:sym typeface="Lora"/>
+              </a:rPr>
+              <a:t> </a:t>
+            </a:r>
           </a:p>
         </p:txBody>
       </p:sp>
@@ -7019,6 +7041,213 @@
 </file>
 
 <file path=ppt/slides/slide12.xml><?xml version="1.0" encoding="utf-8"?>
+<p:sld xmlns:a="http://schemas.openxmlformats.org/drawingml/2006/main" xmlns:r="http://schemas.openxmlformats.org/officeDocument/2006/relationships" xmlns:p="http://schemas.openxmlformats.org/presentationml/2006/main">
+  <p:cSld>
+    <p:spTree>
+      <p:nvGrpSpPr>
+        <p:cNvPr id="1" name=""/>
+        <p:cNvGrpSpPr/>
+        <p:nvPr/>
+      </p:nvGrpSpPr>
+      <p:grpSpPr>
+        <a:xfrm>
+          <a:off x="0" y="0"/>
+          <a:ext cx="0" cy="0"/>
+          <a:chOff x="0" y="0"/>
+          <a:chExt cx="0" cy="0"/>
+        </a:xfrm>
+      </p:grpSpPr>
+      <p:sp>
+        <p:nvSpPr>
+          <p:cNvPr id="2" name="Title 1">
+            <a:extLst>
+              <a:ext uri="{FF2B5EF4-FFF2-40B4-BE49-F238E27FC236}">
+                <a16:creationId xmlns:a16="http://schemas.microsoft.com/office/drawing/2014/main" id="{FE0CA496-A4FE-2545-A8BF-D6B8492F380B}"/>
+              </a:ext>
+            </a:extLst>
+          </p:cNvPr>
+          <p:cNvSpPr>
+            <a:spLocks noGrp="1"/>
+          </p:cNvSpPr>
+          <p:nvPr>
+            <p:ph type="title"/>
+          </p:nvPr>
+        </p:nvSpPr>
+        <p:spPr/>
+        <p:txBody>
+          <a:bodyPr/>
+          <a:lstStyle/>
+          <a:p>
+            <a:r>
+              <a:rPr lang="en-US" dirty="0"/>
+              <a:t>References</a:t>
+            </a:r>
+          </a:p>
+        </p:txBody>
+      </p:sp>
+      <p:sp>
+        <p:nvSpPr>
+          <p:cNvPr id="3" name="Text Placeholder 2">
+            <a:extLst>
+              <a:ext uri="{FF2B5EF4-FFF2-40B4-BE49-F238E27FC236}">
+                <a16:creationId xmlns:a16="http://schemas.microsoft.com/office/drawing/2014/main" id="{C3B6E683-5892-8145-8ACD-8D14B88F7D12}"/>
+              </a:ext>
+            </a:extLst>
+          </p:cNvPr>
+          <p:cNvSpPr>
+            <a:spLocks noGrp="1"/>
+          </p:cNvSpPr>
+          <p:nvPr>
+            <p:ph type="body" idx="1"/>
+          </p:nvPr>
+        </p:nvSpPr>
+        <p:spPr>
+          <a:xfrm>
+            <a:off x="1381249" y="1618700"/>
+            <a:ext cx="7425293" cy="3231000"/>
+          </a:xfrm>
+        </p:spPr>
+        <p:txBody>
+          <a:bodyPr/>
+          <a:lstStyle/>
+          <a:p>
+            <a:r>
+              <a:rPr lang="en-US" sz="1200" dirty="0"/>
+              <a:t>Solar Energy Consumption by the residential sector from </a:t>
+            </a:r>
+            <a:r>
+              <a:rPr lang="en-US" sz="1200" dirty="0">
+                <a:hlinkClick r:id="rId2"/>
+              </a:rPr>
+              <a:t>U.S. Energy Information Administration</a:t>
+            </a:r>
+            <a:endParaRPr lang="en-US" sz="1200" dirty="0"/>
+          </a:p>
+          <a:p>
+            <a:r>
+              <a:rPr lang="en-US" sz="1200" dirty="0"/>
+              <a:t>Residential Energy Demand Temperature Index (REDTI) from </a:t>
+            </a:r>
+            <a:r>
+              <a:rPr lang="en-US" sz="1200" dirty="0">
+                <a:hlinkClick r:id="rId3"/>
+              </a:rPr>
+              <a:t>NOAA National Oceanic and Atmospheric Administration</a:t>
+            </a:r>
+            <a:endParaRPr lang="en-US" sz="1200" dirty="0"/>
+          </a:p>
+          <a:p>
+            <a:r>
+              <a:rPr lang="en-US" sz="1200" dirty="0"/>
+              <a:t>Average Retail Price of Residential Electricity from </a:t>
+            </a:r>
+            <a:r>
+              <a:rPr lang="en-US" sz="1200" dirty="0">
+                <a:hlinkClick r:id="rId4"/>
+              </a:rPr>
+              <a:t>U.S. Energy Information Administration</a:t>
+            </a:r>
+            <a:endParaRPr lang="en-US" sz="1200" dirty="0"/>
+          </a:p>
+          <a:p>
+            <a:r>
+              <a:rPr lang="en-US" sz="1200" dirty="0"/>
+              <a:t>Time Series concept: </a:t>
+            </a:r>
+            <a:r>
+              <a:rPr lang="en-US" sz="1200" dirty="0">
+                <a:hlinkClick r:id="rId5"/>
+              </a:rPr>
+              <a:t>https://machinelearningmastery.com/time-series-forecasting/</a:t>
+            </a:r>
+            <a:endParaRPr lang="en-US" sz="1200" dirty="0"/>
+          </a:p>
+          <a:p>
+            <a:r>
+              <a:rPr lang="en-US" sz="1200" dirty="0"/>
+              <a:t>Data analysis study: </a:t>
+            </a:r>
+            <a:r>
+              <a:rPr lang="en-US" sz="1200" dirty="0">
+                <a:hlinkClick r:id="rId6"/>
+              </a:rPr>
+              <a:t>https://github.com/Arronno/House-Prices--Advanced-Regression-Techniques-/blob/master/AI-0009-Report.ipynb</a:t>
+            </a:r>
+            <a:endParaRPr lang="en-US" sz="1200" dirty="0"/>
+          </a:p>
+          <a:p>
+            <a:r>
+              <a:rPr lang="en-US" sz="1200" dirty="0"/>
+              <a:t>Use of Autoregression: </a:t>
+            </a:r>
+            <a:r>
+              <a:rPr lang="en-US" sz="1200" dirty="0">
+                <a:hlinkClick r:id="rId7"/>
+              </a:rPr>
+              <a:t>https://machinelearningmastery.com/autoregression-models-time-series-forecasting-python/</a:t>
+            </a:r>
+            <a:endParaRPr lang="en-US" sz="1200" dirty="0"/>
+          </a:p>
+          <a:p>
+            <a:r>
+              <a:rPr lang="en-US" sz="1200" dirty="0"/>
+              <a:t>Reference study: </a:t>
+            </a:r>
+            <a:r>
+              <a:rPr lang="en-US" sz="1200" dirty="0">
+                <a:hlinkClick r:id="rId8"/>
+              </a:rPr>
+              <a:t>https://github.com/Azure/cortana-intelligence-energy-demand-forecasting</a:t>
+            </a:r>
+            <a:endParaRPr lang="en-US" sz="1200" dirty="0"/>
+          </a:p>
+          <a:p>
+            <a:r>
+              <a:rPr lang="en-US" sz="1200" dirty="0"/>
+              <a:t>Use of Multi Layer Perceptron Regressor: </a:t>
+            </a:r>
+            <a:r>
+              <a:rPr lang="en-US" sz="1200" dirty="0">
+                <a:hlinkClick r:id="rId9"/>
+              </a:rPr>
+              <a:t>https://www.programcreek.com/python/example/93778/sklearn.neural_network.MLPRegressor</a:t>
+            </a:r>
+            <a:endParaRPr lang="en-US" sz="1200" dirty="0"/>
+          </a:p>
+          <a:p>
+            <a:r>
+              <a:rPr lang="en-US" sz="1200" dirty="0"/>
+              <a:t>Lag and Peek data manipulation credit Matthew Young from Crypto currency forecasting </a:t>
+            </a:r>
+          </a:p>
+          <a:p>
+            <a:endParaRPr lang="en-US" sz="1600" dirty="0"/>
+          </a:p>
+          <a:p>
+            <a:endParaRPr lang="en-US" dirty="0"/>
+          </a:p>
+          <a:p>
+            <a:endParaRPr lang="en-US" dirty="0"/>
+          </a:p>
+          <a:p>
+            <a:endParaRPr lang="en-US" dirty="0"/>
+          </a:p>
+        </p:txBody>
+      </p:sp>
+    </p:spTree>
+    <p:extLst>
+      <p:ext uri="{BB962C8B-B14F-4D97-AF65-F5344CB8AC3E}">
+        <p14:creationId xmlns:p14="http://schemas.microsoft.com/office/powerpoint/2010/main" val="1644122253"/>
+      </p:ext>
+    </p:extLst>
+  </p:cSld>
+  <p:clrMapOvr>
+    <a:masterClrMapping/>
+  </p:clrMapOvr>
+</p:sld>
+</file>
+
+<file path=ppt/slides/slide13.xml><?xml version="1.0" encoding="utf-8"?>
 <p:sld xmlns:a="http://schemas.openxmlformats.org/drawingml/2006/main" xmlns:r="http://schemas.openxmlformats.org/officeDocument/2006/relationships" xmlns:p="http://schemas.openxmlformats.org/presentationml/2006/main">
   <p:cSld>
     <p:spTree>
@@ -9093,8 +9322,8 @@
         </p:nvSpPr>
         <p:spPr>
           <a:xfrm>
-            <a:off x="6633945" y="4523283"/>
-            <a:ext cx="841897" cy="348203"/>
+            <a:off x="5109945" y="3543568"/>
+            <a:ext cx="3504486" cy="307777"/>
           </a:xfrm>
           <a:prstGeom prst="rect">
             <a:avLst/>
@@ -9108,17 +9337,38 @@
           <a:lstStyle/>
           <a:p>
             <a:r>
+              <a:rPr lang="en-US" sz="1000" dirty="0"/>
+              <a:t> </a:t>
+            </a:r>
+            <a:r>
+              <a:rPr lang="en-US" sz="1000" b="1" dirty="0">
+                <a:hlinkClick r:id="rId3" tooltip="Posts by Jason Brownlee"/>
+              </a:rPr>
+              <a:t>Jason Brownlee</a:t>
+            </a:r>
+            <a:r>
+              <a:rPr lang="en-US" sz="1000" b="1" dirty="0"/>
+              <a:t>:</a:t>
+            </a:r>
+            <a:r>
+              <a:rPr lang="en-US" b="1" dirty="0"/>
+              <a:t> </a:t>
+            </a:r>
+            <a:r>
               <a:rPr lang="en-US" sz="1100" dirty="0">
                 <a:latin typeface="Lora"/>
                 <a:sym typeface="Lora"/>
-                <a:hlinkClick r:id="rId3"/>
+                <a:hlinkClick r:id="rId4"/>
               </a:rPr>
-              <a:t>Time Series</a:t>
-            </a:r>
-            <a:endParaRPr lang="en-US" sz="1100" dirty="0">
-              <a:latin typeface="Lora"/>
-              <a:sym typeface="Lora"/>
-            </a:endParaRPr>
+              <a:t>What is Time Serie Forecasting?</a:t>
+            </a:r>
+            <a:r>
+              <a:rPr lang="en-US" sz="1100" dirty="0">
+                <a:latin typeface="Lora"/>
+                <a:sym typeface="Lora"/>
+              </a:rPr>
+              <a:t> </a:t>
+            </a:r>
           </a:p>
         </p:txBody>
       </p:sp>
@@ -10023,10 +10273,10 @@
       </p:sp>
       <p:sp>
         <p:nvSpPr>
-          <p:cNvPr id="2" name="TextBox 1">
+          <p:cNvPr id="5" name="TextBox 4">
             <a:extLst>
               <a:ext uri="{FF2B5EF4-FFF2-40B4-BE49-F238E27FC236}">
-                <a16:creationId xmlns:a16="http://schemas.microsoft.com/office/drawing/2014/main" id="{BD7E8E76-7794-1A41-8F82-841CDF8BAA30}"/>
+                <a16:creationId xmlns:a16="http://schemas.microsoft.com/office/drawing/2014/main" id="{7DBA121E-B455-3A41-8C7C-75EE14EF115D}"/>
               </a:ext>
             </a:extLst>
           </p:cNvPr>
@@ -10035,8 +10285,8 @@
         </p:nvSpPr>
         <p:spPr>
           <a:xfrm>
-            <a:off x="6218973" y="4610712"/>
-            <a:ext cx="841897" cy="261610"/>
+            <a:off x="5109945" y="3543568"/>
+            <a:ext cx="3504486" cy="307777"/>
           </a:xfrm>
           <a:prstGeom prst="rect">
             <a:avLst/>
@@ -10050,17 +10300,38 @@
           <a:lstStyle/>
           <a:p>
             <a:r>
+              <a:rPr lang="en-US" sz="1000" dirty="0"/>
+              <a:t> </a:t>
+            </a:r>
+            <a:r>
+              <a:rPr lang="en-US" sz="1000" b="1" dirty="0">
+                <a:hlinkClick r:id="rId3" tooltip="Posts by Jason Brownlee"/>
+              </a:rPr>
+              <a:t>Jason Brownlee</a:t>
+            </a:r>
+            <a:r>
+              <a:rPr lang="en-US" sz="1000" b="1" dirty="0"/>
+              <a:t>:</a:t>
+            </a:r>
+            <a:r>
+              <a:rPr lang="en-US" b="1" dirty="0"/>
+              <a:t> </a:t>
+            </a:r>
+            <a:r>
               <a:rPr lang="en-US" sz="1100" dirty="0">
                 <a:latin typeface="Lora"/>
                 <a:sym typeface="Lora"/>
-                <a:hlinkClick r:id="rId3"/>
+                <a:hlinkClick r:id="rId4"/>
               </a:rPr>
-              <a:t>Time Series</a:t>
-            </a:r>
-            <a:endParaRPr lang="en-US" sz="1100" dirty="0">
-              <a:latin typeface="Lora"/>
-              <a:sym typeface="Lora"/>
-            </a:endParaRPr>
+              <a:t>What is Time Serie Forecasting?</a:t>
+            </a:r>
+            <a:r>
+              <a:rPr lang="en-US" sz="1100" dirty="0">
+                <a:latin typeface="Lora"/>
+                <a:sym typeface="Lora"/>
+              </a:rPr>
+              <a:t> </a:t>
+            </a:r>
           </a:p>
         </p:txBody>
       </p:sp>
@@ -12798,25 +13069,15 @@
             <a:pPr algn="just"/>
             <a:r>
               <a:rPr lang="en-US" sz="1800" i="1" dirty="0"/>
-              <a:t>Multi-layer Perceptron </a:t>
-            </a:r>
-            <a:r>
-              <a:rPr lang="en-US" sz="1800" i="1" dirty="0" err="1"/>
-              <a:t>Regressor</a:t>
-            </a:r>
-            <a:endParaRPr lang="en-US" sz="1800" i="1" dirty="0"/>
+              <a:t>Multi-layer Perceptron Regressor</a:t>
+            </a:r>
           </a:p>
           <a:p>
             <a:pPr algn="just"/>
             <a:r>
               <a:rPr lang="en-US" sz="1800" i="1" dirty="0"/>
-              <a:t>Random Forest </a:t>
-            </a:r>
-            <a:r>
-              <a:rPr lang="en-US" sz="1800" i="1" dirty="0" err="1"/>
-              <a:t>Regressor</a:t>
-            </a:r>
-            <a:endParaRPr lang="en-US" sz="1800" i="1" dirty="0"/>
+              <a:t>Random Forest Regressor</a:t>
+            </a:r>
           </a:p>
           <a:p>
             <a:endParaRPr lang="en-US" sz="1800" dirty="0"/>

--- a/Energy Solar ppt final version.pptx
+++ b/Energy Solar ppt final version.pptx
@@ -5596,6 +5596,62 @@
           </a:prstGeom>
         </p:spPr>
       </p:pic>
+      <p:sp>
+        <p:nvSpPr>
+          <p:cNvPr id="2" name="TextBox 1">
+            <a:extLst>
+              <a:ext uri="{FF2B5EF4-FFF2-40B4-BE49-F238E27FC236}">
+                <a16:creationId xmlns:a16="http://schemas.microsoft.com/office/drawing/2014/main" id="{50B29915-ED5A-CE4E-B1D7-D8EB17702454}"/>
+              </a:ext>
+            </a:extLst>
+          </p:cNvPr>
+          <p:cNvSpPr txBox="1"/>
+          <p:nvPr/>
+        </p:nvSpPr>
+        <p:spPr>
+          <a:xfrm>
+            <a:off x="5617029" y="3951515"/>
+            <a:ext cx="3223959" cy="1169551"/>
+          </a:xfrm>
+          <a:prstGeom prst="rect">
+            <a:avLst/>
+          </a:prstGeom>
+          <a:noFill/>
+        </p:spPr>
+        <p:txBody>
+          <a:bodyPr wrap="none" rtlCol="0">
+            <a:spAutoFit/>
+          </a:bodyPr>
+          <a:lstStyle/>
+          <a:p>
+            <a:r>
+              <a:rPr lang="en-US" dirty="0"/>
+              <a:t>Manuela Machado</a:t>
+            </a:r>
+          </a:p>
+          <a:p>
+            <a:r>
+              <a:rPr lang="en-US" dirty="0"/>
+              <a:t>Guirlyn Olivar</a:t>
+            </a:r>
+          </a:p>
+          <a:p>
+            <a:endParaRPr lang="en-US" dirty="0"/>
+          </a:p>
+          <a:p>
+            <a:r>
+              <a:rPr lang="en-US" dirty="0"/>
+              <a:t>UC Berkeley Extension Data Analytics</a:t>
+            </a:r>
+          </a:p>
+          <a:p>
+            <a:r>
+              <a:rPr lang="en-US" dirty="0"/>
+              <a:t>July 2018</a:t>
+            </a:r>
+          </a:p>
+        </p:txBody>
+      </p:sp>
     </p:spTree>
   </p:cSld>
   <p:clrMapOvr>

--- a/Energy Solar ppt final version.pptx
+++ b/Energy Solar ppt final version.pptx
@@ -10500,47 +10500,64 @@
               <a:rPr lang="en-US" sz="1600" dirty="0"/>
               <a:t>Lag plot</a:t>
             </a:r>
+            <a:endParaRPr lang="en-US" sz="1800" dirty="0"/>
+          </a:p>
+          <a:p>
+            <a:r>
+              <a:rPr lang="en-US" sz="1800" dirty="0"/>
+              <a:t>Features</a:t>
+            </a:r>
           </a:p>
           <a:p>
             <a:pPr lvl="1"/>
-            <a:endParaRPr lang="en-US" sz="1800" dirty="0"/>
+            <a:r>
+              <a:rPr lang="en-US" sz="1600" dirty="0"/>
+              <a:t>Add Price and Temperature</a:t>
+            </a:r>
+          </a:p>
+          <a:p>
+            <a:pPr lvl="1"/>
+            <a:r>
+              <a:rPr lang="en-US" sz="1600" dirty="0"/>
+              <a:t>Seasonality – 2 approaches</a:t>
+            </a:r>
+            <a:endParaRPr lang="en-US" dirty="0"/>
           </a:p>
           <a:p>
             <a:r>
               <a:rPr lang="en-US" sz="1800" dirty="0"/>
-              <a:t>Feature Normalization</a:t>
+              <a:t>Most correlated features</a:t>
             </a:r>
           </a:p>
           <a:p>
             <a:pPr lvl="1"/>
             <a:r>
               <a:rPr lang="en-US" sz="1600" dirty="0"/>
+              <a:t>Overall Heatmap w/wo Normalization </a:t>
+            </a:r>
+          </a:p>
+          <a:p>
+            <a:pPr lvl="1"/>
+            <a:r>
+              <a:rPr lang="en-US" sz="1600" dirty="0"/>
+              <a:t>Normalization </a:t>
+            </a:r>
+            <a:r>
+              <a:rPr lang="en-US" sz="1800" dirty="0"/>
               <a:t>Using Log1</a:t>
             </a:r>
           </a:p>
           <a:p>
             <a:pPr lvl="1"/>
-            <a:endParaRPr lang="en-US" sz="1800" dirty="0"/>
-          </a:p>
-          <a:p>
             <a:r>
               <a:rPr lang="en-US" sz="1800" dirty="0"/>
-              <a:t>Feature Correlation</a:t>
-            </a:r>
+              <a:t>Scaling</a:t>
+            </a:r>
+            <a:endParaRPr lang="en-US" sz="1600" dirty="0"/>
           </a:p>
           <a:p>
             <a:pPr lvl="1"/>
-            <a:r>
-              <a:rPr lang="en-US" sz="1600" dirty="0"/>
-              <a:t>Heatmap with and without normalized features</a:t>
-            </a:r>
-          </a:p>
-          <a:p>
-            <a:pPr lvl="1"/>
-            <a:r>
-              <a:rPr lang="en-US" sz="1600" dirty="0"/>
-              <a:t>Filtered most correlated</a:t>
-            </a:r>
+            <a:endParaRPr lang="en-US" sz="1600" dirty="0"/>
           </a:p>
           <a:p>
             <a:endParaRPr lang="en-US" sz="1800" dirty="0"/>
@@ -12992,38 +13009,6 @@
             <a:endParaRPr lang="en-US" dirty="0"/>
           </a:p>
           <a:p>
-            <a:r>
-              <a:rPr lang="en-US" sz="1800" dirty="0"/>
-              <a:t>Time series analysis</a:t>
-            </a:r>
-          </a:p>
-          <a:p>
-            <a:pPr lvl="1"/>
-            <a:r>
-              <a:rPr lang="en-US" sz="1600" dirty="0"/>
-              <a:t>Persistence model</a:t>
-            </a:r>
-          </a:p>
-          <a:p>
-            <a:pPr lvl="1"/>
-            <a:r>
-              <a:rPr lang="en-US" sz="1600" dirty="0" err="1"/>
-              <a:t>Autoregression</a:t>
-            </a:r>
-            <a:endParaRPr lang="en-US" sz="1600" dirty="0"/>
-          </a:p>
-          <a:p>
-            <a:pPr lvl="1"/>
-            <a:r>
-              <a:rPr lang="en-US" sz="1600" dirty="0" err="1"/>
-              <a:t>Autoregression</a:t>
-            </a:r>
-            <a:r>
-              <a:rPr lang="en-US" sz="1600" dirty="0"/>
-              <a:t> with history</a:t>
-            </a:r>
-          </a:p>
-          <a:p>
             <a:pPr lvl="1"/>
             <a:endParaRPr lang="en-US" sz="1600" dirty="0"/>
           </a:p>
@@ -13038,7 +13023,7 @@
             </a:pPr>
             <a:r>
               <a:rPr lang="en-US" sz="1800" dirty="0"/>
-              <a:t>These models help describe the time series dataset</a:t>
+              <a:t>To identify the predictive model that best fits our time series, we leveraged a range of approaches, from the most simplistic to robust machine learning models.</a:t>
             </a:r>
           </a:p>
           <a:p>
@@ -13050,10 +13035,45 @@
               <a:buFont typeface="Quattrocento Sans"/>
               <a:buChar char="◉"/>
             </a:pPr>
+            <a:endParaRPr lang="en-US" sz="1800" dirty="0"/>
+          </a:p>
+          <a:p>
             <a:r>
               <a:rPr lang="en-US" sz="1800" dirty="0"/>
-              <a:t>To identify the predictive model that best fits our time series, we leveraged a range of approaches, from the most simplistic to robust machine learning models.</a:t>
-            </a:r>
+              <a:t>Time series analysis (These models help describe the time series dataset)</a:t>
+            </a:r>
+          </a:p>
+          <a:p>
+            <a:pPr lvl="1"/>
+            <a:r>
+              <a:rPr lang="en-US" sz="1600" dirty="0"/>
+              <a:t>Persistence model</a:t>
+            </a:r>
+          </a:p>
+          <a:p>
+            <a:pPr lvl="1"/>
+            <a:r>
+              <a:rPr lang="en-US" sz="1600" dirty="0"/>
+              <a:t>Autoregression</a:t>
+            </a:r>
+          </a:p>
+          <a:p>
+            <a:pPr lvl="1"/>
+            <a:r>
+              <a:rPr lang="en-US" sz="1600" dirty="0"/>
+              <a:t>Autoregression with history</a:t>
+            </a:r>
+          </a:p>
+          <a:p>
+            <a:pPr marL="457200" lvl="1" indent="-381000">
+              <a:spcBef>
+                <a:spcPts val="600"/>
+              </a:spcBef>
+              <a:buSzPts val="2400"/>
+              <a:buFont typeface="Quattrocento Sans"/>
+              <a:buChar char="◉"/>
+            </a:pPr>
+            <a:endParaRPr lang="en-US" sz="1800" dirty="0"/>
           </a:p>
           <a:p>
             <a:endParaRPr lang="en-US" sz="1800" dirty="0"/>

--- a/Energy Solar ppt final version.pptx
+++ b/Energy Solar ppt final version.pptx
@@ -1,6 +1,6 @@
 
 <file path=ppt/presentation.xml><?xml version="1.0" encoding="utf-8"?>
-<p:presentation xmlns:a="http://schemas.openxmlformats.org/drawingml/2006/main" xmlns:r="http://schemas.openxmlformats.org/officeDocument/2006/relationships" xmlns:p="http://schemas.openxmlformats.org/presentationml/2006/main" strictFirstAndLastChars="0" embedTrueTypeFonts="1" saveSubsetFonts="1" autoCompressPictures="0">
+<p:presentation xmlns:a="http://schemas.openxmlformats.org/drawingml/2006/main" xmlns:r="http://schemas.openxmlformats.org/officeDocument/2006/relationships" xmlns:p="http://schemas.openxmlformats.org/presentationml/2006/main" strictFirstAndLastChars="0" embedTrueTypeFonts="1" autoCompressPictures="0">
   <p:sldMasterIdLst>
     <p:sldMasterId id="2147483658" r:id="rId1"/>
   </p:sldMasterIdLst>
@@ -10,15 +10,15 @@
   <p:sldIdLst>
     <p:sldId id="256" r:id="rId2"/>
     <p:sldId id="257" r:id="rId3"/>
-    <p:sldId id="300" r:id="rId4"/>
-    <p:sldId id="274" r:id="rId5"/>
-    <p:sldId id="301" r:id="rId6"/>
-    <p:sldId id="285" r:id="rId7"/>
-    <p:sldId id="266" r:id="rId8"/>
-    <p:sldId id="292" r:id="rId9"/>
-    <p:sldId id="297" r:id="rId10"/>
-    <p:sldId id="298" r:id="rId11"/>
-    <p:sldId id="302" r:id="rId12"/>
+    <p:sldId id="305" r:id="rId4"/>
+    <p:sldId id="300" r:id="rId5"/>
+    <p:sldId id="274" r:id="rId6"/>
+    <p:sldId id="301" r:id="rId7"/>
+    <p:sldId id="285" r:id="rId8"/>
+    <p:sldId id="266" r:id="rId9"/>
+    <p:sldId id="292" r:id="rId10"/>
+    <p:sldId id="297" r:id="rId11"/>
+    <p:sldId id="298" r:id="rId12"/>
     <p:sldId id="304" r:id="rId13"/>
     <p:sldId id="280" r:id="rId14"/>
   </p:sldIdLst>
@@ -808,7 +808,41 @@
               </a:spcAft>
               <a:buNone/>
             </a:pPr>
-            <a:endParaRPr/>
+            <a:r>
+              <a:rPr lang="en-US" dirty="0"/>
+              <a:t>Are you interested in renewable energy?</a:t>
+            </a:r>
+          </a:p>
+          <a:p>
+            <a:pPr marL="0" lvl="0" indent="0">
+              <a:spcBef>
+                <a:spcPts val="0"/>
+              </a:spcBef>
+              <a:spcAft>
+                <a:spcPts val="0"/>
+              </a:spcAft>
+              <a:buNone/>
+            </a:pPr>
+            <a:r>
+              <a:rPr lang="en-US" dirty="0"/>
+              <a:t>Is there anything specific you came here to look for?</a:t>
+            </a:r>
+          </a:p>
+          <a:p>
+            <a:pPr marL="0" lvl="0" indent="0">
+              <a:spcBef>
+                <a:spcPts val="0"/>
+              </a:spcBef>
+              <a:spcAft>
+                <a:spcPts val="0"/>
+              </a:spcAft>
+              <a:buNone/>
+            </a:pPr>
+            <a:r>
+              <a:rPr lang="en-US" dirty="0"/>
+              <a:t>I thing you came to the right boot </a:t>
+            </a:r>
+            <a:endParaRPr dirty="0"/>
           </a:p>
         </p:txBody>
       </p:sp>
@@ -821,6 +855,115 @@
 </file>
 
 <file path=ppt/notesSlides/notesSlide10.xml><?xml version="1.0" encoding="utf-8"?>
+<p:notes xmlns:a="http://schemas.openxmlformats.org/drawingml/2006/main" xmlns:r="http://schemas.openxmlformats.org/officeDocument/2006/relationships" xmlns:p="http://schemas.openxmlformats.org/presentationml/2006/main" showMasterSp="0" showMasterPhAnim="0">
+  <p:cSld>
+    <p:spTree>
+      <p:nvGrpSpPr>
+        <p:cNvPr id="1" name="Shape 162"/>
+        <p:cNvGrpSpPr/>
+        <p:nvPr/>
+      </p:nvGrpSpPr>
+      <p:grpSpPr>
+        <a:xfrm>
+          <a:off x="0" y="0"/>
+          <a:ext cx="0" cy="0"/>
+          <a:chOff x="0" y="0"/>
+          <a:chExt cx="0" cy="0"/>
+        </a:xfrm>
+      </p:grpSpPr>
+      <p:sp>
+        <p:nvSpPr>
+          <p:cNvPr id="163" name="Shape 163"/>
+          <p:cNvSpPr>
+            <a:spLocks noGrp="1" noRot="1" noChangeAspect="1"/>
+          </p:cNvSpPr>
+          <p:nvPr>
+            <p:ph type="sldImg" idx="2"/>
+          </p:nvPr>
+        </p:nvSpPr>
+        <p:spPr>
+          <a:xfrm>
+            <a:off x="381000" y="685800"/>
+            <a:ext cx="6096000" cy="3429000"/>
+          </a:xfrm>
+          <a:custGeom>
+            <a:avLst/>
+            <a:gdLst/>
+            <a:ahLst/>
+            <a:cxnLst/>
+            <a:rect l="0" t="0" r="0" b="0"/>
+            <a:pathLst>
+              <a:path w="120000" h="120000" extrusionOk="0">
+                <a:moveTo>
+                  <a:pt x="0" y="0"/>
+                </a:moveTo>
+                <a:lnTo>
+                  <a:pt x="120000" y="0"/>
+                </a:lnTo>
+                <a:lnTo>
+                  <a:pt x="120000" y="120000"/>
+                </a:lnTo>
+                <a:lnTo>
+                  <a:pt x="0" y="120000"/>
+                </a:lnTo>
+                <a:close/>
+              </a:path>
+            </a:pathLst>
+          </a:custGeom>
+        </p:spPr>
+      </p:sp>
+      <p:sp>
+        <p:nvSpPr>
+          <p:cNvPr id="164" name="Shape 164"/>
+          <p:cNvSpPr txBox="1">
+            <a:spLocks noGrp="1"/>
+          </p:cNvSpPr>
+          <p:nvPr>
+            <p:ph type="body" idx="1"/>
+          </p:nvPr>
+        </p:nvSpPr>
+        <p:spPr>
+          <a:xfrm>
+            <a:off x="685800" y="4343400"/>
+            <a:ext cx="5486400" cy="4114800"/>
+          </a:xfrm>
+          <a:prstGeom prst="rect">
+            <a:avLst/>
+          </a:prstGeom>
+        </p:spPr>
+        <p:txBody>
+          <a:bodyPr spcFirstLastPara="1" wrap="square" lIns="91425" tIns="91425" rIns="91425" bIns="91425" anchor="t" anchorCtr="0">
+            <a:noAutofit/>
+          </a:bodyPr>
+          <a:lstStyle/>
+          <a:p>
+            <a:pPr marL="0" lvl="0" indent="0">
+              <a:spcBef>
+                <a:spcPts val="0"/>
+              </a:spcBef>
+              <a:spcAft>
+                <a:spcPts val="0"/>
+              </a:spcAft>
+              <a:buNone/>
+            </a:pPr>
+            <a:endParaRPr dirty="0"/>
+          </a:p>
+        </p:txBody>
+      </p:sp>
+    </p:spTree>
+    <p:extLst>
+      <p:ext uri="{BB962C8B-B14F-4D97-AF65-F5344CB8AC3E}">
+        <p14:creationId xmlns:p14="http://schemas.microsoft.com/office/powerpoint/2010/main" val="3901482773"/>
+      </p:ext>
+    </p:extLst>
+  </p:cSld>
+  <p:clrMapOvr>
+    <a:masterClrMapping/>
+  </p:clrMapOvr>
+</p:notes>
+</file>
+
+<file path=ppt/notesSlides/notesSlide11.xml><?xml version="1.0" encoding="utf-8"?>
 <p:notes xmlns:a="http://schemas.openxmlformats.org/drawingml/2006/main" xmlns:r="http://schemas.openxmlformats.org/officeDocument/2006/relationships" xmlns:p="http://schemas.openxmlformats.org/presentationml/2006/main" showMasterSp="0" showMasterPhAnim="0">
   <p:cSld>
     <p:spTree>
@@ -965,33 +1108,7 @@
                 <a:cs typeface="Arial"/>
                 <a:sym typeface="Arial"/>
               </a:rPr>
-              <a:t>We used the </a:t>
-            </a:r>
-            <a:r>
-              <a:rPr lang="en-US" sz="1100" b="0" i="0" u="none" strike="noStrike" cap="none" dirty="0" err="1">
-                <a:solidFill>
-                  <a:srgbClr val="000000"/>
-                </a:solidFill>
-                <a:effectLst/>
-                <a:latin typeface="Arial"/>
-                <a:ea typeface="Arial"/>
-                <a:cs typeface="Arial"/>
-                <a:sym typeface="Arial"/>
-              </a:rPr>
-              <a:t>statsmodels</a:t>
-            </a:r>
-            <a:r>
-              <a:rPr lang="en-US" sz="1100" b="0" i="0" u="none" strike="noStrike" cap="none" dirty="0">
-                <a:solidFill>
-                  <a:srgbClr val="000000"/>
-                </a:solidFill>
-                <a:effectLst/>
-                <a:latin typeface="Arial"/>
-                <a:ea typeface="Arial"/>
-                <a:cs typeface="Arial"/>
-                <a:sym typeface="Arial"/>
-              </a:rPr>
-              <a:t> library provides an implementation of the naive, or classical, decomposition method in a function called </a:t>
+              <a:t>We used the statsmodels library provides an implementation of the naive, or classical, decomposition method in a function called </a:t>
             </a:r>
             <a:r>
               <a:rPr lang="en-US" sz="1100" b="0" i="0" u="none" strike="noStrike" cap="none" dirty="0">
@@ -1053,23 +1170,7 @@
             </a:pPr>
             <a:r>
               <a:rPr lang="en-US" b="1" dirty="0"/>
-              <a:t>We used the seasonal decompose() function from the </a:t>
-            </a:r>
-            <a:r>
-              <a:rPr lang="en-US" b="1" dirty="0" err="1"/>
-              <a:t>statsmodel</a:t>
-            </a:r>
-            <a:r>
-              <a:rPr lang="en-US" b="1" dirty="0"/>
-              <a:t> library to generate the above. We  applied a multiplicative model since the crime </a:t>
-            </a:r>
-            <a:r>
-              <a:rPr lang="en-US" b="1" dirty="0" err="1"/>
-              <a:t>serie</a:t>
-            </a:r>
-            <a:r>
-              <a:rPr lang="en-US" b="1" dirty="0"/>
-              <a:t> present </a:t>
+              <a:t>We used the seasonal decompose() function from the statsmodel library to generate the above. We  applied a multiplicative model since the crime serie present </a:t>
             </a:r>
             <a:r>
               <a:rPr lang="en-US" sz="1100" b="1" i="0" u="none" strike="noStrike" cap="none" dirty="0">
@@ -1154,149 +1255,6 @@
     <p:extLst>
       <p:ext uri="{BB962C8B-B14F-4D97-AF65-F5344CB8AC3E}">
         <p14:creationId xmlns:p14="http://schemas.microsoft.com/office/powerpoint/2010/main" val="1520683836"/>
-      </p:ext>
-    </p:extLst>
-  </p:cSld>
-  <p:clrMapOvr>
-    <a:masterClrMapping/>
-  </p:clrMapOvr>
-</p:notes>
-</file>
-
-<file path=ppt/notesSlides/notesSlide11.xml><?xml version="1.0" encoding="utf-8"?>
-<p:notes xmlns:a="http://schemas.openxmlformats.org/drawingml/2006/main" xmlns:r="http://schemas.openxmlformats.org/officeDocument/2006/relationships" xmlns:p="http://schemas.openxmlformats.org/presentationml/2006/main" showMasterSp="0" showMasterPhAnim="0">
-  <p:cSld>
-    <p:spTree>
-      <p:nvGrpSpPr>
-        <p:cNvPr id="1" name="Shape 101"/>
-        <p:cNvGrpSpPr/>
-        <p:nvPr/>
-      </p:nvGrpSpPr>
-      <p:grpSpPr>
-        <a:xfrm>
-          <a:off x="0" y="0"/>
-          <a:ext cx="0" cy="0"/>
-          <a:chOff x="0" y="0"/>
-          <a:chExt cx="0" cy="0"/>
-        </a:xfrm>
-      </p:grpSpPr>
-      <p:sp>
-        <p:nvSpPr>
-          <p:cNvPr id="102" name="Shape 102"/>
-          <p:cNvSpPr>
-            <a:spLocks noGrp="1" noRot="1" noChangeAspect="1"/>
-          </p:cNvSpPr>
-          <p:nvPr>
-            <p:ph type="sldImg" idx="2"/>
-          </p:nvPr>
-        </p:nvSpPr>
-        <p:spPr>
-          <a:xfrm>
-            <a:off x="381000" y="685800"/>
-            <a:ext cx="6096000" cy="3429000"/>
-          </a:xfrm>
-          <a:custGeom>
-            <a:avLst/>
-            <a:gdLst/>
-            <a:ahLst/>
-            <a:cxnLst/>
-            <a:rect l="0" t="0" r="0" b="0"/>
-            <a:pathLst>
-              <a:path w="120000" h="120000" extrusionOk="0">
-                <a:moveTo>
-                  <a:pt x="0" y="0"/>
-                </a:moveTo>
-                <a:lnTo>
-                  <a:pt x="120000" y="0"/>
-                </a:lnTo>
-                <a:lnTo>
-                  <a:pt x="120000" y="120000"/>
-                </a:lnTo>
-                <a:lnTo>
-                  <a:pt x="0" y="120000"/>
-                </a:lnTo>
-                <a:close/>
-              </a:path>
-            </a:pathLst>
-          </a:custGeom>
-        </p:spPr>
-      </p:sp>
-      <p:sp>
-        <p:nvSpPr>
-          <p:cNvPr id="103" name="Shape 103"/>
-          <p:cNvSpPr txBox="1">
-            <a:spLocks noGrp="1"/>
-          </p:cNvSpPr>
-          <p:nvPr>
-            <p:ph type="body" idx="1"/>
-          </p:nvPr>
-        </p:nvSpPr>
-        <p:spPr>
-          <a:xfrm>
-            <a:off x="685800" y="4343400"/>
-            <a:ext cx="5486400" cy="4114800"/>
-          </a:xfrm>
-          <a:prstGeom prst="rect">
-            <a:avLst/>
-          </a:prstGeom>
-        </p:spPr>
-        <p:txBody>
-          <a:bodyPr spcFirstLastPara="1" wrap="square" lIns="91425" tIns="91425" rIns="91425" bIns="91425" anchor="t" anchorCtr="0">
-            <a:noAutofit/>
-          </a:bodyPr>
-          <a:lstStyle/>
-          <a:p>
-            <a:pPr marL="0" marR="0" lvl="0" indent="0" algn="l" defTabSz="914400" rtl="0" eaLnBrk="1" fontAlgn="auto" latinLnBrk="0" hangingPunct="1">
-              <a:lnSpc>
-                <a:spcPct val="100000"/>
-              </a:lnSpc>
-              <a:spcBef>
-                <a:spcPts val="0"/>
-              </a:spcBef>
-              <a:spcAft>
-                <a:spcPts val="0"/>
-              </a:spcAft>
-              <a:buClr>
-                <a:srgbClr val="000000"/>
-              </a:buClr>
-              <a:buSzPts val="1400"/>
-              <a:buFont typeface="Arial"/>
-              <a:buNone/>
-              <a:tabLst/>
-              <a:defRPr/>
-            </a:pPr>
-            <a:r>
-              <a:rPr lang="en-US" sz="1100" b="1" i="0" u="none" strike="noStrike" cap="none" dirty="0">
-                <a:solidFill>
-                  <a:srgbClr val="000000"/>
-                </a:solidFill>
-                <a:effectLst/>
-                <a:latin typeface="Arial"/>
-                <a:ea typeface="Arial"/>
-                <a:cs typeface="Arial"/>
-                <a:sym typeface="Arial"/>
-              </a:rPr>
-              <a:t>SFPD Releases 2017 Year-End Crime Statistics</a:t>
-            </a:r>
-          </a:p>
-          <a:p>
-            <a:pPr marL="0" lvl="0" indent="0">
-              <a:spcBef>
-                <a:spcPts val="0"/>
-              </a:spcBef>
-              <a:spcAft>
-                <a:spcPts val="0"/>
-              </a:spcAft>
-              <a:buNone/>
-            </a:pPr>
-            <a:endParaRPr dirty="0"/>
-          </a:p>
-        </p:txBody>
-      </p:sp>
-    </p:spTree>
-    <p:extLst>
-      <p:ext uri="{BB962C8B-B14F-4D97-AF65-F5344CB8AC3E}">
-        <p14:creationId xmlns:p14="http://schemas.microsoft.com/office/powerpoint/2010/main" val="2048035655"/>
       </p:ext>
     </p:extLst>
   </p:cSld>
@@ -1398,7 +1356,7 @@
               </a:spcAft>
               <a:buNone/>
             </a:pPr>
-            <a:endParaRPr/>
+            <a:endParaRPr dirty="0"/>
           </a:p>
         </p:txBody>
       </p:sp>
@@ -1650,6 +1608,149 @@
     </p:spTree>
     <p:extLst>
       <p:ext uri="{BB962C8B-B14F-4D97-AF65-F5344CB8AC3E}">
+        <p14:creationId xmlns:p14="http://schemas.microsoft.com/office/powerpoint/2010/main" val="754462432"/>
+      </p:ext>
+    </p:extLst>
+  </p:cSld>
+  <p:clrMapOvr>
+    <a:masterClrMapping/>
+  </p:clrMapOvr>
+</p:notes>
+</file>
+
+<file path=ppt/notesSlides/notesSlide4.xml><?xml version="1.0" encoding="utf-8"?>
+<p:notes xmlns:a="http://schemas.openxmlformats.org/drawingml/2006/main" xmlns:r="http://schemas.openxmlformats.org/officeDocument/2006/relationships" xmlns:p="http://schemas.openxmlformats.org/presentationml/2006/main" showMasterSp="0" showMasterPhAnim="0">
+  <p:cSld>
+    <p:spTree>
+      <p:nvGrpSpPr>
+        <p:cNvPr id="1" name="Shape 101"/>
+        <p:cNvGrpSpPr/>
+        <p:nvPr/>
+      </p:nvGrpSpPr>
+      <p:grpSpPr>
+        <a:xfrm>
+          <a:off x="0" y="0"/>
+          <a:ext cx="0" cy="0"/>
+          <a:chOff x="0" y="0"/>
+          <a:chExt cx="0" cy="0"/>
+        </a:xfrm>
+      </p:grpSpPr>
+      <p:sp>
+        <p:nvSpPr>
+          <p:cNvPr id="102" name="Shape 102"/>
+          <p:cNvSpPr>
+            <a:spLocks noGrp="1" noRot="1" noChangeAspect="1"/>
+          </p:cNvSpPr>
+          <p:nvPr>
+            <p:ph type="sldImg" idx="2"/>
+          </p:nvPr>
+        </p:nvSpPr>
+        <p:spPr>
+          <a:xfrm>
+            <a:off x="381000" y="685800"/>
+            <a:ext cx="6096000" cy="3429000"/>
+          </a:xfrm>
+          <a:custGeom>
+            <a:avLst/>
+            <a:gdLst/>
+            <a:ahLst/>
+            <a:cxnLst/>
+            <a:rect l="0" t="0" r="0" b="0"/>
+            <a:pathLst>
+              <a:path w="120000" h="120000" extrusionOk="0">
+                <a:moveTo>
+                  <a:pt x="0" y="0"/>
+                </a:moveTo>
+                <a:lnTo>
+                  <a:pt x="120000" y="0"/>
+                </a:lnTo>
+                <a:lnTo>
+                  <a:pt x="120000" y="120000"/>
+                </a:lnTo>
+                <a:lnTo>
+                  <a:pt x="0" y="120000"/>
+                </a:lnTo>
+                <a:close/>
+              </a:path>
+            </a:pathLst>
+          </a:custGeom>
+        </p:spPr>
+      </p:sp>
+      <p:sp>
+        <p:nvSpPr>
+          <p:cNvPr id="103" name="Shape 103"/>
+          <p:cNvSpPr txBox="1">
+            <a:spLocks noGrp="1"/>
+          </p:cNvSpPr>
+          <p:nvPr>
+            <p:ph type="body" idx="1"/>
+          </p:nvPr>
+        </p:nvSpPr>
+        <p:spPr>
+          <a:xfrm>
+            <a:off x="685800" y="4343400"/>
+            <a:ext cx="5486400" cy="4114800"/>
+          </a:xfrm>
+          <a:prstGeom prst="rect">
+            <a:avLst/>
+          </a:prstGeom>
+        </p:spPr>
+        <p:txBody>
+          <a:bodyPr spcFirstLastPara="1" wrap="square" lIns="91425" tIns="91425" rIns="91425" bIns="91425" anchor="t" anchorCtr="0">
+            <a:noAutofit/>
+          </a:bodyPr>
+          <a:lstStyle/>
+          <a:p>
+            <a:pPr marL="0" marR="0" lvl="0" indent="0" algn="l" defTabSz="914400" rtl="0" eaLnBrk="1" fontAlgn="auto" latinLnBrk="0" hangingPunct="1">
+              <a:lnSpc>
+                <a:spcPct val="100000"/>
+              </a:lnSpc>
+              <a:spcBef>
+                <a:spcPts val="0"/>
+              </a:spcBef>
+              <a:spcAft>
+                <a:spcPts val="0"/>
+              </a:spcAft>
+              <a:buClr>
+                <a:srgbClr val="000000"/>
+              </a:buClr>
+              <a:buSzPts val="1400"/>
+              <a:buFont typeface="Arial"/>
+              <a:buNone/>
+              <a:tabLst/>
+              <a:defRPr/>
+            </a:pPr>
+            <a:r>
+              <a:rPr lang="en-US" sz="1100" b="1" i="0" u="none" strike="noStrike" cap="none" dirty="0">
+                <a:solidFill>
+                  <a:srgbClr val="000000"/>
+                </a:solidFill>
+                <a:effectLst/>
+                <a:latin typeface="Arial"/>
+                <a:ea typeface="Arial"/>
+                <a:cs typeface="Arial"/>
+                <a:sym typeface="Arial"/>
+              </a:rPr>
+              <a:t>SFPD Releases 2017 Year-End Crime Statistics</a:t>
+            </a:r>
+          </a:p>
+          <a:p>
+            <a:pPr marL="0" lvl="0" indent="0">
+              <a:spcBef>
+                <a:spcPts val="0"/>
+              </a:spcBef>
+              <a:spcAft>
+                <a:spcPts val="0"/>
+              </a:spcAft>
+              <a:buNone/>
+            </a:pPr>
+            <a:endParaRPr dirty="0"/>
+          </a:p>
+        </p:txBody>
+      </p:sp>
+    </p:spTree>
+    <p:extLst>
+      <p:ext uri="{BB962C8B-B14F-4D97-AF65-F5344CB8AC3E}">
         <p14:creationId xmlns:p14="http://schemas.microsoft.com/office/powerpoint/2010/main" val="903806039"/>
       </p:ext>
     </p:extLst>
@@ -1660,7 +1761,7 @@
 </p:notes>
 </file>
 
-<file path=ppt/notesSlides/notesSlide4.xml><?xml version="1.0" encoding="utf-8"?>
+<file path=ppt/notesSlides/notesSlide5.xml><?xml version="1.0" encoding="utf-8"?>
 <p:notes xmlns:a="http://schemas.openxmlformats.org/drawingml/2006/main" xmlns:r="http://schemas.openxmlformats.org/officeDocument/2006/relationships" xmlns:p="http://schemas.openxmlformats.org/presentationml/2006/main" showMasterSp="0" showMasterPhAnim="0">
   <p:cSld>
     <p:spTree>
@@ -1764,7 +1865,7 @@
 </p:notes>
 </file>
 
-<file path=ppt/notesSlides/notesSlide5.xml><?xml version="1.0" encoding="utf-8"?>
+<file path=ppt/notesSlides/notesSlide6.xml><?xml version="1.0" encoding="utf-8"?>
 <p:notes xmlns:a="http://schemas.openxmlformats.org/drawingml/2006/main" xmlns:r="http://schemas.openxmlformats.org/officeDocument/2006/relationships" xmlns:p="http://schemas.openxmlformats.org/presentationml/2006/main" showMasterSp="0" showMasterPhAnim="0">
   <p:cSld>
     <p:spTree>
@@ -1907,7 +2008,7 @@
 </p:notes>
 </file>
 
-<file path=ppt/notesSlides/notesSlide6.xml><?xml version="1.0" encoding="utf-8"?>
+<file path=ppt/notesSlides/notesSlide7.xml><?xml version="1.0" encoding="utf-8"?>
 <p:notes xmlns:a="http://schemas.openxmlformats.org/drawingml/2006/main" xmlns:r="http://schemas.openxmlformats.org/officeDocument/2006/relationships" xmlns:p="http://schemas.openxmlformats.org/presentationml/2006/main" showMasterSp="0" showMasterPhAnim="0">
   <p:cSld>
     <p:spTree>
@@ -1999,7 +2100,7 @@
               </a:spcAft>
               <a:buNone/>
             </a:pPr>
-            <a:endParaRPr/>
+            <a:endParaRPr dirty="0"/>
           </a:p>
         </p:txBody>
       </p:sp>
@@ -2016,7 +2117,7 @@
 </p:notes>
 </file>
 
-<file path=ppt/notesSlides/notesSlide7.xml><?xml version="1.0" encoding="utf-8"?>
+<file path=ppt/notesSlides/notesSlide8.xml><?xml version="1.0" encoding="utf-8"?>
 <p:notes xmlns:a="http://schemas.openxmlformats.org/drawingml/2006/main" xmlns:r="http://schemas.openxmlformats.org/officeDocument/2006/relationships" xmlns:p="http://schemas.openxmlformats.org/presentationml/2006/main" showMasterSp="0" showMasterPhAnim="0">
   <p:cSld>
     <p:spTree>
@@ -2108,7 +2209,7 @@
               </a:spcAft>
               <a:buNone/>
             </a:pPr>
-            <a:endParaRPr/>
+            <a:endParaRPr dirty="0"/>
           </a:p>
         </p:txBody>
       </p:sp>
@@ -2120,7 +2221,7 @@
 </p:notes>
 </file>
 
-<file path=ppt/notesSlides/notesSlide8.xml><?xml version="1.0" encoding="utf-8"?>
+<file path=ppt/notesSlides/notesSlide9.xml><?xml version="1.0" encoding="utf-8"?>
 <p:notes xmlns:a="http://schemas.openxmlformats.org/drawingml/2006/main" xmlns:r="http://schemas.openxmlformats.org/officeDocument/2006/relationships" xmlns:p="http://schemas.openxmlformats.org/presentationml/2006/main" showMasterSp="0" showMasterPhAnim="0">
   <p:cSld>
     <p:spTree>
@@ -2265,33 +2366,7 @@
                 <a:cs typeface="Arial"/>
                 <a:sym typeface="Arial"/>
               </a:rPr>
-              <a:t>We used the </a:t>
-            </a:r>
-            <a:r>
-              <a:rPr lang="en-US" sz="1100" b="0" i="0" u="none" strike="noStrike" cap="none" dirty="0" err="1">
-                <a:solidFill>
-                  <a:srgbClr val="000000"/>
-                </a:solidFill>
-                <a:effectLst/>
-                <a:latin typeface="Arial"/>
-                <a:ea typeface="Arial"/>
-                <a:cs typeface="Arial"/>
-                <a:sym typeface="Arial"/>
-              </a:rPr>
-              <a:t>statsmodels</a:t>
-            </a:r>
-            <a:r>
-              <a:rPr lang="en-US" sz="1100" b="0" i="0" u="none" strike="noStrike" cap="none" dirty="0">
-                <a:solidFill>
-                  <a:srgbClr val="000000"/>
-                </a:solidFill>
-                <a:effectLst/>
-                <a:latin typeface="Arial"/>
-                <a:ea typeface="Arial"/>
-                <a:cs typeface="Arial"/>
-                <a:sym typeface="Arial"/>
-              </a:rPr>
-              <a:t> library provides an implementation of the naive, or classical, decomposition method in a function called </a:t>
+              <a:t>We used the statsmodels library provides an implementation of the naive, or classical, decomposition method in a function called </a:t>
             </a:r>
             <a:r>
               <a:rPr lang="en-US" sz="1100" b="0" i="0" u="none" strike="noStrike" cap="none" dirty="0">
@@ -2353,23 +2428,7 @@
             </a:pPr>
             <a:r>
               <a:rPr lang="en-US" b="1" dirty="0"/>
-              <a:t>We used the seasonal decompose() function from the </a:t>
-            </a:r>
-            <a:r>
-              <a:rPr lang="en-US" b="1" dirty="0" err="1"/>
-              <a:t>statsmodel</a:t>
-            </a:r>
-            <a:r>
-              <a:rPr lang="en-US" b="1" dirty="0"/>
-              <a:t> library to generate the above. We  applied a multiplicative model since the crime </a:t>
-            </a:r>
-            <a:r>
-              <a:rPr lang="en-US" b="1" dirty="0" err="1"/>
-              <a:t>serie</a:t>
-            </a:r>
-            <a:r>
-              <a:rPr lang="en-US" b="1" dirty="0"/>
-              <a:t> present </a:t>
+              <a:t>We used the seasonal decompose() function from the statsmodel library to generate the above. We  applied a multiplicative model since the crime serie present </a:t>
             </a:r>
             <a:r>
               <a:rPr lang="en-US" sz="1100" b="1" i="0" u="none" strike="noStrike" cap="none" dirty="0">
@@ -2454,115 +2513,6 @@
     <p:extLst>
       <p:ext uri="{BB962C8B-B14F-4D97-AF65-F5344CB8AC3E}">
         <p14:creationId xmlns:p14="http://schemas.microsoft.com/office/powerpoint/2010/main" val="2445146097"/>
-      </p:ext>
-    </p:extLst>
-  </p:cSld>
-  <p:clrMapOvr>
-    <a:masterClrMapping/>
-  </p:clrMapOvr>
-</p:notes>
-</file>
-
-<file path=ppt/notesSlides/notesSlide9.xml><?xml version="1.0" encoding="utf-8"?>
-<p:notes xmlns:a="http://schemas.openxmlformats.org/drawingml/2006/main" xmlns:r="http://schemas.openxmlformats.org/officeDocument/2006/relationships" xmlns:p="http://schemas.openxmlformats.org/presentationml/2006/main" showMasterSp="0" showMasterPhAnim="0">
-  <p:cSld>
-    <p:spTree>
-      <p:nvGrpSpPr>
-        <p:cNvPr id="1" name="Shape 162"/>
-        <p:cNvGrpSpPr/>
-        <p:nvPr/>
-      </p:nvGrpSpPr>
-      <p:grpSpPr>
-        <a:xfrm>
-          <a:off x="0" y="0"/>
-          <a:ext cx="0" cy="0"/>
-          <a:chOff x="0" y="0"/>
-          <a:chExt cx="0" cy="0"/>
-        </a:xfrm>
-      </p:grpSpPr>
-      <p:sp>
-        <p:nvSpPr>
-          <p:cNvPr id="163" name="Shape 163"/>
-          <p:cNvSpPr>
-            <a:spLocks noGrp="1" noRot="1" noChangeAspect="1"/>
-          </p:cNvSpPr>
-          <p:nvPr>
-            <p:ph type="sldImg" idx="2"/>
-          </p:nvPr>
-        </p:nvSpPr>
-        <p:spPr>
-          <a:xfrm>
-            <a:off x="381000" y="685800"/>
-            <a:ext cx="6096000" cy="3429000"/>
-          </a:xfrm>
-          <a:custGeom>
-            <a:avLst/>
-            <a:gdLst/>
-            <a:ahLst/>
-            <a:cxnLst/>
-            <a:rect l="0" t="0" r="0" b="0"/>
-            <a:pathLst>
-              <a:path w="120000" h="120000" extrusionOk="0">
-                <a:moveTo>
-                  <a:pt x="0" y="0"/>
-                </a:moveTo>
-                <a:lnTo>
-                  <a:pt x="120000" y="0"/>
-                </a:lnTo>
-                <a:lnTo>
-                  <a:pt x="120000" y="120000"/>
-                </a:lnTo>
-                <a:lnTo>
-                  <a:pt x="0" y="120000"/>
-                </a:lnTo>
-                <a:close/>
-              </a:path>
-            </a:pathLst>
-          </a:custGeom>
-        </p:spPr>
-      </p:sp>
-      <p:sp>
-        <p:nvSpPr>
-          <p:cNvPr id="164" name="Shape 164"/>
-          <p:cNvSpPr txBox="1">
-            <a:spLocks noGrp="1"/>
-          </p:cNvSpPr>
-          <p:nvPr>
-            <p:ph type="body" idx="1"/>
-          </p:nvPr>
-        </p:nvSpPr>
-        <p:spPr>
-          <a:xfrm>
-            <a:off x="685800" y="4343400"/>
-            <a:ext cx="5486400" cy="4114800"/>
-          </a:xfrm>
-          <a:prstGeom prst="rect">
-            <a:avLst/>
-          </a:prstGeom>
-        </p:spPr>
-        <p:txBody>
-          <a:bodyPr spcFirstLastPara="1" wrap="square" lIns="91425" tIns="91425" rIns="91425" bIns="91425" anchor="t" anchorCtr="0">
-            <a:noAutofit/>
-          </a:bodyPr>
-          <a:lstStyle/>
-          <a:p>
-            <a:pPr marL="0" lvl="0" indent="0">
-              <a:spcBef>
-                <a:spcPts val="0"/>
-              </a:spcBef>
-              <a:spcAft>
-                <a:spcPts val="0"/>
-              </a:spcAft>
-              <a:buNone/>
-            </a:pPr>
-            <a:endParaRPr dirty="0"/>
-          </a:p>
-        </p:txBody>
-      </p:sp>
-    </p:spTree>
-    <p:extLst>
-      <p:ext uri="{BB962C8B-B14F-4D97-AF65-F5344CB8AC3E}">
-        <p14:creationId xmlns:p14="http://schemas.microsoft.com/office/powerpoint/2010/main" val="3901482773"/>
       </p:ext>
     </p:extLst>
   </p:cSld>
@@ -2778,7 +2728,7 @@
               </a:spcAft>
               <a:buNone/>
             </a:pPr>
-            <a:endParaRPr/>
+            <a:endParaRPr dirty="0"/>
           </a:p>
         </p:txBody>
       </p:sp>
@@ -3250,7 +3200,7 @@
               </a:spcAft>
               <a:buNone/>
             </a:pPr>
-            <a:endParaRPr/>
+            <a:endParaRPr dirty="0"/>
           </a:p>
         </p:txBody>
       </p:sp>
@@ -3875,7 +3825,7 @@
               </a:spcAft>
               <a:buNone/>
             </a:pPr>
-            <a:endParaRPr/>
+            <a:endParaRPr dirty="0"/>
           </a:p>
         </p:txBody>
       </p:sp>
@@ -3992,7 +3942,7 @@
               </a:spcAft>
               <a:buNone/>
             </a:pPr>
-            <a:endParaRPr/>
+            <a:endParaRPr dirty="0"/>
           </a:p>
         </p:txBody>
       </p:sp>
@@ -4289,7 +4239,7 @@
               </a:spcAft>
               <a:buNone/>
             </a:pPr>
-            <a:endParaRPr/>
+            <a:endParaRPr dirty="0"/>
           </a:p>
         </p:txBody>
       </p:sp>
@@ -4328,7 +4278,7 @@
               <a:buNone/>
             </a:pPr>
             <a:r>
-              <a:rPr lang="en" sz="3600" b="1">
+              <a:rPr lang="en" sz="3600" b="1" dirty="0">
                 <a:latin typeface="Lora"/>
                 <a:ea typeface="Lora"/>
                 <a:cs typeface="Lora"/>
@@ -4336,7 +4286,7 @@
               </a:rPr>
               <a:t>“</a:t>
             </a:r>
-            <a:endParaRPr sz="3600" b="1">
+            <a:endParaRPr sz="3600" b="1" dirty="0">
               <a:latin typeface="Lora"/>
               <a:ea typeface="Lora"/>
               <a:cs typeface="Lora"/>
@@ -5610,8 +5560,836 @@
         </p:nvSpPr>
         <p:spPr>
           <a:xfrm>
-            <a:off x="5617029" y="3951515"/>
-            <a:ext cx="3223959" cy="1169551"/>
+            <a:off x="6803136" y="4436147"/>
+            <a:ext cx="3977640" cy="523220"/>
+          </a:xfrm>
+          <a:prstGeom prst="rect">
+            <a:avLst/>
+          </a:prstGeom>
+          <a:noFill/>
+        </p:spPr>
+        <p:txBody>
+          <a:bodyPr wrap="square" rtlCol="0">
+            <a:spAutoFit/>
+          </a:bodyPr>
+          <a:lstStyle/>
+          <a:p>
+            <a:r>
+              <a:rPr lang="en-US" dirty="0">
+                <a:latin typeface="Quattrocento Sans"/>
+              </a:rPr>
+              <a:t>Manuela Machado</a:t>
+            </a:r>
+          </a:p>
+          <a:p>
+            <a:r>
+              <a:rPr lang="en-US" dirty="0" err="1">
+                <a:latin typeface="Quattrocento Sans"/>
+              </a:rPr>
+              <a:t>Guirlyn</a:t>
+            </a:r>
+            <a:r>
+              <a:rPr lang="en-US" dirty="0">
+                <a:latin typeface="Quattrocento Sans"/>
+              </a:rPr>
+              <a:t> </a:t>
+            </a:r>
+            <a:r>
+              <a:rPr lang="en-US" dirty="0" err="1">
+                <a:latin typeface="Quattrocento Sans"/>
+              </a:rPr>
+              <a:t>Olivar</a:t>
+            </a:r>
+            <a:endParaRPr lang="en-US" dirty="0">
+              <a:latin typeface="Quattrocento Sans"/>
+            </a:endParaRPr>
+          </a:p>
+        </p:txBody>
+      </p:sp>
+    </p:spTree>
+  </p:cSld>
+  <p:clrMapOvr>
+    <a:masterClrMapping/>
+  </p:clrMapOvr>
+</p:sld>
+</file>
+
+<file path=ppt/slides/slide10.xml><?xml version="1.0" encoding="utf-8"?>
+<p:sld xmlns:a="http://schemas.openxmlformats.org/drawingml/2006/main" xmlns:r="http://schemas.openxmlformats.org/officeDocument/2006/relationships" xmlns:p="http://schemas.openxmlformats.org/presentationml/2006/main">
+  <p:cSld>
+    <p:spTree>
+      <p:nvGrpSpPr>
+        <p:cNvPr id="1" name="Shape 165"/>
+        <p:cNvGrpSpPr/>
+        <p:nvPr/>
+      </p:nvGrpSpPr>
+      <p:grpSpPr>
+        <a:xfrm>
+          <a:off x="0" y="0"/>
+          <a:ext cx="0" cy="0"/>
+          <a:chOff x="0" y="0"/>
+          <a:chExt cx="0" cy="0"/>
+        </a:xfrm>
+      </p:grpSpPr>
+      <p:sp>
+        <p:nvSpPr>
+          <p:cNvPr id="166" name="Shape 166"/>
+          <p:cNvSpPr txBox="1">
+            <a:spLocks noGrp="1"/>
+          </p:cNvSpPr>
+          <p:nvPr>
+            <p:ph type="body" idx="4294967295"/>
+          </p:nvPr>
+        </p:nvSpPr>
+        <p:spPr>
+          <a:xfrm>
+            <a:off x="4909135" y="865628"/>
+            <a:ext cx="4173000" cy="3654300"/>
+          </a:xfrm>
+          <a:prstGeom prst="rect">
+            <a:avLst/>
+          </a:prstGeom>
+        </p:spPr>
+        <p:txBody>
+          <a:bodyPr spcFirstLastPara="1" wrap="square" lIns="91425" tIns="91425" rIns="91425" bIns="91425" anchor="ctr" anchorCtr="0">
+            <a:noAutofit/>
+          </a:bodyPr>
+          <a:lstStyle/>
+          <a:p>
+            <a:pPr algn="just"/>
+            <a:r>
+              <a:rPr lang="en-US" sz="1800" i="1" dirty="0"/>
+              <a:t>Linear Regression, </a:t>
+            </a:r>
+          </a:p>
+          <a:p>
+            <a:pPr algn="just"/>
+            <a:r>
+              <a:rPr lang="en-US" sz="1800" i="1" dirty="0"/>
+              <a:t>Multi-layer Perceptron Regressor</a:t>
+            </a:r>
+          </a:p>
+          <a:p>
+            <a:pPr algn="just"/>
+            <a:r>
+              <a:rPr lang="en-US" sz="1800" i="1" dirty="0"/>
+              <a:t>Random Forest Regressor</a:t>
+            </a:r>
+          </a:p>
+          <a:p>
+            <a:endParaRPr lang="en-US" sz="1800" dirty="0"/>
+          </a:p>
+        </p:txBody>
+      </p:sp>
+      <p:cxnSp>
+        <p:nvCxnSpPr>
+          <p:cNvPr id="167" name="Shape 167"/>
+          <p:cNvCxnSpPr/>
+          <p:nvPr/>
+        </p:nvCxnSpPr>
+        <p:spPr>
+          <a:xfrm>
+            <a:off x="-6450" y="1131725"/>
+            <a:ext cx="9150600" cy="0"/>
+          </a:xfrm>
+          <a:prstGeom prst="straightConnector1">
+            <a:avLst/>
+          </a:prstGeom>
+          <a:noFill/>
+          <a:ln w="9525" cap="flat" cmpd="sng">
+            <a:solidFill>
+              <a:srgbClr val="CCCCCC"/>
+            </a:solidFill>
+            <a:prstDash val="solid"/>
+            <a:round/>
+            <a:headEnd type="none" w="med" len="med"/>
+            <a:tailEnd type="none" w="med" len="med"/>
+          </a:ln>
+        </p:spPr>
+      </p:cxnSp>
+      <p:sp>
+        <p:nvSpPr>
+          <p:cNvPr id="169" name="Shape 169"/>
+          <p:cNvSpPr/>
+          <p:nvPr/>
+        </p:nvSpPr>
+        <p:spPr>
+          <a:xfrm>
+            <a:off x="8139875" y="735846"/>
+            <a:ext cx="790200" cy="790200"/>
+          </a:xfrm>
+          <a:prstGeom prst="ellipse">
+            <a:avLst/>
+          </a:prstGeom>
+          <a:solidFill>
+            <a:srgbClr val="FFCD00"/>
+          </a:solidFill>
+          <a:ln>
+            <a:noFill/>
+          </a:ln>
+        </p:spPr>
+        <p:txBody>
+          <a:bodyPr spcFirstLastPara="1" wrap="square" lIns="91425" tIns="91425" rIns="91425" bIns="91425" anchor="ctr" anchorCtr="0">
+            <a:noAutofit/>
+          </a:bodyPr>
+          <a:lstStyle/>
+          <a:p>
+            <a:pPr marL="0" lvl="0" indent="0" rtl="0">
+              <a:spcBef>
+                <a:spcPts val="0"/>
+              </a:spcBef>
+              <a:spcAft>
+                <a:spcPts val="0"/>
+              </a:spcAft>
+              <a:buNone/>
+            </a:pPr>
+            <a:endParaRPr dirty="0"/>
+          </a:p>
+        </p:txBody>
+      </p:sp>
+      <p:grpSp>
+        <p:nvGrpSpPr>
+          <p:cNvPr id="32" name="Shape 612">
+            <a:extLst>
+              <a:ext uri="{FF2B5EF4-FFF2-40B4-BE49-F238E27FC236}">
+                <a16:creationId xmlns:a16="http://schemas.microsoft.com/office/drawing/2014/main" id="{410E87FE-EB30-F34A-B160-BC395DBD9528}"/>
+              </a:ext>
+            </a:extLst>
+          </p:cNvPr>
+          <p:cNvGrpSpPr/>
+          <p:nvPr/>
+        </p:nvGrpSpPr>
+        <p:grpSpPr>
+          <a:xfrm>
+            <a:off x="8362999" y="973994"/>
+            <a:ext cx="369526" cy="268183"/>
+            <a:chOff x="3932350" y="3714775"/>
+            <a:chExt cx="439650" cy="319075"/>
+          </a:xfrm>
+        </p:grpSpPr>
+        <p:sp>
+          <p:nvSpPr>
+            <p:cNvPr id="33" name="Shape 613">
+              <a:extLst>
+                <a:ext uri="{FF2B5EF4-FFF2-40B4-BE49-F238E27FC236}">
+                  <a16:creationId xmlns:a16="http://schemas.microsoft.com/office/drawing/2014/main" id="{C7CBD83A-06BE-2D46-82E1-D0A1167B3868}"/>
+                </a:ext>
+              </a:extLst>
+            </p:cNvPr>
+            <p:cNvSpPr/>
+            <p:nvPr/>
+          </p:nvSpPr>
+          <p:spPr>
+            <a:xfrm>
+              <a:off x="3932350" y="3714775"/>
+              <a:ext cx="439650" cy="319075"/>
+            </a:xfrm>
+            <a:custGeom>
+              <a:avLst/>
+              <a:gdLst/>
+              <a:ahLst/>
+              <a:cxnLst/>
+              <a:rect l="0" t="0" r="0" b="0"/>
+              <a:pathLst>
+                <a:path w="17586" h="12763" fill="none" extrusionOk="0">
+                  <a:moveTo>
+                    <a:pt x="1" y="1"/>
+                  </a:moveTo>
+                  <a:lnTo>
+                    <a:pt x="1" y="12276"/>
+                  </a:lnTo>
+                  <a:lnTo>
+                    <a:pt x="1" y="12276"/>
+                  </a:lnTo>
+                  <a:lnTo>
+                    <a:pt x="1" y="12373"/>
+                  </a:lnTo>
+                  <a:lnTo>
+                    <a:pt x="25" y="12471"/>
+                  </a:lnTo>
+                  <a:lnTo>
+                    <a:pt x="74" y="12544"/>
+                  </a:lnTo>
+                  <a:lnTo>
+                    <a:pt x="123" y="12617"/>
+                  </a:lnTo>
+                  <a:lnTo>
+                    <a:pt x="196" y="12690"/>
+                  </a:lnTo>
+                  <a:lnTo>
+                    <a:pt x="293" y="12714"/>
+                  </a:lnTo>
+                  <a:lnTo>
+                    <a:pt x="366" y="12763"/>
+                  </a:lnTo>
+                  <a:lnTo>
+                    <a:pt x="488" y="12763"/>
+                  </a:lnTo>
+                  <a:lnTo>
+                    <a:pt x="17585" y="12763"/>
+                  </a:lnTo>
+                </a:path>
+              </a:pathLst>
+            </a:custGeom>
+            <a:noFill/>
+            <a:ln w="9525" cap="rnd" cmpd="sng">
+              <a:solidFill>
+                <a:srgbClr val="000000"/>
+              </a:solidFill>
+              <a:prstDash val="solid"/>
+              <a:round/>
+              <a:headEnd type="none" w="sm" len="sm"/>
+              <a:tailEnd type="none" w="sm" len="sm"/>
+            </a:ln>
+          </p:spPr>
+          <p:txBody>
+            <a:bodyPr spcFirstLastPara="1" wrap="square" lIns="91425" tIns="91425" rIns="91425" bIns="91425" anchor="ctr" anchorCtr="0">
+              <a:noAutofit/>
+            </a:bodyPr>
+            <a:lstStyle/>
+            <a:p>
+              <a:pPr marL="0" lvl="0" indent="0">
+                <a:spcBef>
+                  <a:spcPts val="0"/>
+                </a:spcBef>
+                <a:spcAft>
+                  <a:spcPts val="0"/>
+                </a:spcAft>
+                <a:buNone/>
+              </a:pPr>
+              <a:endParaRPr dirty="0"/>
+            </a:p>
+          </p:txBody>
+        </p:sp>
+        <p:sp>
+          <p:nvSpPr>
+            <p:cNvPr id="34" name="Shape 614">
+              <a:extLst>
+                <a:ext uri="{FF2B5EF4-FFF2-40B4-BE49-F238E27FC236}">
+                  <a16:creationId xmlns:a16="http://schemas.microsoft.com/office/drawing/2014/main" id="{9CD8B909-006E-8E4B-BF95-8FABC5D498C1}"/>
+                </a:ext>
+              </a:extLst>
+            </p:cNvPr>
+            <p:cNvSpPr/>
+            <p:nvPr/>
+          </p:nvSpPr>
+          <p:spPr>
+            <a:xfrm>
+              <a:off x="3970100" y="3862750"/>
+              <a:ext cx="77350" cy="132750"/>
+            </a:xfrm>
+            <a:custGeom>
+              <a:avLst/>
+              <a:gdLst/>
+              <a:ahLst/>
+              <a:cxnLst/>
+              <a:rect l="0" t="0" r="0" b="0"/>
+              <a:pathLst>
+                <a:path w="3094" h="5310" fill="none" extrusionOk="0">
+                  <a:moveTo>
+                    <a:pt x="3094" y="5309"/>
+                  </a:moveTo>
+                  <a:lnTo>
+                    <a:pt x="3094" y="487"/>
+                  </a:lnTo>
+                  <a:lnTo>
+                    <a:pt x="3094" y="487"/>
+                  </a:lnTo>
+                  <a:lnTo>
+                    <a:pt x="3094" y="390"/>
+                  </a:lnTo>
+                  <a:lnTo>
+                    <a:pt x="3070" y="292"/>
+                  </a:lnTo>
+                  <a:lnTo>
+                    <a:pt x="3021" y="219"/>
+                  </a:lnTo>
+                  <a:lnTo>
+                    <a:pt x="2948" y="146"/>
+                  </a:lnTo>
+                  <a:lnTo>
+                    <a:pt x="2899" y="97"/>
+                  </a:lnTo>
+                  <a:lnTo>
+                    <a:pt x="2802" y="49"/>
+                  </a:lnTo>
+                  <a:lnTo>
+                    <a:pt x="2704" y="24"/>
+                  </a:lnTo>
+                  <a:lnTo>
+                    <a:pt x="2607" y="0"/>
+                  </a:lnTo>
+                  <a:lnTo>
+                    <a:pt x="488" y="0"/>
+                  </a:lnTo>
+                  <a:lnTo>
+                    <a:pt x="488" y="0"/>
+                  </a:lnTo>
+                  <a:lnTo>
+                    <a:pt x="391" y="24"/>
+                  </a:lnTo>
+                  <a:lnTo>
+                    <a:pt x="293" y="49"/>
+                  </a:lnTo>
+                  <a:lnTo>
+                    <a:pt x="220" y="97"/>
+                  </a:lnTo>
+                  <a:lnTo>
+                    <a:pt x="147" y="146"/>
+                  </a:lnTo>
+                  <a:lnTo>
+                    <a:pt x="74" y="219"/>
+                  </a:lnTo>
+                  <a:lnTo>
+                    <a:pt x="50" y="292"/>
+                  </a:lnTo>
+                  <a:lnTo>
+                    <a:pt x="1" y="390"/>
+                  </a:lnTo>
+                  <a:lnTo>
+                    <a:pt x="1" y="487"/>
+                  </a:lnTo>
+                  <a:lnTo>
+                    <a:pt x="1" y="5309"/>
+                  </a:lnTo>
+                  <a:lnTo>
+                    <a:pt x="3094" y="5309"/>
+                  </a:lnTo>
+                  <a:close/>
+                </a:path>
+              </a:pathLst>
+            </a:custGeom>
+            <a:noFill/>
+            <a:ln w="9525" cap="rnd" cmpd="sng">
+              <a:solidFill>
+                <a:srgbClr val="000000"/>
+              </a:solidFill>
+              <a:prstDash val="solid"/>
+              <a:round/>
+              <a:headEnd type="none" w="sm" len="sm"/>
+              <a:tailEnd type="none" w="sm" len="sm"/>
+            </a:ln>
+          </p:spPr>
+          <p:txBody>
+            <a:bodyPr spcFirstLastPara="1" wrap="square" lIns="91425" tIns="91425" rIns="91425" bIns="91425" anchor="ctr" anchorCtr="0">
+              <a:noAutofit/>
+            </a:bodyPr>
+            <a:lstStyle/>
+            <a:p>
+              <a:pPr marL="0" lvl="0" indent="0">
+                <a:spcBef>
+                  <a:spcPts val="0"/>
+                </a:spcBef>
+                <a:spcAft>
+                  <a:spcPts val="0"/>
+                </a:spcAft>
+                <a:buNone/>
+              </a:pPr>
+              <a:endParaRPr dirty="0"/>
+            </a:p>
+          </p:txBody>
+        </p:sp>
+        <p:sp>
+          <p:nvSpPr>
+            <p:cNvPr id="35" name="Shape 615">
+              <a:extLst>
+                <a:ext uri="{FF2B5EF4-FFF2-40B4-BE49-F238E27FC236}">
+                  <a16:creationId xmlns:a16="http://schemas.microsoft.com/office/drawing/2014/main" id="{19FB4A40-8A61-814D-95CD-EC5645248758}"/>
+                </a:ext>
+              </a:extLst>
+            </p:cNvPr>
+            <p:cNvSpPr/>
+            <p:nvPr/>
+          </p:nvSpPr>
+          <p:spPr>
+            <a:xfrm>
+              <a:off x="4278800" y="3862750"/>
+              <a:ext cx="77350" cy="132750"/>
+            </a:xfrm>
+            <a:custGeom>
+              <a:avLst/>
+              <a:gdLst/>
+              <a:ahLst/>
+              <a:cxnLst/>
+              <a:rect l="0" t="0" r="0" b="0"/>
+              <a:pathLst>
+                <a:path w="3094" h="5310" fill="none" extrusionOk="0">
+                  <a:moveTo>
+                    <a:pt x="3094" y="5309"/>
+                  </a:moveTo>
+                  <a:lnTo>
+                    <a:pt x="3094" y="487"/>
+                  </a:lnTo>
+                  <a:lnTo>
+                    <a:pt x="3094" y="487"/>
+                  </a:lnTo>
+                  <a:lnTo>
+                    <a:pt x="3094" y="390"/>
+                  </a:lnTo>
+                  <a:lnTo>
+                    <a:pt x="3070" y="292"/>
+                  </a:lnTo>
+                  <a:lnTo>
+                    <a:pt x="3021" y="219"/>
+                  </a:lnTo>
+                  <a:lnTo>
+                    <a:pt x="2948" y="146"/>
+                  </a:lnTo>
+                  <a:lnTo>
+                    <a:pt x="2899" y="97"/>
+                  </a:lnTo>
+                  <a:lnTo>
+                    <a:pt x="2802" y="49"/>
+                  </a:lnTo>
+                  <a:lnTo>
+                    <a:pt x="2704" y="24"/>
+                  </a:lnTo>
+                  <a:lnTo>
+                    <a:pt x="2607" y="0"/>
+                  </a:lnTo>
+                  <a:lnTo>
+                    <a:pt x="488" y="0"/>
+                  </a:lnTo>
+                  <a:lnTo>
+                    <a:pt x="488" y="0"/>
+                  </a:lnTo>
+                  <a:lnTo>
+                    <a:pt x="390" y="24"/>
+                  </a:lnTo>
+                  <a:lnTo>
+                    <a:pt x="293" y="49"/>
+                  </a:lnTo>
+                  <a:lnTo>
+                    <a:pt x="220" y="97"/>
+                  </a:lnTo>
+                  <a:lnTo>
+                    <a:pt x="147" y="146"/>
+                  </a:lnTo>
+                  <a:lnTo>
+                    <a:pt x="74" y="219"/>
+                  </a:lnTo>
+                  <a:lnTo>
+                    <a:pt x="50" y="292"/>
+                  </a:lnTo>
+                  <a:lnTo>
+                    <a:pt x="1" y="390"/>
+                  </a:lnTo>
+                  <a:lnTo>
+                    <a:pt x="1" y="487"/>
+                  </a:lnTo>
+                  <a:lnTo>
+                    <a:pt x="1" y="5309"/>
+                  </a:lnTo>
+                  <a:lnTo>
+                    <a:pt x="3094" y="5309"/>
+                  </a:lnTo>
+                  <a:close/>
+                </a:path>
+              </a:pathLst>
+            </a:custGeom>
+            <a:noFill/>
+            <a:ln w="9525" cap="rnd" cmpd="sng">
+              <a:solidFill>
+                <a:srgbClr val="000000"/>
+              </a:solidFill>
+              <a:prstDash val="solid"/>
+              <a:round/>
+              <a:headEnd type="none" w="sm" len="sm"/>
+              <a:tailEnd type="none" w="sm" len="sm"/>
+            </a:ln>
+          </p:spPr>
+          <p:txBody>
+            <a:bodyPr spcFirstLastPara="1" wrap="square" lIns="91425" tIns="91425" rIns="91425" bIns="91425" anchor="ctr" anchorCtr="0">
+              <a:noAutofit/>
+            </a:bodyPr>
+            <a:lstStyle/>
+            <a:p>
+              <a:pPr marL="0" lvl="0" indent="0">
+                <a:spcBef>
+                  <a:spcPts val="0"/>
+                </a:spcBef>
+                <a:spcAft>
+                  <a:spcPts val="0"/>
+                </a:spcAft>
+                <a:buNone/>
+              </a:pPr>
+              <a:endParaRPr dirty="0"/>
+            </a:p>
+          </p:txBody>
+        </p:sp>
+        <p:sp>
+          <p:nvSpPr>
+            <p:cNvPr id="36" name="Shape 616">
+              <a:extLst>
+                <a:ext uri="{FF2B5EF4-FFF2-40B4-BE49-F238E27FC236}">
+                  <a16:creationId xmlns:a16="http://schemas.microsoft.com/office/drawing/2014/main" id="{3E9AD749-134D-B545-BCEA-C4503C2A89F6}"/>
+                </a:ext>
+              </a:extLst>
+            </p:cNvPr>
+            <p:cNvSpPr/>
+            <p:nvPr/>
+          </p:nvSpPr>
+          <p:spPr>
+            <a:xfrm>
+              <a:off x="4073000" y="3716600"/>
+              <a:ext cx="77350" cy="278900"/>
+            </a:xfrm>
+            <a:custGeom>
+              <a:avLst/>
+              <a:gdLst/>
+              <a:ahLst/>
+              <a:cxnLst/>
+              <a:rect l="0" t="0" r="0" b="0"/>
+              <a:pathLst>
+                <a:path w="3094" h="11156" fill="none" extrusionOk="0">
+                  <a:moveTo>
+                    <a:pt x="3094" y="11155"/>
+                  </a:moveTo>
+                  <a:lnTo>
+                    <a:pt x="3094" y="488"/>
+                  </a:lnTo>
+                  <a:lnTo>
+                    <a:pt x="3094" y="488"/>
+                  </a:lnTo>
+                  <a:lnTo>
+                    <a:pt x="3094" y="391"/>
+                  </a:lnTo>
+                  <a:lnTo>
+                    <a:pt x="3070" y="293"/>
+                  </a:lnTo>
+                  <a:lnTo>
+                    <a:pt x="3021" y="220"/>
+                  </a:lnTo>
+                  <a:lnTo>
+                    <a:pt x="2948" y="147"/>
+                  </a:lnTo>
+                  <a:lnTo>
+                    <a:pt x="2899" y="98"/>
+                  </a:lnTo>
+                  <a:lnTo>
+                    <a:pt x="2802" y="50"/>
+                  </a:lnTo>
+                  <a:lnTo>
+                    <a:pt x="2704" y="25"/>
+                  </a:lnTo>
+                  <a:lnTo>
+                    <a:pt x="2607" y="1"/>
+                  </a:lnTo>
+                  <a:lnTo>
+                    <a:pt x="488" y="1"/>
+                  </a:lnTo>
+                  <a:lnTo>
+                    <a:pt x="488" y="1"/>
+                  </a:lnTo>
+                  <a:lnTo>
+                    <a:pt x="391" y="25"/>
+                  </a:lnTo>
+                  <a:lnTo>
+                    <a:pt x="293" y="50"/>
+                  </a:lnTo>
+                  <a:lnTo>
+                    <a:pt x="220" y="98"/>
+                  </a:lnTo>
+                  <a:lnTo>
+                    <a:pt x="147" y="147"/>
+                  </a:lnTo>
+                  <a:lnTo>
+                    <a:pt x="74" y="220"/>
+                  </a:lnTo>
+                  <a:lnTo>
+                    <a:pt x="50" y="293"/>
+                  </a:lnTo>
+                  <a:lnTo>
+                    <a:pt x="1" y="391"/>
+                  </a:lnTo>
+                  <a:lnTo>
+                    <a:pt x="1" y="488"/>
+                  </a:lnTo>
+                  <a:lnTo>
+                    <a:pt x="1" y="11155"/>
+                  </a:lnTo>
+                  <a:lnTo>
+                    <a:pt x="3094" y="11155"/>
+                  </a:lnTo>
+                  <a:close/>
+                </a:path>
+              </a:pathLst>
+            </a:custGeom>
+            <a:noFill/>
+            <a:ln w="9525" cap="rnd" cmpd="sng">
+              <a:solidFill>
+                <a:srgbClr val="000000"/>
+              </a:solidFill>
+              <a:prstDash val="solid"/>
+              <a:round/>
+              <a:headEnd type="none" w="sm" len="sm"/>
+              <a:tailEnd type="none" w="sm" len="sm"/>
+            </a:ln>
+          </p:spPr>
+          <p:txBody>
+            <a:bodyPr spcFirstLastPara="1" wrap="square" lIns="91425" tIns="91425" rIns="91425" bIns="91425" anchor="ctr" anchorCtr="0">
+              <a:noAutofit/>
+            </a:bodyPr>
+            <a:lstStyle/>
+            <a:p>
+              <a:pPr marL="0" lvl="0" indent="0">
+                <a:spcBef>
+                  <a:spcPts val="0"/>
+                </a:spcBef>
+                <a:spcAft>
+                  <a:spcPts val="0"/>
+                </a:spcAft>
+                <a:buNone/>
+              </a:pPr>
+              <a:endParaRPr dirty="0"/>
+            </a:p>
+          </p:txBody>
+        </p:sp>
+        <p:sp>
+          <p:nvSpPr>
+            <p:cNvPr id="37" name="Shape 617">
+              <a:extLst>
+                <a:ext uri="{FF2B5EF4-FFF2-40B4-BE49-F238E27FC236}">
+                  <a16:creationId xmlns:a16="http://schemas.microsoft.com/office/drawing/2014/main" id="{960B8776-A070-6047-968A-1D9CE9CE28ED}"/>
+                </a:ext>
+              </a:extLst>
+            </p:cNvPr>
+            <p:cNvSpPr/>
+            <p:nvPr/>
+          </p:nvSpPr>
+          <p:spPr>
+            <a:xfrm>
+              <a:off x="4175900" y="3787250"/>
+              <a:ext cx="77350" cy="208250"/>
+            </a:xfrm>
+            <a:custGeom>
+              <a:avLst/>
+              <a:gdLst/>
+              <a:ahLst/>
+              <a:cxnLst/>
+              <a:rect l="0" t="0" r="0" b="0"/>
+              <a:pathLst>
+                <a:path w="3094" h="8330" fill="none" extrusionOk="0">
+                  <a:moveTo>
+                    <a:pt x="3094" y="8329"/>
+                  </a:moveTo>
+                  <a:lnTo>
+                    <a:pt x="3094" y="487"/>
+                  </a:lnTo>
+                  <a:lnTo>
+                    <a:pt x="3094" y="487"/>
+                  </a:lnTo>
+                  <a:lnTo>
+                    <a:pt x="3094" y="390"/>
+                  </a:lnTo>
+                  <a:lnTo>
+                    <a:pt x="3070" y="292"/>
+                  </a:lnTo>
+                  <a:lnTo>
+                    <a:pt x="3021" y="219"/>
+                  </a:lnTo>
+                  <a:lnTo>
+                    <a:pt x="2948" y="146"/>
+                  </a:lnTo>
+                  <a:lnTo>
+                    <a:pt x="2899" y="97"/>
+                  </a:lnTo>
+                  <a:lnTo>
+                    <a:pt x="2802" y="49"/>
+                  </a:lnTo>
+                  <a:lnTo>
+                    <a:pt x="2704" y="24"/>
+                  </a:lnTo>
+                  <a:lnTo>
+                    <a:pt x="2607" y="0"/>
+                  </a:lnTo>
+                  <a:lnTo>
+                    <a:pt x="488" y="0"/>
+                  </a:lnTo>
+                  <a:lnTo>
+                    <a:pt x="488" y="0"/>
+                  </a:lnTo>
+                  <a:lnTo>
+                    <a:pt x="391" y="24"/>
+                  </a:lnTo>
+                  <a:lnTo>
+                    <a:pt x="293" y="49"/>
+                  </a:lnTo>
+                  <a:lnTo>
+                    <a:pt x="220" y="97"/>
+                  </a:lnTo>
+                  <a:lnTo>
+                    <a:pt x="147" y="146"/>
+                  </a:lnTo>
+                  <a:lnTo>
+                    <a:pt x="74" y="219"/>
+                  </a:lnTo>
+                  <a:lnTo>
+                    <a:pt x="50" y="292"/>
+                  </a:lnTo>
+                  <a:lnTo>
+                    <a:pt x="1" y="390"/>
+                  </a:lnTo>
+                  <a:lnTo>
+                    <a:pt x="1" y="487"/>
+                  </a:lnTo>
+                  <a:lnTo>
+                    <a:pt x="1" y="8329"/>
+                  </a:lnTo>
+                  <a:lnTo>
+                    <a:pt x="3094" y="8329"/>
+                  </a:lnTo>
+                  <a:close/>
+                </a:path>
+              </a:pathLst>
+            </a:custGeom>
+            <a:noFill/>
+            <a:ln w="9525" cap="rnd" cmpd="sng">
+              <a:solidFill>
+                <a:srgbClr val="000000"/>
+              </a:solidFill>
+              <a:prstDash val="solid"/>
+              <a:round/>
+              <a:headEnd type="none" w="sm" len="sm"/>
+              <a:tailEnd type="none" w="sm" len="sm"/>
+            </a:ln>
+          </p:spPr>
+          <p:txBody>
+            <a:bodyPr spcFirstLastPara="1" wrap="square" lIns="91425" tIns="91425" rIns="91425" bIns="91425" anchor="ctr" anchorCtr="0">
+              <a:noAutofit/>
+            </a:bodyPr>
+            <a:lstStyle/>
+            <a:p>
+              <a:pPr marL="0" lvl="0" indent="0">
+                <a:spcBef>
+                  <a:spcPts val="0"/>
+                </a:spcBef>
+                <a:spcAft>
+                  <a:spcPts val="0"/>
+                </a:spcAft>
+                <a:buNone/>
+              </a:pPr>
+              <a:endParaRPr dirty="0"/>
+            </a:p>
+          </p:txBody>
+        </p:sp>
+      </p:grpSp>
+      <p:sp>
+        <p:nvSpPr>
+          <p:cNvPr id="12" name="TextBox 11">
+            <a:extLst>
+              <a:ext uri="{FF2B5EF4-FFF2-40B4-BE49-F238E27FC236}">
+                <a16:creationId xmlns:a16="http://schemas.microsoft.com/office/drawing/2014/main" id="{DFF70669-3A7D-6847-9FDB-30D4D774644E}"/>
+              </a:ext>
+            </a:extLst>
+          </p:cNvPr>
+          <p:cNvSpPr txBox="1"/>
+          <p:nvPr/>
+        </p:nvSpPr>
+        <p:spPr>
+          <a:xfrm>
+            <a:off x="4472087" y="679672"/>
+            <a:ext cx="3401893" cy="400110"/>
           </a:xfrm>
           <a:prstGeom prst="rect">
             <a:avLst/>
@@ -5625,34 +6403,67 @@
           <a:lstStyle/>
           <a:p>
             <a:r>
-              <a:rPr lang="en-US" dirty="0"/>
-              <a:t>Manuela Machado</a:t>
-            </a:r>
-          </a:p>
-          <a:p>
-            <a:r>
-              <a:rPr lang="en-US" dirty="0"/>
-              <a:t>Guirlyn Olivar</a:t>
-            </a:r>
-          </a:p>
-          <a:p>
-            <a:endParaRPr lang="en-US" dirty="0"/>
-          </a:p>
-          <a:p>
-            <a:r>
-              <a:rPr lang="en-US" dirty="0"/>
-              <a:t>UC Berkeley Extension Data Analytics</a:t>
-            </a:r>
-          </a:p>
-          <a:p>
-            <a:r>
-              <a:rPr lang="en-US" dirty="0"/>
-              <a:t>July 2018</a:t>
+              <a:rPr lang="en-US" sz="2000" b="1" dirty="0">
+                <a:solidFill>
+                  <a:schemeClr val="dk1"/>
+                </a:solidFill>
+                <a:latin typeface="Lora"/>
+                <a:sym typeface="Quattrocento Sans"/>
+              </a:rPr>
+              <a:t>Machine Learning: forecasting</a:t>
             </a:r>
           </a:p>
         </p:txBody>
       </p:sp>
+      <p:pic>
+        <p:nvPicPr>
+          <p:cNvPr id="6" name="Picture 5">
+            <a:extLst>
+              <a:ext uri="{FF2B5EF4-FFF2-40B4-BE49-F238E27FC236}">
+                <a16:creationId xmlns:a16="http://schemas.microsoft.com/office/drawing/2014/main" id="{A7B7C007-53B6-E841-B1D2-ECAB7C9F48CE}"/>
+              </a:ext>
+            </a:extLst>
+          </p:cNvPr>
+          <p:cNvPicPr>
+            <a:picLocks noChangeAspect="1"/>
+          </p:cNvPicPr>
+          <p:nvPr/>
+        </p:nvPicPr>
+        <p:blipFill>
+          <a:blip r:embed="rId3"/>
+          <a:stretch>
+            <a:fillRect/>
+          </a:stretch>
+        </p:blipFill>
+        <p:spPr>
+          <a:xfrm>
+            <a:off x="215153" y="1292269"/>
+            <a:ext cx="4601135" cy="2576636"/>
+          </a:xfrm>
+          <a:prstGeom prst="roundRect">
+            <a:avLst>
+              <a:gd name="adj" fmla="val 8594"/>
+            </a:avLst>
+          </a:prstGeom>
+          <a:solidFill>
+            <a:srgbClr val="FFFFFF">
+              <a:shade val="85000"/>
+            </a:srgbClr>
+          </a:solidFill>
+          <a:ln>
+            <a:noFill/>
+          </a:ln>
+          <a:effectLst>
+            <a:reflection blurRad="12700" stA="38000" endPos="28000" dist="5000" dir="5400000" sy="-100000" algn="bl" rotWithShape="0"/>
+          </a:effectLst>
+        </p:spPr>
+      </p:pic>
     </p:spTree>
+    <p:extLst>
+      <p:ext uri="{BB962C8B-B14F-4D97-AF65-F5344CB8AC3E}">
+        <p14:creationId xmlns:p14="http://schemas.microsoft.com/office/powerpoint/2010/main" val="3530492101"/>
+      </p:ext>
+    </p:extLst>
   </p:cSld>
   <p:clrMapOvr>
     <a:masterClrMapping/>
@@ -5660,7 +6471,7 @@
 </p:sld>
 </file>
 
-<file path=ppt/slides/slide10.xml><?xml version="1.0" encoding="utf-8"?>
+<file path=ppt/slides/slide11.xml><?xml version="1.0" encoding="utf-8"?>
 <p:sld xmlns:a="http://schemas.openxmlformats.org/drawingml/2006/main" xmlns:r="http://schemas.openxmlformats.org/officeDocument/2006/relationships" xmlns:p="http://schemas.openxmlformats.org/presentationml/2006/main">
   <p:cSld>
     <p:spTree>
@@ -5924,7 +6735,7 @@
                 </a:spcAft>
                 <a:buNone/>
               </a:pPr>
-              <a:endParaRPr/>
+              <a:endParaRPr dirty="0"/>
             </a:p>
           </p:txBody>
         </p:sp>
@@ -6052,7 +6863,7 @@
                 </a:spcAft>
                 <a:buNone/>
               </a:pPr>
-              <a:endParaRPr/>
+              <a:endParaRPr dirty="0"/>
             </a:p>
           </p:txBody>
         </p:sp>
@@ -6180,7 +6991,7 @@
                 </a:spcAft>
                 <a:buNone/>
               </a:pPr>
-              <a:endParaRPr/>
+              <a:endParaRPr dirty="0"/>
             </a:p>
           </p:txBody>
         </p:sp>
@@ -6308,7 +7119,7 @@
                 </a:spcAft>
                 <a:buNone/>
               </a:pPr>
-              <a:endParaRPr/>
+              <a:endParaRPr dirty="0"/>
             </a:p>
           </p:txBody>
         </p:sp>
@@ -6436,7 +7247,7 @@
                 </a:spcAft>
                 <a:buNone/>
               </a:pPr>
-              <a:endParaRPr/>
+              <a:endParaRPr dirty="0"/>
             </a:p>
           </p:txBody>
         </p:sp>
@@ -6764,12 +7575,8 @@
               <a:buChar char="◉"/>
             </a:pPr>
             <a:r>
-              <a:rPr lang="en-US" sz="1800" dirty="0" err="1"/>
-              <a:t>Jupyter</a:t>
-            </a:r>
-            <a:r>
               <a:rPr lang="en-US" sz="1800" dirty="0"/>
-              <a:t> Notebooks </a:t>
+              <a:t>Jupyter Notebooks </a:t>
             </a:r>
           </a:p>
           <a:p>
@@ -6783,11 +7590,19 @@
             </a:pPr>
             <a:r>
               <a:rPr lang="en-US" sz="1800" dirty="0"/>
-              <a:t>Python: Pandas, </a:t>
+              <a:t>python, pandas, </a:t>
             </a:r>
             <a:r>
               <a:rPr lang="en-US" sz="1800" dirty="0" err="1"/>
-              <a:t>Numpy</a:t>
+              <a:t>numpy</a:t>
+            </a:r>
+            <a:r>
+              <a:rPr lang="en-US" sz="1800" dirty="0"/>
+              <a:t>, matplotlib, seaborn, </a:t>
+            </a:r>
+            <a:r>
+              <a:rPr lang="en-US" sz="1800" dirty="0" err="1"/>
+              <a:t>sklearn</a:t>
             </a:r>
             <a:r>
               <a:rPr lang="en-US" sz="1800" dirty="0"/>
@@ -6795,7 +7610,7 @@
             </a:r>
             <a:r>
               <a:rPr lang="en-US" sz="1800" dirty="0" err="1"/>
-              <a:t>Matplotlib</a:t>
+              <a:t>statsmodels</a:t>
             </a:r>
             <a:r>
               <a:rPr lang="en-US" sz="1800" dirty="0"/>
@@ -6803,23 +7618,7 @@
             </a:r>
             <a:r>
               <a:rPr lang="en-US" sz="1800" dirty="0" err="1"/>
-              <a:t>Seaborn</a:t>
-            </a:r>
-            <a:r>
-              <a:rPr lang="en-US" sz="1800" dirty="0"/>
-              <a:t>, </a:t>
-            </a:r>
-            <a:r>
-              <a:rPr lang="en-US" sz="1800" dirty="0" err="1"/>
-              <a:t>Sckilearn</a:t>
-            </a:r>
-            <a:r>
-              <a:rPr lang="en-US" sz="1800" dirty="0"/>
-              <a:t>, </a:t>
-            </a:r>
-            <a:r>
-              <a:rPr lang="en-US" sz="1800" dirty="0" err="1"/>
-              <a:t>Statsmodels</a:t>
+              <a:t>plotly</a:t>
             </a:r>
             <a:endParaRPr lang="en-US" sz="1800" dirty="0"/>
           </a:p>
@@ -6866,39 +7665,21 @@
             <a:pPr lvl="1"/>
             <a:r>
               <a:rPr lang="en-US" sz="1600" dirty="0"/>
-              <a:t>Html/</a:t>
-            </a:r>
-            <a:r>
-              <a:rPr lang="en-US" sz="1600" dirty="0" err="1"/>
-              <a:t>css</a:t>
-            </a:r>
+              <a:t>Html/css/bootstrap/bootswatch</a:t>
+            </a:r>
+          </a:p>
+          <a:p>
+            <a:pPr lvl="1"/>
             <a:r>
               <a:rPr lang="en-US" sz="1600" dirty="0"/>
-              <a:t>/bootstrap/</a:t>
-            </a:r>
-            <a:r>
-              <a:rPr lang="en-US" sz="1600" dirty="0" err="1"/>
-              <a:t>bootswatch</a:t>
-            </a:r>
-            <a:endParaRPr lang="en-US" sz="1600" dirty="0"/>
+              <a:t>Javascript</a:t>
+            </a:r>
           </a:p>
           <a:p>
             <a:pPr lvl="1"/>
             <a:r>
-              <a:rPr lang="en-US" sz="1600" dirty="0" err="1"/>
-              <a:t>Javascript</a:t>
-            </a:r>
-            <a:endParaRPr lang="en-US" sz="1600" dirty="0"/>
-          </a:p>
-          <a:p>
-            <a:pPr lvl="1"/>
-            <a:r>
-              <a:rPr lang="en-US" sz="1600" dirty="0" err="1"/>
-              <a:t>Jsonify</a:t>
-            </a:r>
-            <a:r>
               <a:rPr lang="en-US" sz="1600" dirty="0"/>
-              <a:t> (Get)</a:t>
+              <a:t>Jsonify (Get)</a:t>
             </a:r>
           </a:p>
           <a:p>
@@ -6910,183 +7691,6 @@
     <p:extLst>
       <p:ext uri="{BB962C8B-B14F-4D97-AF65-F5344CB8AC3E}">
         <p14:creationId xmlns:p14="http://schemas.microsoft.com/office/powerpoint/2010/main" val="4245054592"/>
-      </p:ext>
-    </p:extLst>
-  </p:cSld>
-  <p:clrMapOvr>
-    <a:masterClrMapping/>
-  </p:clrMapOvr>
-</p:sld>
-</file>
-
-<file path=ppt/slides/slide11.xml><?xml version="1.0" encoding="utf-8"?>
-<p:sld xmlns:a="http://schemas.openxmlformats.org/drawingml/2006/main" xmlns:r="http://schemas.openxmlformats.org/officeDocument/2006/relationships" xmlns:p="http://schemas.openxmlformats.org/presentationml/2006/main">
-  <p:cSld>
-    <p:spTree>
-      <p:nvGrpSpPr>
-        <p:cNvPr id="1" name="Shape 104"/>
-        <p:cNvGrpSpPr/>
-        <p:nvPr/>
-      </p:nvGrpSpPr>
-      <p:grpSpPr>
-        <a:xfrm>
-          <a:off x="0" y="0"/>
-          <a:ext cx="0" cy="0"/>
-          <a:chOff x="0" y="0"/>
-          <a:chExt cx="0" cy="0"/>
-        </a:xfrm>
-      </p:grpSpPr>
-      <p:sp>
-        <p:nvSpPr>
-          <p:cNvPr id="105" name="Shape 105"/>
-          <p:cNvSpPr txBox="1">
-            <a:spLocks noGrp="1"/>
-          </p:cNvSpPr>
-          <p:nvPr>
-            <p:ph type="body" idx="1"/>
-          </p:nvPr>
-        </p:nvSpPr>
-        <p:spPr>
-          <a:xfrm>
-            <a:off x="2105050" y="1729946"/>
-            <a:ext cx="4933800" cy="1327954"/>
-          </a:xfrm>
-          <a:prstGeom prst="rect">
-            <a:avLst/>
-          </a:prstGeom>
-        </p:spPr>
-        <p:txBody>
-          <a:bodyPr spcFirstLastPara="1" wrap="square" lIns="91425" tIns="91425" rIns="91425" bIns="91425" anchor="b" anchorCtr="0">
-            <a:noAutofit/>
-          </a:bodyPr>
-          <a:lstStyle/>
-          <a:p>
-            <a:pPr marL="76200" indent="0" fontAlgn="base">
-              <a:buNone/>
-            </a:pPr>
-            <a:r>
-              <a:rPr lang="en-US" sz="1800" i="0" dirty="0"/>
-              <a:t>“</a:t>
-            </a:r>
-            <a:r>
-              <a:rPr lang="en-US" sz="1800" dirty="0">
-                <a:highlight>
-                  <a:srgbClr val="FFCD00"/>
-                </a:highlight>
-              </a:rPr>
-              <a:t>Time series </a:t>
-            </a:r>
-            <a:r>
-              <a:rPr lang="en-US" sz="1800" i="0" dirty="0"/>
-              <a:t>forecasting is an important area of machine learning that is </a:t>
-            </a:r>
-            <a:r>
-              <a:rPr lang="en-US" sz="1800" dirty="0">
-                <a:highlight>
-                  <a:srgbClr val="FFCD00"/>
-                </a:highlight>
-              </a:rPr>
-              <a:t>often neglected</a:t>
-            </a:r>
-            <a:r>
-              <a:rPr lang="en-US" sz="1800" i="0" dirty="0"/>
-              <a:t>. It is important because there are so many prediction problems that involve a time component. These problems are neglected because it is this </a:t>
-            </a:r>
-            <a:r>
-              <a:rPr lang="en-US" sz="1800" dirty="0">
-                <a:highlight>
-                  <a:srgbClr val="FFCD00"/>
-                </a:highlight>
-              </a:rPr>
-              <a:t>time component </a:t>
-            </a:r>
-            <a:r>
-              <a:rPr lang="en-US" sz="1800" i="0" dirty="0"/>
-              <a:t>that makes time series problems more </a:t>
-            </a:r>
-            <a:r>
-              <a:rPr lang="en-US" sz="1800" dirty="0">
-                <a:highlight>
-                  <a:srgbClr val="FFCD00"/>
-                </a:highlight>
-              </a:rPr>
-              <a:t>difficult to handle</a:t>
-            </a:r>
-            <a:r>
-              <a:rPr lang="en-US" sz="1800" i="0" dirty="0"/>
-              <a:t>.”</a:t>
-            </a:r>
-          </a:p>
-        </p:txBody>
-      </p:sp>
-      <p:sp>
-        <p:nvSpPr>
-          <p:cNvPr id="4" name="TextBox 3">
-            <a:extLst>
-              <a:ext uri="{FF2B5EF4-FFF2-40B4-BE49-F238E27FC236}">
-                <a16:creationId xmlns:a16="http://schemas.microsoft.com/office/drawing/2014/main" id="{42FBC4DB-BEAB-FB48-BBE6-B9F89D8757D7}"/>
-              </a:ext>
-            </a:extLst>
-          </p:cNvPr>
-          <p:cNvSpPr txBox="1"/>
-          <p:nvPr/>
-        </p:nvSpPr>
-        <p:spPr>
-          <a:xfrm>
-            <a:off x="5109945" y="3543568"/>
-            <a:ext cx="3504486" cy="307777"/>
-          </a:xfrm>
-          <a:prstGeom prst="rect">
-            <a:avLst/>
-          </a:prstGeom>
-          <a:noFill/>
-        </p:spPr>
-        <p:txBody>
-          <a:bodyPr wrap="none" rtlCol="0">
-            <a:spAutoFit/>
-          </a:bodyPr>
-          <a:lstStyle/>
-          <a:p>
-            <a:r>
-              <a:rPr lang="en-US" sz="1000" dirty="0"/>
-              <a:t> </a:t>
-            </a:r>
-            <a:r>
-              <a:rPr lang="en-US" sz="1000" b="1" dirty="0">
-                <a:hlinkClick r:id="rId3" tooltip="Posts by Jason Brownlee"/>
-              </a:rPr>
-              <a:t>Jason Brownlee</a:t>
-            </a:r>
-            <a:r>
-              <a:rPr lang="en-US" sz="1000" b="1" dirty="0"/>
-              <a:t>:</a:t>
-            </a:r>
-            <a:r>
-              <a:rPr lang="en-US" b="1" dirty="0"/>
-              <a:t> </a:t>
-            </a:r>
-            <a:r>
-              <a:rPr lang="en-US" sz="1100" dirty="0">
-                <a:latin typeface="Lora"/>
-                <a:sym typeface="Lora"/>
-                <a:hlinkClick r:id="rId4"/>
-              </a:rPr>
-              <a:t>What is Time Serie Forecasting?</a:t>
-            </a:r>
-            <a:r>
-              <a:rPr lang="en-US" sz="1100" dirty="0">
-                <a:latin typeface="Lora"/>
-                <a:sym typeface="Lora"/>
-              </a:rPr>
-              <a:t> </a:t>
-            </a:r>
-          </a:p>
-        </p:txBody>
-      </p:sp>
-    </p:spTree>
-    <p:extLst>
-      <p:ext uri="{BB962C8B-B14F-4D97-AF65-F5344CB8AC3E}">
-        <p14:creationId xmlns:p14="http://schemas.microsoft.com/office/powerpoint/2010/main" val="981948160"/>
       </p:ext>
     </p:extLst>
   </p:cSld>
@@ -7419,23 +8023,7 @@
                   <a:schemeClr val="dk1"/>
                 </a:solidFill>
               </a:rPr>
-              <a:t>You can find </a:t>
-            </a:r>
-            <a:r>
-              <a:rPr lang="en-US" sz="1800">
-                <a:solidFill>
-                  <a:schemeClr val="dk1"/>
-                </a:solidFill>
-              </a:rPr>
-              <a:t>our full </a:t>
-            </a:r>
-            <a:r>
-              <a:rPr lang="en-US" sz="1800" dirty="0">
-                <a:solidFill>
-                  <a:schemeClr val="dk1"/>
-                </a:solidFill>
-              </a:rPr>
-              <a:t>analysis at</a:t>
+              <a:t>You can find our full analysis at</a:t>
             </a:r>
           </a:p>
           <a:p>
@@ -7515,10 +8103,10 @@
               <a:buNone/>
             </a:pPr>
             <a:r>
-              <a:rPr lang="en" sz="6000"/>
+              <a:rPr lang="en" sz="6000" dirty="0"/>
               <a:t>Thanks!</a:t>
             </a:r>
-            <a:endParaRPr sz="6000"/>
+            <a:endParaRPr sz="6000" dirty="0"/>
           </a:p>
         </p:txBody>
       </p:sp>
@@ -7584,7 +8172,7 @@
               </a:spcAft>
               <a:buNone/>
             </a:pPr>
-            <a:endParaRPr/>
+            <a:endParaRPr dirty="0"/>
           </a:p>
         </p:txBody>
       </p:sp>
@@ -7781,7 +8369,7 @@
                 </a:spcAft>
                 <a:buNone/>
               </a:pPr>
-              <a:endParaRPr/>
+              <a:endParaRPr dirty="0"/>
             </a:p>
           </p:txBody>
         </p:sp>
@@ -8235,7 +8823,7 @@
                 </a:spcAft>
                 <a:buNone/>
               </a:pPr>
-              <a:endParaRPr/>
+              <a:endParaRPr dirty="0"/>
             </a:p>
           </p:txBody>
         </p:sp>
@@ -8301,7 +8889,7 @@
               </a:spcAft>
               <a:buNone/>
             </a:pPr>
-            <a:endParaRPr/>
+            <a:endParaRPr dirty="0"/>
           </a:p>
         </p:txBody>
       </p:sp>
@@ -8420,7 +9008,7 @@
                 </a:spcAft>
                 <a:buNone/>
               </a:pPr>
-              <a:endParaRPr/>
+              <a:endParaRPr dirty="0"/>
             </a:p>
           </p:txBody>
         </p:sp>
@@ -8614,7 +9202,7 @@
                 </a:spcAft>
                 <a:buNone/>
               </a:pPr>
-              <a:endParaRPr/>
+              <a:endParaRPr dirty="0"/>
             </a:p>
           </p:txBody>
         </p:sp>
@@ -8846,7 +9434,7 @@
                 </a:spcAft>
                 <a:buNone/>
               </a:pPr>
-              <a:endParaRPr/>
+              <a:endParaRPr dirty="0"/>
             </a:p>
           </p:txBody>
         </p:sp>
@@ -8904,7 +9492,7 @@
                 </a:spcAft>
                 <a:buNone/>
               </a:pPr>
-              <a:endParaRPr/>
+              <a:endParaRPr dirty="0"/>
             </a:p>
           </p:txBody>
         </p:sp>
@@ -9083,16 +9671,10 @@
           <a:p>
             <a:pPr algn="just"/>
             <a:r>
-              <a:rPr lang="en-US" sz="1000" i="1" dirty="0" err="1">
-                <a:latin typeface="Quattrocento Sans"/>
-              </a:rPr>
-              <a:t>Autoregression</a:t>
-            </a:r>
-            <a:r>
               <a:rPr lang="en-US" sz="1000" i="1" dirty="0">
                 <a:latin typeface="Quattrocento Sans"/>
               </a:rPr>
-              <a:t> </a:t>
+              <a:t>Autoregression </a:t>
             </a:r>
           </a:p>
           <a:p>
@@ -9110,17 +9692,8 @@
               <a:rPr lang="en-US" sz="1000" i="1" dirty="0">
                 <a:latin typeface="Quattrocento Sans"/>
               </a:rPr>
-              <a:t>Multi-layer Perceptron </a:t>
-            </a:r>
-            <a:r>
-              <a:rPr lang="en-US" sz="1000" i="1" dirty="0" err="1">
-                <a:latin typeface="Quattrocento Sans"/>
-              </a:rPr>
-              <a:t>Regressor</a:t>
-            </a:r>
-            <a:endParaRPr lang="en-US" sz="1000" i="1" dirty="0">
-              <a:latin typeface="Quattrocento Sans"/>
-            </a:endParaRPr>
+              <a:t>Multi-layer Perceptron Regressor</a:t>
+            </a:r>
           </a:p>
           <a:p>
             <a:pPr algn="just"/>
@@ -9128,17 +9701,8 @@
               <a:rPr lang="en-US" sz="1000" i="1" dirty="0">
                 <a:latin typeface="Quattrocento Sans"/>
               </a:rPr>
-              <a:t>Random Forest </a:t>
-            </a:r>
-            <a:r>
-              <a:rPr lang="en-US" sz="1000" i="1" dirty="0" err="1">
-                <a:latin typeface="Quattrocento Sans"/>
-              </a:rPr>
-              <a:t>Regressor</a:t>
-            </a:r>
-            <a:endParaRPr lang="en-US" sz="1000" i="1" dirty="0">
-              <a:latin typeface="Quattrocento Sans"/>
-            </a:endParaRPr>
+              <a:t>Random Forest Regressor</a:t>
+            </a:r>
           </a:p>
           <a:p>
             <a:pPr lvl="1"/>
@@ -9277,6 +9841,183 @@
 </file>
 
 <file path=ppt/slides/slide3.xml><?xml version="1.0" encoding="utf-8"?>
+<p:sld xmlns:a="http://schemas.openxmlformats.org/drawingml/2006/main" xmlns:r="http://schemas.openxmlformats.org/officeDocument/2006/relationships" xmlns:p="http://schemas.openxmlformats.org/presentationml/2006/main">
+  <p:cSld>
+    <p:spTree>
+      <p:nvGrpSpPr>
+        <p:cNvPr id="1" name="Shape 104"/>
+        <p:cNvGrpSpPr/>
+        <p:nvPr/>
+      </p:nvGrpSpPr>
+      <p:grpSpPr>
+        <a:xfrm>
+          <a:off x="0" y="0"/>
+          <a:ext cx="0" cy="0"/>
+          <a:chOff x="0" y="0"/>
+          <a:chExt cx="0" cy="0"/>
+        </a:xfrm>
+      </p:grpSpPr>
+      <p:sp>
+        <p:nvSpPr>
+          <p:cNvPr id="105" name="Shape 105"/>
+          <p:cNvSpPr txBox="1">
+            <a:spLocks noGrp="1"/>
+          </p:cNvSpPr>
+          <p:nvPr>
+            <p:ph type="body" idx="1"/>
+          </p:nvPr>
+        </p:nvSpPr>
+        <p:spPr>
+          <a:xfrm>
+            <a:off x="2105050" y="1729946"/>
+            <a:ext cx="4933800" cy="1327954"/>
+          </a:xfrm>
+          <a:prstGeom prst="rect">
+            <a:avLst/>
+          </a:prstGeom>
+        </p:spPr>
+        <p:txBody>
+          <a:bodyPr spcFirstLastPara="1" wrap="square" lIns="91425" tIns="91425" rIns="91425" bIns="91425" anchor="b" anchorCtr="0">
+            <a:noAutofit/>
+          </a:bodyPr>
+          <a:lstStyle/>
+          <a:p>
+            <a:pPr marL="76200" indent="0" fontAlgn="base">
+              <a:buNone/>
+            </a:pPr>
+            <a:r>
+              <a:rPr lang="en-US" sz="1800" i="0" dirty="0"/>
+              <a:t>“</a:t>
+            </a:r>
+            <a:r>
+              <a:rPr lang="en-US" sz="1800" dirty="0">
+                <a:highlight>
+                  <a:srgbClr val="FFCD00"/>
+                </a:highlight>
+              </a:rPr>
+              <a:t>Time series </a:t>
+            </a:r>
+            <a:r>
+              <a:rPr lang="en-US" sz="1800" i="0" dirty="0"/>
+              <a:t>forecasting is an important area of machine learning that is </a:t>
+            </a:r>
+            <a:r>
+              <a:rPr lang="en-US" sz="1800" dirty="0">
+                <a:highlight>
+                  <a:srgbClr val="FFCD00"/>
+                </a:highlight>
+              </a:rPr>
+              <a:t>often neglected</a:t>
+            </a:r>
+            <a:r>
+              <a:rPr lang="en-US" sz="1800" i="0" dirty="0"/>
+              <a:t>. It is important because there are so many prediction problems that involve a time component. These problems are neglected because it is this </a:t>
+            </a:r>
+            <a:r>
+              <a:rPr lang="en-US" sz="1800" dirty="0">
+                <a:highlight>
+                  <a:srgbClr val="FFCD00"/>
+                </a:highlight>
+              </a:rPr>
+              <a:t>time component </a:t>
+            </a:r>
+            <a:r>
+              <a:rPr lang="en-US" sz="1800" i="0" dirty="0"/>
+              <a:t>that makes time series problems more </a:t>
+            </a:r>
+            <a:r>
+              <a:rPr lang="en-US" sz="1800" dirty="0">
+                <a:highlight>
+                  <a:srgbClr val="FFCD00"/>
+                </a:highlight>
+              </a:rPr>
+              <a:t>difficult to handle</a:t>
+            </a:r>
+            <a:r>
+              <a:rPr lang="en-US" sz="1800" i="0" dirty="0"/>
+              <a:t>.”</a:t>
+            </a:r>
+          </a:p>
+        </p:txBody>
+      </p:sp>
+      <p:sp>
+        <p:nvSpPr>
+          <p:cNvPr id="4" name="TextBox 3">
+            <a:extLst>
+              <a:ext uri="{FF2B5EF4-FFF2-40B4-BE49-F238E27FC236}">
+                <a16:creationId xmlns:a16="http://schemas.microsoft.com/office/drawing/2014/main" id="{42FBC4DB-BEAB-FB48-BBE6-B9F89D8757D7}"/>
+              </a:ext>
+            </a:extLst>
+          </p:cNvPr>
+          <p:cNvSpPr txBox="1"/>
+          <p:nvPr/>
+        </p:nvSpPr>
+        <p:spPr>
+          <a:xfrm>
+            <a:off x="5109945" y="3543568"/>
+            <a:ext cx="3504486" cy="307777"/>
+          </a:xfrm>
+          <a:prstGeom prst="rect">
+            <a:avLst/>
+          </a:prstGeom>
+          <a:noFill/>
+        </p:spPr>
+        <p:txBody>
+          <a:bodyPr wrap="none" rtlCol="0">
+            <a:spAutoFit/>
+          </a:bodyPr>
+          <a:lstStyle/>
+          <a:p>
+            <a:r>
+              <a:rPr lang="en-US" sz="1000" dirty="0"/>
+              <a:t> </a:t>
+            </a:r>
+            <a:r>
+              <a:rPr lang="en-US" sz="1000" b="1" dirty="0">
+                <a:hlinkClick r:id="rId3" tooltip="Posts by Jason Brownlee"/>
+              </a:rPr>
+              <a:t>Jason Brownlee</a:t>
+            </a:r>
+            <a:r>
+              <a:rPr lang="en-US" sz="1000" b="1" dirty="0"/>
+              <a:t>:</a:t>
+            </a:r>
+            <a:r>
+              <a:rPr lang="en-US" b="1" dirty="0"/>
+              <a:t> </a:t>
+            </a:r>
+            <a:r>
+              <a:rPr lang="en-US" sz="1100" dirty="0">
+                <a:latin typeface="Lora"/>
+                <a:sym typeface="Lora"/>
+                <a:hlinkClick r:id="rId4"/>
+              </a:rPr>
+              <a:t>What is Time Serie Forecasting?</a:t>
+            </a:r>
+            <a:r>
+              <a:rPr lang="en-US" sz="1100" dirty="0">
+                <a:latin typeface="Lora"/>
+                <a:sym typeface="Lora"/>
+              </a:rPr>
+              <a:t> </a:t>
+            </a:r>
+          </a:p>
+        </p:txBody>
+      </p:sp>
+    </p:spTree>
+    <p:extLst>
+      <p:ext uri="{BB962C8B-B14F-4D97-AF65-F5344CB8AC3E}">
+        <p14:creationId xmlns:p14="http://schemas.microsoft.com/office/powerpoint/2010/main" val="671788648"/>
+      </p:ext>
+    </p:extLst>
+  </p:cSld>
+  <p:clrMapOvr>
+    <a:masterClrMapping/>
+  </p:clrMapOvr>
+</p:sld>
+</file>
+
+<file path=ppt/slides/slide4.xml><?xml version="1.0" encoding="utf-8"?>
 <p:sld xmlns:a="http://schemas.openxmlformats.org/drawingml/2006/main" xmlns:r="http://schemas.openxmlformats.org/officeDocument/2006/relationships" xmlns:p="http://schemas.openxmlformats.org/presentationml/2006/main">
   <p:cSld>
     <p:spTree>
@@ -9441,7 +10182,7 @@
 </p:sld>
 </file>
 
-<file path=ppt/slides/slide4.xml><?xml version="1.0" encoding="utf-8"?>
+<file path=ppt/slides/slide5.xml><?xml version="1.0" encoding="utf-8"?>
 <p:sld xmlns:a="http://schemas.openxmlformats.org/drawingml/2006/main" xmlns:r="http://schemas.openxmlformats.org/officeDocument/2006/relationships" xmlns:p="http://schemas.openxmlformats.org/presentationml/2006/main">
   <p:cSld>
     <p:spTree>
@@ -9580,7 +10321,7 @@
                 </a:spcAft>
                 <a:buNone/>
               </a:pPr>
-              <a:endParaRPr/>
+              <a:endParaRPr dirty="0"/>
             </a:p>
           </p:txBody>
         </p:sp>
@@ -9774,7 +10515,7 @@
                 </a:spcAft>
                 <a:buNone/>
               </a:pPr>
-              <a:endParaRPr/>
+              <a:endParaRPr dirty="0"/>
             </a:p>
           </p:txBody>
         </p:sp>
@@ -10006,7 +10747,7 @@
                 </a:spcAft>
                 <a:buNone/>
               </a:pPr>
-              <a:endParaRPr/>
+              <a:endParaRPr dirty="0"/>
             </a:p>
           </p:txBody>
         </p:sp>
@@ -10064,7 +10805,7 @@
                 </a:spcAft>
                 <a:buNone/>
               </a:pPr>
-              <a:endParaRPr/>
+              <a:endParaRPr dirty="0"/>
             </a:p>
           </p:txBody>
         </p:sp>
@@ -10239,7 +10980,7 @@
 </p:sld>
 </file>
 
-<file path=ppt/slides/slide5.xml><?xml version="1.0" encoding="utf-8"?>
+<file path=ppt/slides/slide6.xml><?xml version="1.0" encoding="utf-8"?>
 <p:sld xmlns:a="http://schemas.openxmlformats.org/drawingml/2006/main" xmlns:r="http://schemas.openxmlformats.org/officeDocument/2006/relationships" xmlns:p="http://schemas.openxmlformats.org/presentationml/2006/main">
   <p:cSld>
     <p:spTree>
@@ -10404,7 +11145,7 @@
 </p:sld>
 </file>
 
-<file path=ppt/slides/slide6.xml><?xml version="1.0" encoding="utf-8"?>
+<file path=ppt/slides/slide7.xml><?xml version="1.0" encoding="utf-8"?>
 <p:sld xmlns:a="http://schemas.openxmlformats.org/drawingml/2006/main" xmlns:r="http://schemas.openxmlformats.org/officeDocument/2006/relationships" xmlns:p="http://schemas.openxmlformats.org/presentationml/2006/main">
   <p:cSld>
     <p:spTree>
@@ -10740,7 +11481,7 @@
                 </a:spcAft>
                 <a:buNone/>
               </a:pPr>
-              <a:endParaRPr/>
+              <a:endParaRPr dirty="0"/>
             </a:p>
           </p:txBody>
         </p:sp>
@@ -10868,7 +11609,7 @@
                 </a:spcAft>
                 <a:buNone/>
               </a:pPr>
-              <a:endParaRPr/>
+              <a:endParaRPr dirty="0"/>
             </a:p>
           </p:txBody>
         </p:sp>
@@ -10996,7 +11737,7 @@
                 </a:spcAft>
                 <a:buNone/>
               </a:pPr>
-              <a:endParaRPr/>
+              <a:endParaRPr dirty="0"/>
             </a:p>
           </p:txBody>
         </p:sp>
@@ -11124,7 +11865,7 @@
                 </a:spcAft>
                 <a:buNone/>
               </a:pPr>
-              <a:endParaRPr/>
+              <a:endParaRPr dirty="0"/>
             </a:p>
           </p:txBody>
         </p:sp>
@@ -11252,7 +11993,7 @@
                 </a:spcAft>
                 <a:buNone/>
               </a:pPr>
-              <a:endParaRPr/>
+              <a:endParaRPr dirty="0"/>
             </a:p>
           </p:txBody>
         </p:sp>
@@ -11306,7 +12047,7 @@
 </p:sld>
 </file>
 
-<file path=ppt/slides/slide7.xml><?xml version="1.0" encoding="utf-8"?>
+<file path=ppt/slides/slide8.xml><?xml version="1.0" encoding="utf-8"?>
 <p:sld xmlns:a="http://schemas.openxmlformats.org/drawingml/2006/main" xmlns:r="http://schemas.openxmlformats.org/officeDocument/2006/relationships" xmlns:p="http://schemas.openxmlformats.org/presentationml/2006/main">
   <p:cSld>
     <p:bg>
@@ -11466,7 +12207,7 @@
                   <a:srgbClr val="FFCD00"/>
                 </a:highlight>
               </a:rPr>
-              <a:t>UNDERTANDING THE TREND</a:t>
+              <a:t>UNDERSTANDING THE TREND</a:t>
             </a:r>
             <a:endParaRPr sz="2400" i="1" dirty="0">
               <a:highlight>
@@ -11867,7 +12608,7 @@
               </a:spcAft>
               <a:buNone/>
             </a:pPr>
-            <a:endParaRPr/>
+            <a:endParaRPr dirty="0"/>
           </a:p>
         </p:txBody>
       </p:sp>
@@ -11879,7 +12620,7 @@
 </p:sld>
 </file>
 
-<file path=ppt/slides/slide8.xml><?xml version="1.0" encoding="utf-8"?>
+<file path=ppt/slides/slide9.xml><?xml version="1.0" encoding="utf-8"?>
 <p:sld xmlns:a="http://schemas.openxmlformats.org/drawingml/2006/main" xmlns:r="http://schemas.openxmlformats.org/officeDocument/2006/relationships" xmlns:p="http://schemas.openxmlformats.org/presentationml/2006/main">
   <p:cSld>
     <p:spTree>
@@ -12140,7 +12881,7 @@
                 </a:spcAft>
                 <a:buNone/>
               </a:pPr>
-              <a:endParaRPr/>
+              <a:endParaRPr dirty="0"/>
             </a:p>
           </p:txBody>
         </p:sp>
@@ -12268,7 +13009,7 @@
                 </a:spcAft>
                 <a:buNone/>
               </a:pPr>
-              <a:endParaRPr/>
+              <a:endParaRPr dirty="0"/>
             </a:p>
           </p:txBody>
         </p:sp>
@@ -12396,7 +13137,7 @@
                 </a:spcAft>
                 <a:buNone/>
               </a:pPr>
-              <a:endParaRPr/>
+              <a:endParaRPr dirty="0"/>
             </a:p>
           </p:txBody>
         </p:sp>
@@ -12524,7 +13265,7 @@
                 </a:spcAft>
                 <a:buNone/>
               </a:pPr>
-              <a:endParaRPr/>
+              <a:endParaRPr dirty="0"/>
             </a:p>
           </p:txBody>
         </p:sp>
@@ -12652,7 +13393,7 @@
                 </a:spcAft>
                 <a:buNone/>
               </a:pPr>
-              <a:endParaRPr/>
+              <a:endParaRPr dirty="0"/>
             </a:p>
           </p:txBody>
         </p:sp>
@@ -13084,863 +13825,6 @@
     <p:extLst>
       <p:ext uri="{BB962C8B-B14F-4D97-AF65-F5344CB8AC3E}">
         <p14:creationId xmlns:p14="http://schemas.microsoft.com/office/powerpoint/2010/main" val="641754392"/>
-      </p:ext>
-    </p:extLst>
-  </p:cSld>
-  <p:clrMapOvr>
-    <a:masterClrMapping/>
-  </p:clrMapOvr>
-</p:sld>
-</file>
-
-<file path=ppt/slides/slide9.xml><?xml version="1.0" encoding="utf-8"?>
-<p:sld xmlns:a="http://schemas.openxmlformats.org/drawingml/2006/main" xmlns:r="http://schemas.openxmlformats.org/officeDocument/2006/relationships" xmlns:p="http://schemas.openxmlformats.org/presentationml/2006/main">
-  <p:cSld>
-    <p:spTree>
-      <p:nvGrpSpPr>
-        <p:cNvPr id="1" name="Shape 165"/>
-        <p:cNvGrpSpPr/>
-        <p:nvPr/>
-      </p:nvGrpSpPr>
-      <p:grpSpPr>
-        <a:xfrm>
-          <a:off x="0" y="0"/>
-          <a:ext cx="0" cy="0"/>
-          <a:chOff x="0" y="0"/>
-          <a:chExt cx="0" cy="0"/>
-        </a:xfrm>
-      </p:grpSpPr>
-      <p:sp>
-        <p:nvSpPr>
-          <p:cNvPr id="166" name="Shape 166"/>
-          <p:cNvSpPr txBox="1">
-            <a:spLocks noGrp="1"/>
-          </p:cNvSpPr>
-          <p:nvPr>
-            <p:ph type="body" idx="4294967295"/>
-          </p:nvPr>
-        </p:nvSpPr>
-        <p:spPr>
-          <a:xfrm>
-            <a:off x="4909135" y="865628"/>
-            <a:ext cx="4173000" cy="3654300"/>
-          </a:xfrm>
-          <a:prstGeom prst="rect">
-            <a:avLst/>
-          </a:prstGeom>
-        </p:spPr>
-        <p:txBody>
-          <a:bodyPr spcFirstLastPara="1" wrap="square" lIns="91425" tIns="91425" rIns="91425" bIns="91425" anchor="ctr" anchorCtr="0">
-            <a:noAutofit/>
-          </a:bodyPr>
-          <a:lstStyle/>
-          <a:p>
-            <a:pPr algn="just"/>
-            <a:r>
-              <a:rPr lang="en-US" sz="1800" i="1" dirty="0"/>
-              <a:t>Linear Regression, </a:t>
-            </a:r>
-          </a:p>
-          <a:p>
-            <a:pPr algn="just"/>
-            <a:r>
-              <a:rPr lang="en-US" sz="1800" i="1" dirty="0"/>
-              <a:t>Multi-layer Perceptron Regressor</a:t>
-            </a:r>
-          </a:p>
-          <a:p>
-            <a:pPr algn="just"/>
-            <a:r>
-              <a:rPr lang="en-US" sz="1800" i="1" dirty="0"/>
-              <a:t>Random Forest Regressor</a:t>
-            </a:r>
-          </a:p>
-          <a:p>
-            <a:endParaRPr lang="en-US" sz="1800" dirty="0"/>
-          </a:p>
-        </p:txBody>
-      </p:sp>
-      <p:cxnSp>
-        <p:nvCxnSpPr>
-          <p:cNvPr id="167" name="Shape 167"/>
-          <p:cNvCxnSpPr/>
-          <p:nvPr/>
-        </p:nvCxnSpPr>
-        <p:spPr>
-          <a:xfrm>
-            <a:off x="-6450" y="1131725"/>
-            <a:ext cx="9150600" cy="0"/>
-          </a:xfrm>
-          <a:prstGeom prst="straightConnector1">
-            <a:avLst/>
-          </a:prstGeom>
-          <a:noFill/>
-          <a:ln w="9525" cap="flat" cmpd="sng">
-            <a:solidFill>
-              <a:srgbClr val="CCCCCC"/>
-            </a:solidFill>
-            <a:prstDash val="solid"/>
-            <a:round/>
-            <a:headEnd type="none" w="med" len="med"/>
-            <a:tailEnd type="none" w="med" len="med"/>
-          </a:ln>
-        </p:spPr>
-      </p:cxnSp>
-      <p:sp>
-        <p:nvSpPr>
-          <p:cNvPr id="169" name="Shape 169"/>
-          <p:cNvSpPr/>
-          <p:nvPr/>
-        </p:nvSpPr>
-        <p:spPr>
-          <a:xfrm>
-            <a:off x="8139875" y="735846"/>
-            <a:ext cx="790200" cy="790200"/>
-          </a:xfrm>
-          <a:prstGeom prst="ellipse">
-            <a:avLst/>
-          </a:prstGeom>
-          <a:solidFill>
-            <a:srgbClr val="FFCD00"/>
-          </a:solidFill>
-          <a:ln>
-            <a:noFill/>
-          </a:ln>
-        </p:spPr>
-        <p:txBody>
-          <a:bodyPr spcFirstLastPara="1" wrap="square" lIns="91425" tIns="91425" rIns="91425" bIns="91425" anchor="ctr" anchorCtr="0">
-            <a:noAutofit/>
-          </a:bodyPr>
-          <a:lstStyle/>
-          <a:p>
-            <a:pPr marL="0" lvl="0" indent="0" rtl="0">
-              <a:spcBef>
-                <a:spcPts val="0"/>
-              </a:spcBef>
-              <a:spcAft>
-                <a:spcPts val="0"/>
-              </a:spcAft>
-              <a:buNone/>
-            </a:pPr>
-            <a:endParaRPr dirty="0"/>
-          </a:p>
-        </p:txBody>
-      </p:sp>
-      <p:grpSp>
-        <p:nvGrpSpPr>
-          <p:cNvPr id="32" name="Shape 612">
-            <a:extLst>
-              <a:ext uri="{FF2B5EF4-FFF2-40B4-BE49-F238E27FC236}">
-                <a16:creationId xmlns:a16="http://schemas.microsoft.com/office/drawing/2014/main" id="{410E87FE-EB30-F34A-B160-BC395DBD9528}"/>
-              </a:ext>
-            </a:extLst>
-          </p:cNvPr>
-          <p:cNvGrpSpPr/>
-          <p:nvPr/>
-        </p:nvGrpSpPr>
-        <p:grpSpPr>
-          <a:xfrm>
-            <a:off x="8362999" y="973994"/>
-            <a:ext cx="369526" cy="268183"/>
-            <a:chOff x="3932350" y="3714775"/>
-            <a:chExt cx="439650" cy="319075"/>
-          </a:xfrm>
-        </p:grpSpPr>
-        <p:sp>
-          <p:nvSpPr>
-            <p:cNvPr id="33" name="Shape 613">
-              <a:extLst>
-                <a:ext uri="{FF2B5EF4-FFF2-40B4-BE49-F238E27FC236}">
-                  <a16:creationId xmlns:a16="http://schemas.microsoft.com/office/drawing/2014/main" id="{C7CBD83A-06BE-2D46-82E1-D0A1167B3868}"/>
-                </a:ext>
-              </a:extLst>
-            </p:cNvPr>
-            <p:cNvSpPr/>
-            <p:nvPr/>
-          </p:nvSpPr>
-          <p:spPr>
-            <a:xfrm>
-              <a:off x="3932350" y="3714775"/>
-              <a:ext cx="439650" cy="319075"/>
-            </a:xfrm>
-            <a:custGeom>
-              <a:avLst/>
-              <a:gdLst/>
-              <a:ahLst/>
-              <a:cxnLst/>
-              <a:rect l="0" t="0" r="0" b="0"/>
-              <a:pathLst>
-                <a:path w="17586" h="12763" fill="none" extrusionOk="0">
-                  <a:moveTo>
-                    <a:pt x="1" y="1"/>
-                  </a:moveTo>
-                  <a:lnTo>
-                    <a:pt x="1" y="12276"/>
-                  </a:lnTo>
-                  <a:lnTo>
-                    <a:pt x="1" y="12276"/>
-                  </a:lnTo>
-                  <a:lnTo>
-                    <a:pt x="1" y="12373"/>
-                  </a:lnTo>
-                  <a:lnTo>
-                    <a:pt x="25" y="12471"/>
-                  </a:lnTo>
-                  <a:lnTo>
-                    <a:pt x="74" y="12544"/>
-                  </a:lnTo>
-                  <a:lnTo>
-                    <a:pt x="123" y="12617"/>
-                  </a:lnTo>
-                  <a:lnTo>
-                    <a:pt x="196" y="12690"/>
-                  </a:lnTo>
-                  <a:lnTo>
-                    <a:pt x="293" y="12714"/>
-                  </a:lnTo>
-                  <a:lnTo>
-                    <a:pt x="366" y="12763"/>
-                  </a:lnTo>
-                  <a:lnTo>
-                    <a:pt x="488" y="12763"/>
-                  </a:lnTo>
-                  <a:lnTo>
-                    <a:pt x="17585" y="12763"/>
-                  </a:lnTo>
-                </a:path>
-              </a:pathLst>
-            </a:custGeom>
-            <a:noFill/>
-            <a:ln w="9525" cap="rnd" cmpd="sng">
-              <a:solidFill>
-                <a:srgbClr val="000000"/>
-              </a:solidFill>
-              <a:prstDash val="solid"/>
-              <a:round/>
-              <a:headEnd type="none" w="sm" len="sm"/>
-              <a:tailEnd type="none" w="sm" len="sm"/>
-            </a:ln>
-          </p:spPr>
-          <p:txBody>
-            <a:bodyPr spcFirstLastPara="1" wrap="square" lIns="91425" tIns="91425" rIns="91425" bIns="91425" anchor="ctr" anchorCtr="0">
-              <a:noAutofit/>
-            </a:bodyPr>
-            <a:lstStyle/>
-            <a:p>
-              <a:pPr marL="0" lvl="0" indent="0">
-                <a:spcBef>
-                  <a:spcPts val="0"/>
-                </a:spcBef>
-                <a:spcAft>
-                  <a:spcPts val="0"/>
-                </a:spcAft>
-                <a:buNone/>
-              </a:pPr>
-              <a:endParaRPr/>
-            </a:p>
-          </p:txBody>
-        </p:sp>
-        <p:sp>
-          <p:nvSpPr>
-            <p:cNvPr id="34" name="Shape 614">
-              <a:extLst>
-                <a:ext uri="{FF2B5EF4-FFF2-40B4-BE49-F238E27FC236}">
-                  <a16:creationId xmlns:a16="http://schemas.microsoft.com/office/drawing/2014/main" id="{9CD8B909-006E-8E4B-BF95-8FABC5D498C1}"/>
-                </a:ext>
-              </a:extLst>
-            </p:cNvPr>
-            <p:cNvSpPr/>
-            <p:nvPr/>
-          </p:nvSpPr>
-          <p:spPr>
-            <a:xfrm>
-              <a:off x="3970100" y="3862750"/>
-              <a:ext cx="77350" cy="132750"/>
-            </a:xfrm>
-            <a:custGeom>
-              <a:avLst/>
-              <a:gdLst/>
-              <a:ahLst/>
-              <a:cxnLst/>
-              <a:rect l="0" t="0" r="0" b="0"/>
-              <a:pathLst>
-                <a:path w="3094" h="5310" fill="none" extrusionOk="0">
-                  <a:moveTo>
-                    <a:pt x="3094" y="5309"/>
-                  </a:moveTo>
-                  <a:lnTo>
-                    <a:pt x="3094" y="487"/>
-                  </a:lnTo>
-                  <a:lnTo>
-                    <a:pt x="3094" y="487"/>
-                  </a:lnTo>
-                  <a:lnTo>
-                    <a:pt x="3094" y="390"/>
-                  </a:lnTo>
-                  <a:lnTo>
-                    <a:pt x="3070" y="292"/>
-                  </a:lnTo>
-                  <a:lnTo>
-                    <a:pt x="3021" y="219"/>
-                  </a:lnTo>
-                  <a:lnTo>
-                    <a:pt x="2948" y="146"/>
-                  </a:lnTo>
-                  <a:lnTo>
-                    <a:pt x="2899" y="97"/>
-                  </a:lnTo>
-                  <a:lnTo>
-                    <a:pt x="2802" y="49"/>
-                  </a:lnTo>
-                  <a:lnTo>
-                    <a:pt x="2704" y="24"/>
-                  </a:lnTo>
-                  <a:lnTo>
-                    <a:pt x="2607" y="0"/>
-                  </a:lnTo>
-                  <a:lnTo>
-                    <a:pt x="488" y="0"/>
-                  </a:lnTo>
-                  <a:lnTo>
-                    <a:pt x="488" y="0"/>
-                  </a:lnTo>
-                  <a:lnTo>
-                    <a:pt x="391" y="24"/>
-                  </a:lnTo>
-                  <a:lnTo>
-                    <a:pt x="293" y="49"/>
-                  </a:lnTo>
-                  <a:lnTo>
-                    <a:pt x="220" y="97"/>
-                  </a:lnTo>
-                  <a:lnTo>
-                    <a:pt x="147" y="146"/>
-                  </a:lnTo>
-                  <a:lnTo>
-                    <a:pt x="74" y="219"/>
-                  </a:lnTo>
-                  <a:lnTo>
-                    <a:pt x="50" y="292"/>
-                  </a:lnTo>
-                  <a:lnTo>
-                    <a:pt x="1" y="390"/>
-                  </a:lnTo>
-                  <a:lnTo>
-                    <a:pt x="1" y="487"/>
-                  </a:lnTo>
-                  <a:lnTo>
-                    <a:pt x="1" y="5309"/>
-                  </a:lnTo>
-                  <a:lnTo>
-                    <a:pt x="3094" y="5309"/>
-                  </a:lnTo>
-                  <a:close/>
-                </a:path>
-              </a:pathLst>
-            </a:custGeom>
-            <a:noFill/>
-            <a:ln w="9525" cap="rnd" cmpd="sng">
-              <a:solidFill>
-                <a:srgbClr val="000000"/>
-              </a:solidFill>
-              <a:prstDash val="solid"/>
-              <a:round/>
-              <a:headEnd type="none" w="sm" len="sm"/>
-              <a:tailEnd type="none" w="sm" len="sm"/>
-            </a:ln>
-          </p:spPr>
-          <p:txBody>
-            <a:bodyPr spcFirstLastPara="1" wrap="square" lIns="91425" tIns="91425" rIns="91425" bIns="91425" anchor="ctr" anchorCtr="0">
-              <a:noAutofit/>
-            </a:bodyPr>
-            <a:lstStyle/>
-            <a:p>
-              <a:pPr marL="0" lvl="0" indent="0">
-                <a:spcBef>
-                  <a:spcPts val="0"/>
-                </a:spcBef>
-                <a:spcAft>
-                  <a:spcPts val="0"/>
-                </a:spcAft>
-                <a:buNone/>
-              </a:pPr>
-              <a:endParaRPr/>
-            </a:p>
-          </p:txBody>
-        </p:sp>
-        <p:sp>
-          <p:nvSpPr>
-            <p:cNvPr id="35" name="Shape 615">
-              <a:extLst>
-                <a:ext uri="{FF2B5EF4-FFF2-40B4-BE49-F238E27FC236}">
-                  <a16:creationId xmlns:a16="http://schemas.microsoft.com/office/drawing/2014/main" id="{19FB4A40-8A61-814D-95CD-EC5645248758}"/>
-                </a:ext>
-              </a:extLst>
-            </p:cNvPr>
-            <p:cNvSpPr/>
-            <p:nvPr/>
-          </p:nvSpPr>
-          <p:spPr>
-            <a:xfrm>
-              <a:off x="4278800" y="3862750"/>
-              <a:ext cx="77350" cy="132750"/>
-            </a:xfrm>
-            <a:custGeom>
-              <a:avLst/>
-              <a:gdLst/>
-              <a:ahLst/>
-              <a:cxnLst/>
-              <a:rect l="0" t="0" r="0" b="0"/>
-              <a:pathLst>
-                <a:path w="3094" h="5310" fill="none" extrusionOk="0">
-                  <a:moveTo>
-                    <a:pt x="3094" y="5309"/>
-                  </a:moveTo>
-                  <a:lnTo>
-                    <a:pt x="3094" y="487"/>
-                  </a:lnTo>
-                  <a:lnTo>
-                    <a:pt x="3094" y="487"/>
-                  </a:lnTo>
-                  <a:lnTo>
-                    <a:pt x="3094" y="390"/>
-                  </a:lnTo>
-                  <a:lnTo>
-                    <a:pt x="3070" y="292"/>
-                  </a:lnTo>
-                  <a:lnTo>
-                    <a:pt x="3021" y="219"/>
-                  </a:lnTo>
-                  <a:lnTo>
-                    <a:pt x="2948" y="146"/>
-                  </a:lnTo>
-                  <a:lnTo>
-                    <a:pt x="2899" y="97"/>
-                  </a:lnTo>
-                  <a:lnTo>
-                    <a:pt x="2802" y="49"/>
-                  </a:lnTo>
-                  <a:lnTo>
-                    <a:pt x="2704" y="24"/>
-                  </a:lnTo>
-                  <a:lnTo>
-                    <a:pt x="2607" y="0"/>
-                  </a:lnTo>
-                  <a:lnTo>
-                    <a:pt x="488" y="0"/>
-                  </a:lnTo>
-                  <a:lnTo>
-                    <a:pt x="488" y="0"/>
-                  </a:lnTo>
-                  <a:lnTo>
-                    <a:pt x="390" y="24"/>
-                  </a:lnTo>
-                  <a:lnTo>
-                    <a:pt x="293" y="49"/>
-                  </a:lnTo>
-                  <a:lnTo>
-                    <a:pt x="220" y="97"/>
-                  </a:lnTo>
-                  <a:lnTo>
-                    <a:pt x="147" y="146"/>
-                  </a:lnTo>
-                  <a:lnTo>
-                    <a:pt x="74" y="219"/>
-                  </a:lnTo>
-                  <a:lnTo>
-                    <a:pt x="50" y="292"/>
-                  </a:lnTo>
-                  <a:lnTo>
-                    <a:pt x="1" y="390"/>
-                  </a:lnTo>
-                  <a:lnTo>
-                    <a:pt x="1" y="487"/>
-                  </a:lnTo>
-                  <a:lnTo>
-                    <a:pt x="1" y="5309"/>
-                  </a:lnTo>
-                  <a:lnTo>
-                    <a:pt x="3094" y="5309"/>
-                  </a:lnTo>
-                  <a:close/>
-                </a:path>
-              </a:pathLst>
-            </a:custGeom>
-            <a:noFill/>
-            <a:ln w="9525" cap="rnd" cmpd="sng">
-              <a:solidFill>
-                <a:srgbClr val="000000"/>
-              </a:solidFill>
-              <a:prstDash val="solid"/>
-              <a:round/>
-              <a:headEnd type="none" w="sm" len="sm"/>
-              <a:tailEnd type="none" w="sm" len="sm"/>
-            </a:ln>
-          </p:spPr>
-          <p:txBody>
-            <a:bodyPr spcFirstLastPara="1" wrap="square" lIns="91425" tIns="91425" rIns="91425" bIns="91425" anchor="ctr" anchorCtr="0">
-              <a:noAutofit/>
-            </a:bodyPr>
-            <a:lstStyle/>
-            <a:p>
-              <a:pPr marL="0" lvl="0" indent="0">
-                <a:spcBef>
-                  <a:spcPts val="0"/>
-                </a:spcBef>
-                <a:spcAft>
-                  <a:spcPts val="0"/>
-                </a:spcAft>
-                <a:buNone/>
-              </a:pPr>
-              <a:endParaRPr/>
-            </a:p>
-          </p:txBody>
-        </p:sp>
-        <p:sp>
-          <p:nvSpPr>
-            <p:cNvPr id="36" name="Shape 616">
-              <a:extLst>
-                <a:ext uri="{FF2B5EF4-FFF2-40B4-BE49-F238E27FC236}">
-                  <a16:creationId xmlns:a16="http://schemas.microsoft.com/office/drawing/2014/main" id="{3E9AD749-134D-B545-BCEA-C4503C2A89F6}"/>
-                </a:ext>
-              </a:extLst>
-            </p:cNvPr>
-            <p:cNvSpPr/>
-            <p:nvPr/>
-          </p:nvSpPr>
-          <p:spPr>
-            <a:xfrm>
-              <a:off x="4073000" y="3716600"/>
-              <a:ext cx="77350" cy="278900"/>
-            </a:xfrm>
-            <a:custGeom>
-              <a:avLst/>
-              <a:gdLst/>
-              <a:ahLst/>
-              <a:cxnLst/>
-              <a:rect l="0" t="0" r="0" b="0"/>
-              <a:pathLst>
-                <a:path w="3094" h="11156" fill="none" extrusionOk="0">
-                  <a:moveTo>
-                    <a:pt x="3094" y="11155"/>
-                  </a:moveTo>
-                  <a:lnTo>
-                    <a:pt x="3094" y="488"/>
-                  </a:lnTo>
-                  <a:lnTo>
-                    <a:pt x="3094" y="488"/>
-                  </a:lnTo>
-                  <a:lnTo>
-                    <a:pt x="3094" y="391"/>
-                  </a:lnTo>
-                  <a:lnTo>
-                    <a:pt x="3070" y="293"/>
-                  </a:lnTo>
-                  <a:lnTo>
-                    <a:pt x="3021" y="220"/>
-                  </a:lnTo>
-                  <a:lnTo>
-                    <a:pt x="2948" y="147"/>
-                  </a:lnTo>
-                  <a:lnTo>
-                    <a:pt x="2899" y="98"/>
-                  </a:lnTo>
-                  <a:lnTo>
-                    <a:pt x="2802" y="50"/>
-                  </a:lnTo>
-                  <a:lnTo>
-                    <a:pt x="2704" y="25"/>
-                  </a:lnTo>
-                  <a:lnTo>
-                    <a:pt x="2607" y="1"/>
-                  </a:lnTo>
-                  <a:lnTo>
-                    <a:pt x="488" y="1"/>
-                  </a:lnTo>
-                  <a:lnTo>
-                    <a:pt x="488" y="1"/>
-                  </a:lnTo>
-                  <a:lnTo>
-                    <a:pt x="391" y="25"/>
-                  </a:lnTo>
-                  <a:lnTo>
-                    <a:pt x="293" y="50"/>
-                  </a:lnTo>
-                  <a:lnTo>
-                    <a:pt x="220" y="98"/>
-                  </a:lnTo>
-                  <a:lnTo>
-                    <a:pt x="147" y="147"/>
-                  </a:lnTo>
-                  <a:lnTo>
-                    <a:pt x="74" y="220"/>
-                  </a:lnTo>
-                  <a:lnTo>
-                    <a:pt x="50" y="293"/>
-                  </a:lnTo>
-                  <a:lnTo>
-                    <a:pt x="1" y="391"/>
-                  </a:lnTo>
-                  <a:lnTo>
-                    <a:pt x="1" y="488"/>
-                  </a:lnTo>
-                  <a:lnTo>
-                    <a:pt x="1" y="11155"/>
-                  </a:lnTo>
-                  <a:lnTo>
-                    <a:pt x="3094" y="11155"/>
-                  </a:lnTo>
-                  <a:close/>
-                </a:path>
-              </a:pathLst>
-            </a:custGeom>
-            <a:noFill/>
-            <a:ln w="9525" cap="rnd" cmpd="sng">
-              <a:solidFill>
-                <a:srgbClr val="000000"/>
-              </a:solidFill>
-              <a:prstDash val="solid"/>
-              <a:round/>
-              <a:headEnd type="none" w="sm" len="sm"/>
-              <a:tailEnd type="none" w="sm" len="sm"/>
-            </a:ln>
-          </p:spPr>
-          <p:txBody>
-            <a:bodyPr spcFirstLastPara="1" wrap="square" lIns="91425" tIns="91425" rIns="91425" bIns="91425" anchor="ctr" anchorCtr="0">
-              <a:noAutofit/>
-            </a:bodyPr>
-            <a:lstStyle/>
-            <a:p>
-              <a:pPr marL="0" lvl="0" indent="0">
-                <a:spcBef>
-                  <a:spcPts val="0"/>
-                </a:spcBef>
-                <a:spcAft>
-                  <a:spcPts val="0"/>
-                </a:spcAft>
-                <a:buNone/>
-              </a:pPr>
-              <a:endParaRPr/>
-            </a:p>
-          </p:txBody>
-        </p:sp>
-        <p:sp>
-          <p:nvSpPr>
-            <p:cNvPr id="37" name="Shape 617">
-              <a:extLst>
-                <a:ext uri="{FF2B5EF4-FFF2-40B4-BE49-F238E27FC236}">
-                  <a16:creationId xmlns:a16="http://schemas.microsoft.com/office/drawing/2014/main" id="{960B8776-A070-6047-968A-1D9CE9CE28ED}"/>
-                </a:ext>
-              </a:extLst>
-            </p:cNvPr>
-            <p:cNvSpPr/>
-            <p:nvPr/>
-          </p:nvSpPr>
-          <p:spPr>
-            <a:xfrm>
-              <a:off x="4175900" y="3787250"/>
-              <a:ext cx="77350" cy="208250"/>
-            </a:xfrm>
-            <a:custGeom>
-              <a:avLst/>
-              <a:gdLst/>
-              <a:ahLst/>
-              <a:cxnLst/>
-              <a:rect l="0" t="0" r="0" b="0"/>
-              <a:pathLst>
-                <a:path w="3094" h="8330" fill="none" extrusionOk="0">
-                  <a:moveTo>
-                    <a:pt x="3094" y="8329"/>
-                  </a:moveTo>
-                  <a:lnTo>
-                    <a:pt x="3094" y="487"/>
-                  </a:lnTo>
-                  <a:lnTo>
-                    <a:pt x="3094" y="487"/>
-                  </a:lnTo>
-                  <a:lnTo>
-                    <a:pt x="3094" y="390"/>
-                  </a:lnTo>
-                  <a:lnTo>
-                    <a:pt x="3070" y="292"/>
-                  </a:lnTo>
-                  <a:lnTo>
-                    <a:pt x="3021" y="219"/>
-                  </a:lnTo>
-                  <a:lnTo>
-                    <a:pt x="2948" y="146"/>
-                  </a:lnTo>
-                  <a:lnTo>
-                    <a:pt x="2899" y="97"/>
-                  </a:lnTo>
-                  <a:lnTo>
-                    <a:pt x="2802" y="49"/>
-                  </a:lnTo>
-                  <a:lnTo>
-                    <a:pt x="2704" y="24"/>
-                  </a:lnTo>
-                  <a:lnTo>
-                    <a:pt x="2607" y="0"/>
-                  </a:lnTo>
-                  <a:lnTo>
-                    <a:pt x="488" y="0"/>
-                  </a:lnTo>
-                  <a:lnTo>
-                    <a:pt x="488" y="0"/>
-                  </a:lnTo>
-                  <a:lnTo>
-                    <a:pt x="391" y="24"/>
-                  </a:lnTo>
-                  <a:lnTo>
-                    <a:pt x="293" y="49"/>
-                  </a:lnTo>
-                  <a:lnTo>
-                    <a:pt x="220" y="97"/>
-                  </a:lnTo>
-                  <a:lnTo>
-                    <a:pt x="147" y="146"/>
-                  </a:lnTo>
-                  <a:lnTo>
-                    <a:pt x="74" y="219"/>
-                  </a:lnTo>
-                  <a:lnTo>
-                    <a:pt x="50" y="292"/>
-                  </a:lnTo>
-                  <a:lnTo>
-                    <a:pt x="1" y="390"/>
-                  </a:lnTo>
-                  <a:lnTo>
-                    <a:pt x="1" y="487"/>
-                  </a:lnTo>
-                  <a:lnTo>
-                    <a:pt x="1" y="8329"/>
-                  </a:lnTo>
-                  <a:lnTo>
-                    <a:pt x="3094" y="8329"/>
-                  </a:lnTo>
-                  <a:close/>
-                </a:path>
-              </a:pathLst>
-            </a:custGeom>
-            <a:noFill/>
-            <a:ln w="9525" cap="rnd" cmpd="sng">
-              <a:solidFill>
-                <a:srgbClr val="000000"/>
-              </a:solidFill>
-              <a:prstDash val="solid"/>
-              <a:round/>
-              <a:headEnd type="none" w="sm" len="sm"/>
-              <a:tailEnd type="none" w="sm" len="sm"/>
-            </a:ln>
-          </p:spPr>
-          <p:txBody>
-            <a:bodyPr spcFirstLastPara="1" wrap="square" lIns="91425" tIns="91425" rIns="91425" bIns="91425" anchor="ctr" anchorCtr="0">
-              <a:noAutofit/>
-            </a:bodyPr>
-            <a:lstStyle/>
-            <a:p>
-              <a:pPr marL="0" lvl="0" indent="0">
-                <a:spcBef>
-                  <a:spcPts val="0"/>
-                </a:spcBef>
-                <a:spcAft>
-                  <a:spcPts val="0"/>
-                </a:spcAft>
-                <a:buNone/>
-              </a:pPr>
-              <a:endParaRPr/>
-            </a:p>
-          </p:txBody>
-        </p:sp>
-      </p:grpSp>
-      <p:sp>
-        <p:nvSpPr>
-          <p:cNvPr id="12" name="TextBox 11">
-            <a:extLst>
-              <a:ext uri="{FF2B5EF4-FFF2-40B4-BE49-F238E27FC236}">
-                <a16:creationId xmlns:a16="http://schemas.microsoft.com/office/drawing/2014/main" id="{DFF70669-3A7D-6847-9FDB-30D4D774644E}"/>
-              </a:ext>
-            </a:extLst>
-          </p:cNvPr>
-          <p:cNvSpPr txBox="1"/>
-          <p:nvPr/>
-        </p:nvSpPr>
-        <p:spPr>
-          <a:xfrm>
-            <a:off x="4472087" y="679672"/>
-            <a:ext cx="3401893" cy="400110"/>
-          </a:xfrm>
-          <a:prstGeom prst="rect">
-            <a:avLst/>
-          </a:prstGeom>
-          <a:noFill/>
-        </p:spPr>
-        <p:txBody>
-          <a:bodyPr wrap="none" rtlCol="0">
-            <a:spAutoFit/>
-          </a:bodyPr>
-          <a:lstStyle/>
-          <a:p>
-            <a:r>
-              <a:rPr lang="en-US" sz="2000" b="1" dirty="0">
-                <a:solidFill>
-                  <a:schemeClr val="dk1"/>
-                </a:solidFill>
-                <a:latin typeface="Lora"/>
-                <a:sym typeface="Quattrocento Sans"/>
-              </a:rPr>
-              <a:t>Machine Learning: forecasting</a:t>
-            </a:r>
-          </a:p>
-        </p:txBody>
-      </p:sp>
-      <p:pic>
-        <p:nvPicPr>
-          <p:cNvPr id="6" name="Picture 5">
-            <a:extLst>
-              <a:ext uri="{FF2B5EF4-FFF2-40B4-BE49-F238E27FC236}">
-                <a16:creationId xmlns:a16="http://schemas.microsoft.com/office/drawing/2014/main" id="{A7B7C007-53B6-E841-B1D2-ECAB7C9F48CE}"/>
-              </a:ext>
-            </a:extLst>
-          </p:cNvPr>
-          <p:cNvPicPr>
-            <a:picLocks noChangeAspect="1"/>
-          </p:cNvPicPr>
-          <p:nvPr/>
-        </p:nvPicPr>
-        <p:blipFill>
-          <a:blip r:embed="rId3"/>
-          <a:stretch>
-            <a:fillRect/>
-          </a:stretch>
-        </p:blipFill>
-        <p:spPr>
-          <a:xfrm>
-            <a:off x="215153" y="1292269"/>
-            <a:ext cx="4601135" cy="2576636"/>
-          </a:xfrm>
-          <a:prstGeom prst="roundRect">
-            <a:avLst>
-              <a:gd name="adj" fmla="val 8594"/>
-            </a:avLst>
-          </a:prstGeom>
-          <a:solidFill>
-            <a:srgbClr val="FFFFFF">
-              <a:shade val="85000"/>
-            </a:srgbClr>
-          </a:solidFill>
-          <a:ln>
-            <a:noFill/>
-          </a:ln>
-          <a:effectLst>
-            <a:reflection blurRad="12700" stA="38000" endPos="28000" dist="5000" dir="5400000" sy="-100000" algn="bl" rotWithShape="0"/>
-          </a:effectLst>
-        </p:spPr>
-      </p:pic>
-    </p:spTree>
-    <p:extLst>
-      <p:ext uri="{BB962C8B-B14F-4D97-AF65-F5344CB8AC3E}">
-        <p14:creationId xmlns:p14="http://schemas.microsoft.com/office/powerpoint/2010/main" val="3530492101"/>
       </p:ext>
     </p:extLst>
   </p:cSld>
